--- a/desain aplikasi my booking.pptx
+++ b/desain aplikasi my booking.pptx
@@ -7,6 +7,7 @@
   <p:sldIdLst>
     <p:sldId id="256" r:id="rId2"/>
     <p:sldId id="257" r:id="rId3"/>
+    <p:sldId id="258" r:id="rId4"/>
   </p:sldIdLst>
   <p:sldSz cx="12192000" cy="6858000"/>
   <p:notesSz cx="6858000" cy="9144000"/>
@@ -105,6 +106,11 @@
       </a:defRPr>
     </a:lvl9pPr>
   </p:defaultTextStyle>
+  <p:extLst>
+    <p:ext uri="{EFAFB233-063F-42B5-8137-9DF3F51BA10A}">
+      <p15:sldGuideLst xmlns:p15="http://schemas.microsoft.com/office/powerpoint/2012/main"/>
+    </p:ext>
+  </p:extLst>
 </p:presentation>
 </file>
 
@@ -158,7 +164,7 @@
           <a:noFill/>
           <a:extLst>
             <a:ext uri="{909E8E84-426E-40dd-AFC4-6F175D3DCCD1}">
-              <a14:hiddenFill xmlns:a14="http://schemas.microsoft.com/office/drawing/2010/main" xmlns="">
+              <a14:hiddenFill xmlns="" xmlns:a14="http://schemas.microsoft.com/office/drawing/2010/main">
                 <a:solidFill>
                   <a:srgbClr val="FFFFFF"/>
                 </a:solidFill>
@@ -218,7 +224,7 @@
             </a:ln>
             <a:extLst>
               <a:ext uri="{91240B29-F687-4f45-9708-019B960494DF}">
-                <a14:hiddenLine xmlns:a14="http://schemas.microsoft.com/office/drawing/2010/main" xmlns="" w="9525">
+                <a14:hiddenLine xmlns="" xmlns:a14="http://schemas.microsoft.com/office/drawing/2010/main" w="9525">
                   <a:solidFill>
                     <a:srgbClr val="000000"/>
                   </a:solidFill>
@@ -308,7 +314,7 @@
             </a:ln>
             <a:extLst>
               <a:ext uri="{91240B29-F687-4f45-9708-019B960494DF}">
-                <a14:hiddenLine xmlns:a14="http://schemas.microsoft.com/office/drawing/2010/main" xmlns="" w="9525">
+                <a14:hiddenLine xmlns="" xmlns:a14="http://schemas.microsoft.com/office/drawing/2010/main" w="9525">
                   <a:solidFill>
                     <a:srgbClr val="000000"/>
                   </a:solidFill>
@@ -398,7 +404,7 @@
             </a:ln>
             <a:extLst>
               <a:ext uri="{91240B29-F687-4f45-9708-019B960494DF}">
-                <a14:hiddenLine xmlns:a14="http://schemas.microsoft.com/office/drawing/2010/main" xmlns="" w="9525">
+                <a14:hiddenLine xmlns="" xmlns:a14="http://schemas.microsoft.com/office/drawing/2010/main" w="9525">
                   <a:solidFill>
                     <a:srgbClr val="000000"/>
                   </a:solidFill>
@@ -432,7 +438,7 @@
             </a:ln>
             <a:extLst>
               <a:ext uri="{91240B29-F687-4f45-9708-019B960494DF}">
-                <a14:hiddenLine xmlns:a14="http://schemas.microsoft.com/office/drawing/2010/main" xmlns="" w="9525">
+                <a14:hiddenLine xmlns="" xmlns:a14="http://schemas.microsoft.com/office/drawing/2010/main" w="9525">
                   <a:solidFill>
                     <a:srgbClr val="000000"/>
                   </a:solidFill>
@@ -522,7 +528,7 @@
             </a:ln>
             <a:extLst>
               <a:ext uri="{91240B29-F687-4f45-9708-019B960494DF}">
-                <a14:hiddenLine xmlns:a14="http://schemas.microsoft.com/office/drawing/2010/main" xmlns="" w="9525">
+                <a14:hiddenLine xmlns="" xmlns:a14="http://schemas.microsoft.com/office/drawing/2010/main" w="9525">
                   <a:solidFill>
                     <a:srgbClr val="000000"/>
                   </a:solidFill>
@@ -584,7 +590,7 @@
             </a:ln>
             <a:extLst>
               <a:ext uri="{91240B29-F687-4f45-9708-019B960494DF}">
-                <a14:hiddenLine xmlns:a14="http://schemas.microsoft.com/office/drawing/2010/main" xmlns="" w="9525">
+                <a14:hiddenLine xmlns="" xmlns:a14="http://schemas.microsoft.com/office/drawing/2010/main" w="9525">
                   <a:solidFill>
                     <a:srgbClr val="000000"/>
                   </a:solidFill>
@@ -646,7 +652,7 @@
             </a:ln>
             <a:extLst>
               <a:ext uri="{91240B29-F687-4f45-9708-019B960494DF}">
-                <a14:hiddenLine xmlns:a14="http://schemas.microsoft.com/office/drawing/2010/main" xmlns="" w="9525">
+                <a14:hiddenLine xmlns="" xmlns:a14="http://schemas.microsoft.com/office/drawing/2010/main" w="9525">
                   <a:solidFill>
                     <a:srgbClr val="000000"/>
                   </a:solidFill>
@@ -736,7 +742,7 @@
             </a:ln>
             <a:extLst>
               <a:ext uri="{91240B29-F687-4f45-9708-019B960494DF}">
-                <a14:hiddenLine xmlns:a14="http://schemas.microsoft.com/office/drawing/2010/main" xmlns="" w="9525">
+                <a14:hiddenLine xmlns="" xmlns:a14="http://schemas.microsoft.com/office/drawing/2010/main" w="9525">
                   <a:solidFill>
                     <a:srgbClr val="000000"/>
                   </a:solidFill>
@@ -798,7 +804,7 @@
             </a:ln>
             <a:extLst>
               <a:ext uri="{91240B29-F687-4f45-9708-019B960494DF}">
-                <a14:hiddenLine xmlns:a14="http://schemas.microsoft.com/office/drawing/2010/main" xmlns="" w="9525">
+                <a14:hiddenLine xmlns="" xmlns:a14="http://schemas.microsoft.com/office/drawing/2010/main" w="9525">
                   <a:solidFill>
                     <a:srgbClr val="000000"/>
                   </a:solidFill>
@@ -860,7 +866,7 @@
             </a:ln>
             <a:extLst>
               <a:ext uri="{91240B29-F687-4f45-9708-019B960494DF}">
-                <a14:hiddenLine xmlns:a14="http://schemas.microsoft.com/office/drawing/2010/main" xmlns="" w="9525">
+                <a14:hiddenLine xmlns="" xmlns:a14="http://schemas.microsoft.com/office/drawing/2010/main" w="9525">
                   <a:solidFill>
                     <a:srgbClr val="000000"/>
                   </a:solidFill>
@@ -950,7 +956,7 @@
             </a:ln>
             <a:extLst>
               <a:ext uri="{91240B29-F687-4f45-9708-019B960494DF}">
-                <a14:hiddenLine xmlns:a14="http://schemas.microsoft.com/office/drawing/2010/main" xmlns="" w="9525">
+                <a14:hiddenLine xmlns="" xmlns:a14="http://schemas.microsoft.com/office/drawing/2010/main" w="9525">
                   <a:solidFill>
                     <a:srgbClr val="000000"/>
                   </a:solidFill>
@@ -1040,7 +1046,7 @@
             </a:ln>
             <a:extLst>
               <a:ext uri="{91240B29-F687-4f45-9708-019B960494DF}">
-                <a14:hiddenLine xmlns:a14="http://schemas.microsoft.com/office/drawing/2010/main" xmlns="" w="9525">
+                <a14:hiddenLine xmlns="" xmlns:a14="http://schemas.microsoft.com/office/drawing/2010/main" w="9525">
                   <a:solidFill>
                     <a:srgbClr val="000000"/>
                   </a:solidFill>
@@ -1102,7 +1108,7 @@
             </a:ln>
             <a:extLst>
               <a:ext uri="{91240B29-F687-4f45-9708-019B960494DF}">
-                <a14:hiddenLine xmlns:a14="http://schemas.microsoft.com/office/drawing/2010/main" xmlns="" w="9525">
+                <a14:hiddenLine xmlns="" xmlns:a14="http://schemas.microsoft.com/office/drawing/2010/main" w="9525">
                   <a:solidFill>
                     <a:srgbClr val="000000"/>
                   </a:solidFill>
@@ -1212,7 +1218,7 @@
             </a:ln>
             <a:extLst>
               <a:ext uri="{91240B29-F687-4f45-9708-019B960494DF}">
-                <a14:hiddenLine xmlns:a14="http://schemas.microsoft.com/office/drawing/2010/main" xmlns="" w="9525">
+                <a14:hiddenLine xmlns="" xmlns:a14="http://schemas.microsoft.com/office/drawing/2010/main" w="9525">
                   <a:solidFill>
                     <a:srgbClr val="000000"/>
                   </a:solidFill>
@@ -1274,7 +1280,7 @@
             </a:ln>
             <a:extLst>
               <a:ext uri="{91240B29-F687-4f45-9708-019B960494DF}">
-                <a14:hiddenLine xmlns:a14="http://schemas.microsoft.com/office/drawing/2010/main" xmlns="" w="9525">
+                <a14:hiddenLine xmlns="" xmlns:a14="http://schemas.microsoft.com/office/drawing/2010/main" w="9525">
                   <a:solidFill>
                     <a:srgbClr val="000000"/>
                   </a:solidFill>
@@ -1364,7 +1370,7 @@
             </a:ln>
             <a:extLst>
               <a:ext uri="{91240B29-F687-4f45-9708-019B960494DF}">
-                <a14:hiddenLine xmlns:a14="http://schemas.microsoft.com/office/drawing/2010/main" xmlns="" w="9525">
+                <a14:hiddenLine xmlns="" xmlns:a14="http://schemas.microsoft.com/office/drawing/2010/main" w="9525">
                   <a:solidFill>
                     <a:srgbClr val="000000"/>
                   </a:solidFill>
@@ -1454,7 +1460,7 @@
             </a:ln>
             <a:extLst>
               <a:ext uri="{91240B29-F687-4f45-9708-019B960494DF}">
-                <a14:hiddenLine xmlns:a14="http://schemas.microsoft.com/office/drawing/2010/main" xmlns="" w="9525">
+                <a14:hiddenLine xmlns="" xmlns:a14="http://schemas.microsoft.com/office/drawing/2010/main" w="9525">
                   <a:solidFill>
                     <a:srgbClr val="000000"/>
                   </a:solidFill>
@@ -1516,7 +1522,7 @@
             </a:ln>
             <a:extLst>
               <a:ext uri="{91240B29-F687-4f45-9708-019B960494DF}">
-                <a14:hiddenLine xmlns:a14="http://schemas.microsoft.com/office/drawing/2010/main" xmlns="" w="9525">
+                <a14:hiddenLine xmlns="" xmlns:a14="http://schemas.microsoft.com/office/drawing/2010/main" w="9525">
                   <a:solidFill>
                     <a:srgbClr val="000000"/>
                   </a:solidFill>
@@ -1606,7 +1612,7 @@
             </a:ln>
             <a:extLst>
               <a:ext uri="{91240B29-F687-4f45-9708-019B960494DF}">
-                <a14:hiddenLine xmlns:a14="http://schemas.microsoft.com/office/drawing/2010/main" xmlns="" w="9525">
+                <a14:hiddenLine xmlns="" xmlns:a14="http://schemas.microsoft.com/office/drawing/2010/main" w="9525">
                   <a:solidFill>
                     <a:srgbClr val="000000"/>
                   </a:solidFill>
@@ -1696,7 +1702,7 @@
             </a:ln>
             <a:extLst>
               <a:ext uri="{91240B29-F687-4f45-9708-019B960494DF}">
-                <a14:hiddenLine xmlns:a14="http://schemas.microsoft.com/office/drawing/2010/main" xmlns="" w="9525">
+                <a14:hiddenLine xmlns="" xmlns:a14="http://schemas.microsoft.com/office/drawing/2010/main" w="9525">
                   <a:solidFill>
                     <a:srgbClr val="000000"/>
                   </a:solidFill>
@@ -1752,7 +1758,7 @@
             </a:ln>
             <a:extLst>
               <a:ext uri="{91240B29-F687-4f45-9708-019B960494DF}">
-                <a14:hiddenLine xmlns:a14="http://schemas.microsoft.com/office/drawing/2010/main" xmlns="" w="9525">
+                <a14:hiddenLine xmlns="" xmlns:a14="http://schemas.microsoft.com/office/drawing/2010/main" w="9525">
                   <a:solidFill>
                     <a:srgbClr val="000000"/>
                   </a:solidFill>
@@ -1842,7 +1848,7 @@
             </a:ln>
             <a:extLst>
               <a:ext uri="{91240B29-F687-4f45-9708-019B960494DF}">
-                <a14:hiddenLine xmlns:a14="http://schemas.microsoft.com/office/drawing/2010/main" xmlns="" w="9525">
+                <a14:hiddenLine xmlns="" xmlns:a14="http://schemas.microsoft.com/office/drawing/2010/main" w="9525">
                   <a:solidFill>
                     <a:srgbClr val="000000"/>
                   </a:solidFill>
@@ -1898,7 +1904,7 @@
             </a:ln>
             <a:extLst>
               <a:ext uri="{91240B29-F687-4f45-9708-019B960494DF}">
-                <a14:hiddenLine xmlns:a14="http://schemas.microsoft.com/office/drawing/2010/main" xmlns="" w="9525">
+                <a14:hiddenLine xmlns="" xmlns:a14="http://schemas.microsoft.com/office/drawing/2010/main" w="9525">
                   <a:solidFill>
                     <a:srgbClr val="000000"/>
                   </a:solidFill>
@@ -1988,7 +1994,7 @@
             </a:ln>
             <a:extLst>
               <a:ext uri="{91240B29-F687-4f45-9708-019B960494DF}">
-                <a14:hiddenLine xmlns:a14="http://schemas.microsoft.com/office/drawing/2010/main" xmlns="" w="9525">
+                <a14:hiddenLine xmlns="" xmlns:a14="http://schemas.microsoft.com/office/drawing/2010/main" w="9525">
                   <a:solidFill>
                     <a:srgbClr val="000000"/>
                   </a:solidFill>
@@ -2056,7 +2062,7 @@
             </a:ln>
             <a:extLst>
               <a:ext uri="{91240B29-F687-4f45-9708-019B960494DF}">
-                <a14:hiddenLine xmlns:a14="http://schemas.microsoft.com/office/drawing/2010/main" xmlns="" w="9525">
+                <a14:hiddenLine xmlns="" xmlns:a14="http://schemas.microsoft.com/office/drawing/2010/main" w="9525">
                   <a:solidFill>
                     <a:srgbClr val="000000"/>
                   </a:solidFill>
@@ -2146,7 +2152,7 @@
             </a:ln>
             <a:extLst>
               <a:ext uri="{91240B29-F687-4f45-9708-019B960494DF}">
-                <a14:hiddenLine xmlns:a14="http://schemas.microsoft.com/office/drawing/2010/main" xmlns="" w="9525">
+                <a14:hiddenLine xmlns="" xmlns:a14="http://schemas.microsoft.com/office/drawing/2010/main" w="9525">
                   <a:solidFill>
                     <a:srgbClr val="000000"/>
                   </a:solidFill>
@@ -2214,7 +2220,7 @@
             </a:ln>
             <a:extLst>
               <a:ext uri="{91240B29-F687-4f45-9708-019B960494DF}">
-                <a14:hiddenLine xmlns:a14="http://schemas.microsoft.com/office/drawing/2010/main" xmlns="" w="9525">
+                <a14:hiddenLine xmlns="" xmlns:a14="http://schemas.microsoft.com/office/drawing/2010/main" w="9525">
                   <a:solidFill>
                     <a:srgbClr val="000000"/>
                   </a:solidFill>
@@ -2304,7 +2310,7 @@
             </a:ln>
             <a:extLst>
               <a:ext uri="{91240B29-F687-4f45-9708-019B960494DF}">
-                <a14:hiddenLine xmlns:a14="http://schemas.microsoft.com/office/drawing/2010/main" xmlns="" w="9525">
+                <a14:hiddenLine xmlns="" xmlns:a14="http://schemas.microsoft.com/office/drawing/2010/main" w="9525">
                   <a:solidFill>
                     <a:srgbClr val="000000"/>
                   </a:solidFill>
@@ -2338,7 +2344,7 @@
             </a:ln>
             <a:extLst>
               <a:ext uri="{91240B29-F687-4f45-9708-019B960494DF}">
-                <a14:hiddenLine xmlns:a14="http://schemas.microsoft.com/office/drawing/2010/main" xmlns="" w="9525">
+                <a14:hiddenLine xmlns="" xmlns:a14="http://schemas.microsoft.com/office/drawing/2010/main" w="9525">
                   <a:solidFill>
                     <a:srgbClr val="000000"/>
                   </a:solidFill>
@@ -2428,7 +2434,7 @@
             </a:ln>
             <a:extLst>
               <a:ext uri="{91240B29-F687-4f45-9708-019B960494DF}">
-                <a14:hiddenLine xmlns:a14="http://schemas.microsoft.com/office/drawing/2010/main" xmlns="" w="9525">
+                <a14:hiddenLine xmlns="" xmlns:a14="http://schemas.microsoft.com/office/drawing/2010/main" w="9525">
                   <a:solidFill>
                     <a:srgbClr val="000000"/>
                   </a:solidFill>
@@ -2490,7 +2496,7 @@
             </a:ln>
             <a:extLst>
               <a:ext uri="{91240B29-F687-4f45-9708-019B960494DF}">
-                <a14:hiddenLine xmlns:a14="http://schemas.microsoft.com/office/drawing/2010/main" xmlns="" w="9525">
+                <a14:hiddenLine xmlns="" xmlns:a14="http://schemas.microsoft.com/office/drawing/2010/main" w="9525">
                   <a:solidFill>
                     <a:srgbClr val="000000"/>
                   </a:solidFill>
@@ -2552,7 +2558,7 @@
             </a:ln>
             <a:extLst>
               <a:ext uri="{91240B29-F687-4f45-9708-019B960494DF}">
-                <a14:hiddenLine xmlns:a14="http://schemas.microsoft.com/office/drawing/2010/main" xmlns="" w="9525">
+                <a14:hiddenLine xmlns="" xmlns:a14="http://schemas.microsoft.com/office/drawing/2010/main" w="9525">
                   <a:solidFill>
                     <a:srgbClr val="000000"/>
                   </a:solidFill>
@@ -2642,7 +2648,7 @@
             </a:ln>
             <a:extLst>
               <a:ext uri="{91240B29-F687-4f45-9708-019B960494DF}">
-                <a14:hiddenLine xmlns:a14="http://schemas.microsoft.com/office/drawing/2010/main" xmlns="" w="9525">
+                <a14:hiddenLine xmlns="" xmlns:a14="http://schemas.microsoft.com/office/drawing/2010/main" w="9525">
                   <a:solidFill>
                     <a:srgbClr val="000000"/>
                   </a:solidFill>
@@ -2710,7 +2716,7 @@
             </a:ln>
             <a:extLst>
               <a:ext uri="{91240B29-F687-4f45-9708-019B960494DF}">
-                <a14:hiddenLine xmlns:a14="http://schemas.microsoft.com/office/drawing/2010/main" xmlns="" w="9525">
+                <a14:hiddenLine xmlns="" xmlns:a14="http://schemas.microsoft.com/office/drawing/2010/main" w="9525">
                   <a:solidFill>
                     <a:srgbClr val="000000"/>
                   </a:solidFill>
@@ -2772,7 +2778,7 @@
             </a:ln>
             <a:extLst>
               <a:ext uri="{91240B29-F687-4f45-9708-019B960494DF}">
-                <a14:hiddenLine xmlns:a14="http://schemas.microsoft.com/office/drawing/2010/main" xmlns="" w="9525">
+                <a14:hiddenLine xmlns="" xmlns:a14="http://schemas.microsoft.com/office/drawing/2010/main" w="9525">
                   <a:solidFill>
                     <a:srgbClr val="000000"/>
                   </a:solidFill>
@@ -2862,7 +2868,7 @@
             </a:ln>
             <a:extLst>
               <a:ext uri="{91240B29-F687-4f45-9708-019B960494DF}">
-                <a14:hiddenLine xmlns:a14="http://schemas.microsoft.com/office/drawing/2010/main" xmlns="" w="9525">
+                <a14:hiddenLine xmlns="" xmlns:a14="http://schemas.microsoft.com/office/drawing/2010/main" w="9525">
                   <a:solidFill>
                     <a:srgbClr val="000000"/>
                   </a:solidFill>
@@ -2924,7 +2930,7 @@
             </a:ln>
             <a:extLst>
               <a:ext uri="{91240B29-F687-4f45-9708-019B960494DF}">
-                <a14:hiddenLine xmlns:a14="http://schemas.microsoft.com/office/drawing/2010/main" xmlns="" w="9525">
+                <a14:hiddenLine xmlns="" xmlns:a14="http://schemas.microsoft.com/office/drawing/2010/main" w="9525">
                   <a:solidFill>
                     <a:srgbClr val="000000"/>
                   </a:solidFill>
@@ -3014,7 +3020,7 @@
             </a:ln>
             <a:extLst>
               <a:ext uri="{91240B29-F687-4f45-9708-019B960494DF}">
-                <a14:hiddenLine xmlns:a14="http://schemas.microsoft.com/office/drawing/2010/main" xmlns="" w="9525">
+                <a14:hiddenLine xmlns="" xmlns:a14="http://schemas.microsoft.com/office/drawing/2010/main" w="9525">
                   <a:solidFill>
                     <a:srgbClr val="000000"/>
                   </a:solidFill>
@@ -3076,7 +3082,7 @@
             </a:ln>
             <a:extLst>
               <a:ext uri="{91240B29-F687-4f45-9708-019B960494DF}">
-                <a14:hiddenLine xmlns:a14="http://schemas.microsoft.com/office/drawing/2010/main" xmlns="" w="9525">
+                <a14:hiddenLine xmlns="" xmlns:a14="http://schemas.microsoft.com/office/drawing/2010/main" w="9525">
                   <a:solidFill>
                     <a:srgbClr val="000000"/>
                   </a:solidFill>
@@ -3166,7 +3172,7 @@
             </a:ln>
             <a:extLst>
               <a:ext uri="{91240B29-F687-4f45-9708-019B960494DF}">
-                <a14:hiddenLine xmlns:a14="http://schemas.microsoft.com/office/drawing/2010/main" xmlns="" w="9525">
+                <a14:hiddenLine xmlns="" xmlns:a14="http://schemas.microsoft.com/office/drawing/2010/main" w="9525">
                   <a:solidFill>
                     <a:srgbClr val="000000"/>
                   </a:solidFill>
@@ -3200,7 +3206,7 @@
             </a:ln>
             <a:extLst>
               <a:ext uri="{91240B29-F687-4f45-9708-019B960494DF}">
-                <a14:hiddenLine xmlns:a14="http://schemas.microsoft.com/office/drawing/2010/main" xmlns="" w="9525">
+                <a14:hiddenLine xmlns="" xmlns:a14="http://schemas.microsoft.com/office/drawing/2010/main" w="9525">
                   <a:solidFill>
                     <a:srgbClr val="000000"/>
                   </a:solidFill>
@@ -3265,7 +3271,7 @@
             </a:ln>
             <a:extLst>
               <a:ext uri="{91240B29-F687-4f45-9708-019B960494DF}">
-                <a14:hiddenLine xmlns:a14="http://schemas.microsoft.com/office/drawing/2010/main" xmlns="" w="9525">
+                <a14:hiddenLine xmlns="" xmlns:a14="http://schemas.microsoft.com/office/drawing/2010/main" w="9525">
                   <a:solidFill>
                     <a:srgbClr val="000000"/>
                   </a:solidFill>
@@ -3355,7 +3361,7 @@
             </a:ln>
             <a:extLst>
               <a:ext uri="{91240B29-F687-4f45-9708-019B960494DF}">
-                <a14:hiddenLine xmlns:a14="http://schemas.microsoft.com/office/drawing/2010/main" xmlns="" w="9525">
+                <a14:hiddenLine xmlns="" xmlns:a14="http://schemas.microsoft.com/office/drawing/2010/main" w="9525">
                   <a:solidFill>
                     <a:srgbClr val="000000"/>
                   </a:solidFill>
@@ -3417,7 +3423,7 @@
             </a:ln>
             <a:extLst>
               <a:ext uri="{91240B29-F687-4f45-9708-019B960494DF}">
-                <a14:hiddenLine xmlns:a14="http://schemas.microsoft.com/office/drawing/2010/main" xmlns="" w="9525">
+                <a14:hiddenLine xmlns="" xmlns:a14="http://schemas.microsoft.com/office/drawing/2010/main" w="9525">
                   <a:solidFill>
                     <a:srgbClr val="000000"/>
                   </a:solidFill>
@@ -3507,7 +3513,7 @@
             </a:ln>
             <a:extLst>
               <a:ext uri="{91240B29-F687-4f45-9708-019B960494DF}">
-                <a14:hiddenLine xmlns:a14="http://schemas.microsoft.com/office/drawing/2010/main" xmlns="" w="9525">
+                <a14:hiddenLine xmlns="" xmlns:a14="http://schemas.microsoft.com/office/drawing/2010/main" w="9525">
                   <a:solidFill>
                     <a:srgbClr val="000000"/>
                   </a:solidFill>
@@ -3597,7 +3603,7 @@
             </a:ln>
             <a:extLst>
               <a:ext uri="{91240B29-F687-4f45-9708-019B960494DF}">
-                <a14:hiddenLine xmlns:a14="http://schemas.microsoft.com/office/drawing/2010/main" xmlns="" w="9525">
+                <a14:hiddenLine xmlns="" xmlns:a14="http://schemas.microsoft.com/office/drawing/2010/main" w="9525">
                   <a:solidFill>
                     <a:srgbClr val="000000"/>
                   </a:solidFill>
@@ -3662,7 +3668,7 @@
             </a:ln>
             <a:extLst>
               <a:ext uri="{91240B29-F687-4f45-9708-019B960494DF}">
-                <a14:hiddenLine xmlns:a14="http://schemas.microsoft.com/office/drawing/2010/main" xmlns="" w="9525">
+                <a14:hiddenLine xmlns="" xmlns:a14="http://schemas.microsoft.com/office/drawing/2010/main" w="9525">
                   <a:solidFill>
                     <a:srgbClr val="000000"/>
                   </a:solidFill>
@@ -3724,7 +3730,7 @@
             </a:ln>
             <a:extLst>
               <a:ext uri="{91240B29-F687-4f45-9708-019B960494DF}">
-                <a14:hiddenLine xmlns:a14="http://schemas.microsoft.com/office/drawing/2010/main" xmlns="" w="9525">
+                <a14:hiddenLine xmlns="" xmlns:a14="http://schemas.microsoft.com/office/drawing/2010/main" w="9525">
                   <a:solidFill>
                     <a:srgbClr val="000000"/>
                   </a:solidFill>
@@ -3814,7 +3820,7 @@
             </a:ln>
             <a:extLst>
               <a:ext uri="{91240B29-F687-4f45-9708-019B960494DF}">
-                <a14:hiddenLine xmlns:a14="http://schemas.microsoft.com/office/drawing/2010/main" xmlns="" w="9525">
+                <a14:hiddenLine xmlns="" xmlns:a14="http://schemas.microsoft.com/office/drawing/2010/main" w="9525">
                   <a:solidFill>
                     <a:srgbClr val="000000"/>
                   </a:solidFill>
@@ -3904,7 +3910,7 @@
             </a:ln>
             <a:extLst>
               <a:ext uri="{91240B29-F687-4f45-9708-019B960494DF}">
-                <a14:hiddenLine xmlns:a14="http://schemas.microsoft.com/office/drawing/2010/main" xmlns="" w="9525">
+                <a14:hiddenLine xmlns="" xmlns:a14="http://schemas.microsoft.com/office/drawing/2010/main" w="9525">
                   <a:solidFill>
                     <a:srgbClr val="000000"/>
                   </a:solidFill>
@@ -3966,7 +3972,7 @@
             </a:ln>
             <a:extLst>
               <a:ext uri="{91240B29-F687-4f45-9708-019B960494DF}">
-                <a14:hiddenLine xmlns:a14="http://schemas.microsoft.com/office/drawing/2010/main" xmlns="" w="9525">
+                <a14:hiddenLine xmlns="" xmlns:a14="http://schemas.microsoft.com/office/drawing/2010/main" w="9525">
                   <a:solidFill>
                     <a:srgbClr val="000000"/>
                   </a:solidFill>
@@ -4086,7 +4092,7 @@
             </a:ln>
             <a:extLst>
               <a:ext uri="{91240B29-F687-4f45-9708-019B960494DF}">
-                <a14:hiddenLine xmlns:a14="http://schemas.microsoft.com/office/drawing/2010/main" xmlns="" w="9525">
+                <a14:hiddenLine xmlns="" xmlns:a14="http://schemas.microsoft.com/office/drawing/2010/main" w="9525">
                   <a:solidFill>
                     <a:srgbClr val="000000"/>
                   </a:solidFill>
@@ -4154,7 +4160,7 @@
             </a:ln>
             <a:extLst>
               <a:ext uri="{91240B29-F687-4f45-9708-019B960494DF}">
-                <a14:hiddenLine xmlns:a14="http://schemas.microsoft.com/office/drawing/2010/main" xmlns="" w="9525">
+                <a14:hiddenLine xmlns="" xmlns:a14="http://schemas.microsoft.com/office/drawing/2010/main" w="9525">
                   <a:solidFill>
                     <a:srgbClr val="000000"/>
                   </a:solidFill>
@@ -4244,7 +4250,7 @@
             </a:ln>
             <a:extLst>
               <a:ext uri="{91240B29-F687-4f45-9708-019B960494DF}">
-                <a14:hiddenLine xmlns:a14="http://schemas.microsoft.com/office/drawing/2010/main" xmlns="" w="9525">
+                <a14:hiddenLine xmlns="" xmlns:a14="http://schemas.microsoft.com/office/drawing/2010/main" w="9525">
                   <a:solidFill>
                     <a:srgbClr val="000000"/>
                   </a:solidFill>
@@ -9051,7 +9057,7 @@
           <a:noFill/>
           <a:extLst>
             <a:ext uri="{909E8E84-426E-40dd-AFC4-6F175D3DCCD1}">
-              <a14:hiddenFill xmlns:a14="http://schemas.microsoft.com/office/drawing/2010/main" xmlns="">
+              <a14:hiddenFill xmlns="" xmlns:a14="http://schemas.microsoft.com/office/drawing/2010/main">
                 <a:solidFill>
                   <a:srgbClr val="FFFFFF"/>
                 </a:solidFill>
@@ -9125,7 +9131,7 @@
               </a:ln>
               <a:extLst>
                 <a:ext uri="{91240B29-F687-4f45-9708-019B960494DF}">
-                  <a14:hiddenLine xmlns:a14="http://schemas.microsoft.com/office/drawing/2010/main" xmlns="" w="9525">
+                  <a14:hiddenLine xmlns="" xmlns:a14="http://schemas.microsoft.com/office/drawing/2010/main" w="9525">
                     <a:solidFill>
                       <a:srgbClr val="000000"/>
                     </a:solidFill>
@@ -9215,7 +9221,7 @@
               </a:ln>
               <a:extLst>
                 <a:ext uri="{91240B29-F687-4f45-9708-019B960494DF}">
-                  <a14:hiddenLine xmlns:a14="http://schemas.microsoft.com/office/drawing/2010/main" xmlns="" w="9525">
+                  <a14:hiddenLine xmlns="" xmlns:a14="http://schemas.microsoft.com/office/drawing/2010/main" w="9525">
                     <a:solidFill>
                       <a:srgbClr val="000000"/>
                     </a:solidFill>
@@ -9305,7 +9311,7 @@
               </a:ln>
               <a:extLst>
                 <a:ext uri="{91240B29-F687-4f45-9708-019B960494DF}">
-                  <a14:hiddenLine xmlns:a14="http://schemas.microsoft.com/office/drawing/2010/main" xmlns="" w="9525">
+                  <a14:hiddenLine xmlns="" xmlns:a14="http://schemas.microsoft.com/office/drawing/2010/main" w="9525">
                     <a:solidFill>
                       <a:srgbClr val="000000"/>
                     </a:solidFill>
@@ -9367,7 +9373,7 @@
               </a:ln>
               <a:extLst>
                 <a:ext uri="{91240B29-F687-4f45-9708-019B960494DF}">
-                  <a14:hiddenLine xmlns:a14="http://schemas.microsoft.com/office/drawing/2010/main" xmlns="" w="9525">
+                  <a14:hiddenLine xmlns="" xmlns:a14="http://schemas.microsoft.com/office/drawing/2010/main" w="9525">
                     <a:solidFill>
                       <a:srgbClr val="000000"/>
                     </a:solidFill>
@@ -9457,7 +9463,7 @@
               </a:ln>
               <a:extLst>
                 <a:ext uri="{91240B29-F687-4f45-9708-019B960494DF}">
-                  <a14:hiddenLine xmlns:a14="http://schemas.microsoft.com/office/drawing/2010/main" xmlns="" w="9525">
+                  <a14:hiddenLine xmlns="" xmlns:a14="http://schemas.microsoft.com/office/drawing/2010/main" w="9525">
                     <a:solidFill>
                       <a:srgbClr val="000000"/>
                     </a:solidFill>
@@ -9519,7 +9525,7 @@
               </a:ln>
               <a:extLst>
                 <a:ext uri="{91240B29-F687-4f45-9708-019B960494DF}">
-                  <a14:hiddenLine xmlns:a14="http://schemas.microsoft.com/office/drawing/2010/main" xmlns="" w="9525">
+                  <a14:hiddenLine xmlns="" xmlns:a14="http://schemas.microsoft.com/office/drawing/2010/main" w="9525">
                     <a:solidFill>
                       <a:srgbClr val="000000"/>
                     </a:solidFill>
@@ -9581,7 +9587,7 @@
               </a:ln>
               <a:extLst>
                 <a:ext uri="{91240B29-F687-4f45-9708-019B960494DF}">
-                  <a14:hiddenLine xmlns:a14="http://schemas.microsoft.com/office/drawing/2010/main" xmlns="" w="9525">
+                  <a14:hiddenLine xmlns="" xmlns:a14="http://schemas.microsoft.com/office/drawing/2010/main" w="9525">
                     <a:solidFill>
                       <a:srgbClr val="000000"/>
                     </a:solidFill>
@@ -9671,7 +9677,7 @@
               </a:ln>
               <a:extLst>
                 <a:ext uri="{91240B29-F687-4f45-9708-019B960494DF}">
-                  <a14:hiddenLine xmlns:a14="http://schemas.microsoft.com/office/drawing/2010/main" xmlns="" w="9525">
+                  <a14:hiddenLine xmlns="" xmlns:a14="http://schemas.microsoft.com/office/drawing/2010/main" w="9525">
                     <a:solidFill>
                       <a:srgbClr val="000000"/>
                     </a:solidFill>
@@ -9761,7 +9767,7 @@
               </a:ln>
               <a:extLst>
                 <a:ext uri="{91240B29-F687-4f45-9708-019B960494DF}">
-                  <a14:hiddenLine xmlns:a14="http://schemas.microsoft.com/office/drawing/2010/main" xmlns="" w="9525">
+                  <a14:hiddenLine xmlns="" xmlns:a14="http://schemas.microsoft.com/office/drawing/2010/main" w="9525">
                     <a:solidFill>
                       <a:srgbClr val="000000"/>
                     </a:solidFill>
@@ -9823,7 +9829,7 @@
               </a:ln>
               <a:extLst>
                 <a:ext uri="{91240B29-F687-4f45-9708-019B960494DF}">
-                  <a14:hiddenLine xmlns:a14="http://schemas.microsoft.com/office/drawing/2010/main" xmlns="" w="9525">
+                  <a14:hiddenLine xmlns="" xmlns:a14="http://schemas.microsoft.com/office/drawing/2010/main" w="9525">
                     <a:solidFill>
                       <a:srgbClr val="000000"/>
                     </a:solidFill>
@@ -9933,7 +9939,7 @@
               </a:ln>
               <a:extLst>
                 <a:ext uri="{91240B29-F687-4f45-9708-019B960494DF}">
-                  <a14:hiddenLine xmlns:a14="http://schemas.microsoft.com/office/drawing/2010/main" xmlns="" w="9525">
+                  <a14:hiddenLine xmlns="" xmlns:a14="http://schemas.microsoft.com/office/drawing/2010/main" w="9525">
                     <a:solidFill>
                       <a:srgbClr val="000000"/>
                     </a:solidFill>
@@ -10017,7 +10023,7 @@
               </a:ln>
               <a:extLst>
                 <a:ext uri="{91240B29-F687-4f45-9708-019B960494DF}">
-                  <a14:hiddenLine xmlns:a14="http://schemas.microsoft.com/office/drawing/2010/main" xmlns="" w="9525">
+                  <a14:hiddenLine xmlns="" xmlns:a14="http://schemas.microsoft.com/office/drawing/2010/main" w="9525">
                     <a:solidFill>
                       <a:srgbClr val="000000"/>
                     </a:solidFill>
@@ -10079,7 +10085,7 @@
               </a:ln>
               <a:extLst>
                 <a:ext uri="{91240B29-F687-4f45-9708-019B960494DF}">
-                  <a14:hiddenLine xmlns:a14="http://schemas.microsoft.com/office/drawing/2010/main" xmlns="" w="9525">
+                  <a14:hiddenLine xmlns="" xmlns:a14="http://schemas.microsoft.com/office/drawing/2010/main" w="9525">
                     <a:solidFill>
                       <a:srgbClr val="000000"/>
                     </a:solidFill>
@@ -10141,7 +10147,7 @@
               </a:ln>
               <a:extLst>
                 <a:ext uri="{91240B29-F687-4f45-9708-019B960494DF}">
-                  <a14:hiddenLine xmlns:a14="http://schemas.microsoft.com/office/drawing/2010/main" xmlns="" w="9525">
+                  <a14:hiddenLine xmlns="" xmlns:a14="http://schemas.microsoft.com/office/drawing/2010/main" w="9525">
                     <a:solidFill>
                       <a:srgbClr val="000000"/>
                     </a:solidFill>
@@ -10231,7 +10237,7 @@
               </a:ln>
               <a:extLst>
                 <a:ext uri="{91240B29-F687-4f45-9708-019B960494DF}">
-                  <a14:hiddenLine xmlns:a14="http://schemas.microsoft.com/office/drawing/2010/main" xmlns="" w="9525">
+                  <a14:hiddenLine xmlns="" xmlns:a14="http://schemas.microsoft.com/office/drawing/2010/main" w="9525">
                     <a:solidFill>
                       <a:srgbClr val="000000"/>
                     </a:solidFill>
@@ -10265,7 +10271,7 @@
               </a:ln>
               <a:extLst>
                 <a:ext uri="{91240B29-F687-4f45-9708-019B960494DF}">
-                  <a14:hiddenLine xmlns:a14="http://schemas.microsoft.com/office/drawing/2010/main" xmlns="" w="9525">
+                  <a14:hiddenLine xmlns="" xmlns:a14="http://schemas.microsoft.com/office/drawing/2010/main" w="9525">
                     <a:solidFill>
                       <a:srgbClr val="000000"/>
                     </a:solidFill>
@@ -10330,7 +10336,7 @@
               </a:ln>
               <a:extLst>
                 <a:ext uri="{91240B29-F687-4f45-9708-019B960494DF}">
-                  <a14:hiddenLine xmlns:a14="http://schemas.microsoft.com/office/drawing/2010/main" xmlns="" w="9525">
+                  <a14:hiddenLine xmlns="" xmlns:a14="http://schemas.microsoft.com/office/drawing/2010/main" w="9525">
                     <a:solidFill>
                       <a:srgbClr val="000000"/>
                     </a:solidFill>
@@ -10420,7 +10426,7 @@
               </a:ln>
               <a:extLst>
                 <a:ext uri="{91240B29-F687-4f45-9708-019B960494DF}">
-                  <a14:hiddenLine xmlns:a14="http://schemas.microsoft.com/office/drawing/2010/main" xmlns="" w="9525">
+                  <a14:hiddenLine xmlns="" xmlns:a14="http://schemas.microsoft.com/office/drawing/2010/main" w="9525">
                     <a:solidFill>
                       <a:srgbClr val="000000"/>
                     </a:solidFill>
@@ -10482,7 +10488,7 @@
               </a:ln>
               <a:extLst>
                 <a:ext uri="{91240B29-F687-4f45-9708-019B960494DF}">
-                  <a14:hiddenLine xmlns:a14="http://schemas.microsoft.com/office/drawing/2010/main" xmlns="" w="9525">
+                  <a14:hiddenLine xmlns="" xmlns:a14="http://schemas.microsoft.com/office/drawing/2010/main" w="9525">
                     <a:solidFill>
                       <a:srgbClr val="000000"/>
                     </a:solidFill>
@@ -10572,7 +10578,7 @@
               </a:ln>
               <a:extLst>
                 <a:ext uri="{91240B29-F687-4f45-9708-019B960494DF}">
-                  <a14:hiddenLine xmlns:a14="http://schemas.microsoft.com/office/drawing/2010/main" xmlns="" w="9525">
+                  <a14:hiddenLine xmlns="" xmlns:a14="http://schemas.microsoft.com/office/drawing/2010/main" w="9525">
                     <a:solidFill>
                       <a:srgbClr val="000000"/>
                     </a:solidFill>
@@ -10637,7 +10643,7 @@
               </a:ln>
               <a:extLst>
                 <a:ext uri="{91240B29-F687-4f45-9708-019B960494DF}">
-                  <a14:hiddenLine xmlns:a14="http://schemas.microsoft.com/office/drawing/2010/main" xmlns="" w="9525">
+                  <a14:hiddenLine xmlns="" xmlns:a14="http://schemas.microsoft.com/office/drawing/2010/main" w="9525">
                     <a:solidFill>
                       <a:srgbClr val="000000"/>
                     </a:solidFill>
@@ -10699,7 +10705,7 @@
               </a:ln>
               <a:extLst>
                 <a:ext uri="{91240B29-F687-4f45-9708-019B960494DF}">
-                  <a14:hiddenLine xmlns:a14="http://schemas.microsoft.com/office/drawing/2010/main" xmlns="" w="9525">
+                  <a14:hiddenLine xmlns="" xmlns:a14="http://schemas.microsoft.com/office/drawing/2010/main" w="9525">
                     <a:solidFill>
                       <a:srgbClr val="000000"/>
                     </a:solidFill>
@@ -10789,7 +10795,7 @@
               </a:ln>
               <a:extLst>
                 <a:ext uri="{91240B29-F687-4f45-9708-019B960494DF}">
-                  <a14:hiddenLine xmlns:a14="http://schemas.microsoft.com/office/drawing/2010/main" xmlns="" w="9525">
+                  <a14:hiddenLine xmlns="" xmlns:a14="http://schemas.microsoft.com/office/drawing/2010/main" w="9525">
                     <a:solidFill>
                       <a:srgbClr val="000000"/>
                     </a:solidFill>
@@ -10879,7 +10885,7 @@
               </a:ln>
               <a:extLst>
                 <a:ext uri="{91240B29-F687-4f45-9708-019B960494DF}">
-                  <a14:hiddenLine xmlns:a14="http://schemas.microsoft.com/office/drawing/2010/main" xmlns="" w="9525">
+                  <a14:hiddenLine xmlns="" xmlns:a14="http://schemas.microsoft.com/office/drawing/2010/main" w="9525">
                     <a:solidFill>
                       <a:srgbClr val="000000"/>
                     </a:solidFill>
@@ -10944,7 +10950,7 @@
               </a:ln>
               <a:extLst>
                 <a:ext uri="{91240B29-F687-4f45-9708-019B960494DF}">
-                  <a14:hiddenLine xmlns:a14="http://schemas.microsoft.com/office/drawing/2010/main" xmlns="" w="9525">
+                  <a14:hiddenLine xmlns="" xmlns:a14="http://schemas.microsoft.com/office/drawing/2010/main" w="9525">
                     <a:solidFill>
                       <a:srgbClr val="000000"/>
                     </a:solidFill>
@@ -11064,7 +11070,7 @@
               </a:ln>
               <a:extLst>
                 <a:ext uri="{91240B29-F687-4f45-9708-019B960494DF}">
-                  <a14:hiddenLine xmlns:a14="http://schemas.microsoft.com/office/drawing/2010/main" xmlns="" w="9525">
+                  <a14:hiddenLine xmlns="" xmlns:a14="http://schemas.microsoft.com/office/drawing/2010/main" w="9525">
                     <a:solidFill>
                       <a:srgbClr val="000000"/>
                     </a:solidFill>
@@ -11162,7 +11168,7 @@
               </a:ln>
               <a:extLst>
                 <a:ext uri="{91240B29-F687-4f45-9708-019B960494DF}">
-                  <a14:hiddenLine xmlns:a14="http://schemas.microsoft.com/office/drawing/2010/main" xmlns="" w="9525">
+                  <a14:hiddenLine xmlns="" xmlns:a14="http://schemas.microsoft.com/office/drawing/2010/main" w="9525">
                     <a:solidFill>
                       <a:srgbClr val="000000"/>
                     </a:solidFill>
@@ -11277,7 +11283,7 @@
               </a:ln>
               <a:extLst>
                 <a:ext uri="{91240B29-F687-4f45-9708-019B960494DF}">
-                  <a14:hiddenLine xmlns:a14="http://schemas.microsoft.com/office/drawing/2010/main" xmlns="" w="9525">
+                  <a14:hiddenLine xmlns="" xmlns:a14="http://schemas.microsoft.com/office/drawing/2010/main" w="9525">
                     <a:solidFill>
                       <a:srgbClr val="000000"/>
                     </a:solidFill>
@@ -11367,7 +11373,7 @@
               </a:ln>
               <a:extLst>
                 <a:ext uri="{91240B29-F687-4f45-9708-019B960494DF}">
-                  <a14:hiddenLine xmlns:a14="http://schemas.microsoft.com/office/drawing/2010/main" xmlns="" w="9525">
+                  <a14:hiddenLine xmlns="" xmlns:a14="http://schemas.microsoft.com/office/drawing/2010/main" w="9525">
                     <a:solidFill>
                       <a:srgbClr val="000000"/>
                     </a:solidFill>
@@ -11432,7 +11438,7 @@
               </a:ln>
               <a:extLst>
                 <a:ext uri="{91240B29-F687-4f45-9708-019B960494DF}">
-                  <a14:hiddenLine xmlns:a14="http://schemas.microsoft.com/office/drawing/2010/main" xmlns="" w="9525">
+                  <a14:hiddenLine xmlns="" xmlns:a14="http://schemas.microsoft.com/office/drawing/2010/main" w="9525">
                     <a:solidFill>
                       <a:srgbClr val="000000"/>
                     </a:solidFill>
@@ -11522,7 +11528,7 @@
               </a:ln>
               <a:extLst>
                 <a:ext uri="{91240B29-F687-4f45-9708-019B960494DF}">
-                  <a14:hiddenLine xmlns:a14="http://schemas.microsoft.com/office/drawing/2010/main" xmlns="" w="9525">
+                  <a14:hiddenLine xmlns="" xmlns:a14="http://schemas.microsoft.com/office/drawing/2010/main" w="9525">
                     <a:solidFill>
                       <a:srgbClr val="000000"/>
                     </a:solidFill>
@@ -11590,7 +11596,7 @@
               </a:ln>
               <a:extLst>
                 <a:ext uri="{91240B29-F687-4f45-9708-019B960494DF}">
-                  <a14:hiddenLine xmlns:a14="http://schemas.microsoft.com/office/drawing/2010/main" xmlns="" w="9525">
+                  <a14:hiddenLine xmlns="" xmlns:a14="http://schemas.microsoft.com/office/drawing/2010/main" w="9525">
                     <a:solidFill>
                       <a:srgbClr val="000000"/>
                     </a:solidFill>
@@ -11680,7 +11686,7 @@
               </a:ln>
               <a:extLst>
                 <a:ext uri="{91240B29-F687-4f45-9708-019B960494DF}">
-                  <a14:hiddenLine xmlns:a14="http://schemas.microsoft.com/office/drawing/2010/main" xmlns="" w="9525">
+                  <a14:hiddenLine xmlns="" xmlns:a14="http://schemas.microsoft.com/office/drawing/2010/main" w="9525">
                     <a:solidFill>
                       <a:srgbClr val="000000"/>
                     </a:solidFill>
@@ -11748,7 +11754,7 @@
               </a:ln>
               <a:extLst>
                 <a:ext uri="{91240B29-F687-4f45-9708-019B960494DF}">
-                  <a14:hiddenLine xmlns:a14="http://schemas.microsoft.com/office/drawing/2010/main" xmlns="" w="9525">
+                  <a14:hiddenLine xmlns="" xmlns:a14="http://schemas.microsoft.com/office/drawing/2010/main" w="9525">
                     <a:solidFill>
                       <a:srgbClr val="000000"/>
                     </a:solidFill>
@@ -11838,7 +11844,7 @@
               </a:ln>
               <a:extLst>
                 <a:ext uri="{91240B29-F687-4f45-9708-019B960494DF}">
-                  <a14:hiddenLine xmlns:a14="http://schemas.microsoft.com/office/drawing/2010/main" xmlns="" w="9525">
+                  <a14:hiddenLine xmlns="" xmlns:a14="http://schemas.microsoft.com/office/drawing/2010/main" w="9525">
                     <a:solidFill>
                       <a:srgbClr val="000000"/>
                     </a:solidFill>
@@ -11872,7 +11878,7 @@
               </a:ln>
               <a:extLst>
                 <a:ext uri="{91240B29-F687-4f45-9708-019B960494DF}">
-                  <a14:hiddenLine xmlns:a14="http://schemas.microsoft.com/office/drawing/2010/main" xmlns="" w="9525">
+                  <a14:hiddenLine xmlns="" xmlns:a14="http://schemas.microsoft.com/office/drawing/2010/main" w="9525">
                     <a:solidFill>
                       <a:srgbClr val="000000"/>
                     </a:solidFill>
@@ -12580,10 +12586,335 @@
       </p:sp>
       <p:sp>
         <p:nvSpPr>
-          <p:cNvPr id="3" name="Content Placeholder 2">
+          <p:cNvPr id="4" name="Rectangle 3">
             <a:extLst>
               <a:ext uri="{FF2B5EF4-FFF2-40B4-BE49-F238E27FC236}">
-                <a16:creationId xmlns:a16="http://schemas.microsoft.com/office/drawing/2014/main" id="{961C9A3A-7E17-4F0D-90D0-D841386E2A84}"/>
+                <a16:creationId xmlns:a16="http://schemas.microsoft.com/office/drawing/2014/main" id="{1071252C-EDC3-46FF-9742-9622EDD0FD79}"/>
+              </a:ext>
+            </a:extLst>
+          </p:cNvPr>
+          <p:cNvSpPr/>
+          <p:nvPr/>
+        </p:nvSpPr>
+        <p:spPr>
+          <a:xfrm>
+            <a:off x="762757" y="1885071"/>
+            <a:ext cx="10663310" cy="4543864"/>
+          </a:xfrm>
+          <a:prstGeom prst="rect">
+            <a:avLst/>
+          </a:prstGeom>
+        </p:spPr>
+        <p:style>
+          <a:lnRef idx="2">
+            <a:schemeClr val="accent6"/>
+          </a:lnRef>
+          <a:fillRef idx="1">
+            <a:schemeClr val="lt1"/>
+          </a:fillRef>
+          <a:effectRef idx="0">
+            <a:schemeClr val="accent6"/>
+          </a:effectRef>
+          <a:fontRef idx="minor">
+            <a:schemeClr val="dk1"/>
+          </a:fontRef>
+        </p:style>
+        <p:txBody>
+          <a:bodyPr rtlCol="0" anchor="ctr"/>
+          <a:lstStyle/>
+          <a:p>
+            <a:pPr algn="ctr"/>
+            <a:endParaRPr lang="en-GB"/>
+          </a:p>
+        </p:txBody>
+      </p:sp>
+      <p:sp>
+        <p:nvSpPr>
+          <p:cNvPr id="5" name="Rectangle 4">
+            <a:extLst>
+              <a:ext uri="{FF2B5EF4-FFF2-40B4-BE49-F238E27FC236}">
+                <a16:creationId xmlns:a16="http://schemas.microsoft.com/office/drawing/2014/main" id="{1D88BB67-A8B7-481B-B472-86A3D0711D35}"/>
+              </a:ext>
+            </a:extLst>
+          </p:cNvPr>
+          <p:cNvSpPr/>
+          <p:nvPr/>
+        </p:nvSpPr>
+        <p:spPr>
+          <a:xfrm>
+            <a:off x="1547446" y="2461846"/>
+            <a:ext cx="9270609" cy="3615397"/>
+          </a:xfrm>
+          <a:prstGeom prst="rect">
+            <a:avLst/>
+          </a:prstGeom>
+        </p:spPr>
+        <p:style>
+          <a:lnRef idx="2">
+            <a:schemeClr val="dk1"/>
+          </a:lnRef>
+          <a:fillRef idx="1">
+            <a:schemeClr val="lt1"/>
+          </a:fillRef>
+          <a:effectRef idx="0">
+            <a:schemeClr val="dk1"/>
+          </a:effectRef>
+          <a:fontRef idx="minor">
+            <a:schemeClr val="dk1"/>
+          </a:fontRef>
+        </p:style>
+        <p:txBody>
+          <a:bodyPr rtlCol="0" anchor="ctr"/>
+          <a:lstStyle/>
+          <a:p>
+            <a:pPr algn="ctr"/>
+            <a:endParaRPr lang="en-GB" dirty="0"/>
+          </a:p>
+        </p:txBody>
+      </p:sp>
+      <p:cxnSp>
+        <p:nvCxnSpPr>
+          <p:cNvPr id="7" name="Straight Connector 6">
+            <a:extLst>
+              <a:ext uri="{FF2B5EF4-FFF2-40B4-BE49-F238E27FC236}">
+                <a16:creationId xmlns:a16="http://schemas.microsoft.com/office/drawing/2014/main" id="{57BB3909-AE9E-479D-852C-89EEBFE07107}"/>
+              </a:ext>
+            </a:extLst>
+          </p:cNvPr>
+          <p:cNvCxnSpPr/>
+          <p:nvPr/>
+        </p:nvCxnSpPr>
+        <p:spPr>
+          <a:xfrm>
+            <a:off x="1322363" y="3094892"/>
+            <a:ext cx="9725048" cy="0"/>
+          </a:xfrm>
+          <a:prstGeom prst="line">
+            <a:avLst/>
+          </a:prstGeom>
+        </p:spPr>
+        <p:style>
+          <a:lnRef idx="1">
+            <a:schemeClr val="dk1"/>
+          </a:lnRef>
+          <a:fillRef idx="0">
+            <a:schemeClr val="dk1"/>
+          </a:fillRef>
+          <a:effectRef idx="0">
+            <a:schemeClr val="dk1"/>
+          </a:effectRef>
+          <a:fontRef idx="minor">
+            <a:schemeClr val="tx1"/>
+          </a:fontRef>
+        </p:style>
+      </p:cxnSp>
+      <p:grpSp>
+        <p:nvGrpSpPr>
+          <p:cNvPr id="10" name="Group 9">
+            <a:extLst>
+              <a:ext uri="{FF2B5EF4-FFF2-40B4-BE49-F238E27FC236}">
+                <a16:creationId xmlns:a16="http://schemas.microsoft.com/office/drawing/2014/main" id="{D648E696-95CD-4A5D-A69F-2A2ACFCB8A96}"/>
+              </a:ext>
+            </a:extLst>
+          </p:cNvPr>
+          <p:cNvGrpSpPr/>
+          <p:nvPr/>
+        </p:nvGrpSpPr>
+        <p:grpSpPr>
+          <a:xfrm>
+            <a:off x="4853458" y="5465298"/>
+            <a:ext cx="2481907" cy="369332"/>
+            <a:chOff x="7934178" y="618518"/>
+            <a:chExt cx="2481907" cy="369332"/>
+          </a:xfrm>
+        </p:grpSpPr>
+        <p:sp>
+          <p:nvSpPr>
+            <p:cNvPr id="9" name="Rectangle: Rounded Corners 8">
+              <a:extLst>
+                <a:ext uri="{FF2B5EF4-FFF2-40B4-BE49-F238E27FC236}">
+                  <a16:creationId xmlns:a16="http://schemas.microsoft.com/office/drawing/2014/main" id="{1D59563C-2E40-4708-9F54-DC30C2079569}"/>
+                </a:ext>
+              </a:extLst>
+            </p:cNvPr>
+            <p:cNvSpPr/>
+            <p:nvPr/>
+          </p:nvSpPr>
+          <p:spPr>
+            <a:xfrm>
+              <a:off x="7934178" y="618518"/>
+              <a:ext cx="2481907" cy="369332"/>
+            </a:xfrm>
+            <a:prstGeom prst="roundRect">
+              <a:avLst/>
+            </a:prstGeom>
+          </p:spPr>
+          <p:style>
+            <a:lnRef idx="2">
+              <a:schemeClr val="accent1">
+                <a:shade val="50000"/>
+              </a:schemeClr>
+            </a:lnRef>
+            <a:fillRef idx="1">
+              <a:schemeClr val="accent1"/>
+            </a:fillRef>
+            <a:effectRef idx="0">
+              <a:schemeClr val="accent1"/>
+            </a:effectRef>
+            <a:fontRef idx="minor">
+              <a:schemeClr val="lt1"/>
+            </a:fontRef>
+          </p:style>
+          <p:txBody>
+            <a:bodyPr rtlCol="0" anchor="ctr"/>
+            <a:lstStyle/>
+            <a:p>
+              <a:pPr algn="ctr"/>
+              <a:endParaRPr lang="en-GB"/>
+            </a:p>
+          </p:txBody>
+        </p:sp>
+        <p:sp>
+          <p:nvSpPr>
+            <p:cNvPr id="8" name="TextBox 7">
+              <a:extLst>
+                <a:ext uri="{FF2B5EF4-FFF2-40B4-BE49-F238E27FC236}">
+                  <a16:creationId xmlns:a16="http://schemas.microsoft.com/office/drawing/2014/main" id="{A3733895-E1DB-4CC1-BE59-AC1E6A08A60C}"/>
+                </a:ext>
+              </a:extLst>
+            </p:cNvPr>
+            <p:cNvSpPr txBox="1"/>
+            <p:nvPr/>
+          </p:nvSpPr>
+          <p:spPr>
+            <a:xfrm>
+              <a:off x="8117058" y="618518"/>
+              <a:ext cx="2299027" cy="369332"/>
+            </a:xfrm>
+            <a:prstGeom prst="rect">
+              <a:avLst/>
+            </a:prstGeom>
+            <a:noFill/>
+          </p:spPr>
+          <p:txBody>
+            <a:bodyPr wrap="none" rtlCol="0">
+              <a:spAutoFit/>
+            </a:bodyPr>
+            <a:lstStyle/>
+            <a:p>
+              <a:r>
+                <a:rPr lang="en-GB" dirty="0"/>
+                <a:t>BOOKING SEKARANG</a:t>
+              </a:r>
+            </a:p>
+          </p:txBody>
+        </p:sp>
+      </p:grpSp>
+      <p:sp>
+        <p:nvSpPr>
+          <p:cNvPr id="11" name="TextBox 10">
+            <a:extLst>
+              <a:ext uri="{FF2B5EF4-FFF2-40B4-BE49-F238E27FC236}">
+                <a16:creationId xmlns:a16="http://schemas.microsoft.com/office/drawing/2014/main" id="{5034200D-D060-4C18-95E1-FA75245B9E6F}"/>
+              </a:ext>
+            </a:extLst>
+          </p:cNvPr>
+          <p:cNvSpPr txBox="1"/>
+          <p:nvPr/>
+        </p:nvSpPr>
+        <p:spPr>
+          <a:xfrm>
+            <a:off x="1730326" y="2625301"/>
+            <a:ext cx="1489510" cy="369332"/>
+          </a:xfrm>
+          <a:prstGeom prst="rect">
+            <a:avLst/>
+          </a:prstGeom>
+          <a:noFill/>
+        </p:spPr>
+        <p:txBody>
+          <a:bodyPr wrap="none" rtlCol="0">
+            <a:spAutoFit/>
+          </a:bodyPr>
+          <a:lstStyle/>
+          <a:p>
+            <a:r>
+              <a:rPr lang="en-GB" b="1" dirty="0">
+                <a:solidFill>
+                  <a:schemeClr val="bg1"/>
+                </a:solidFill>
+              </a:rPr>
+              <a:t>MYBOOKING</a:t>
+            </a:r>
+          </a:p>
+        </p:txBody>
+      </p:sp>
+      <p:pic>
+        <p:nvPicPr>
+          <p:cNvPr id="15" name="Picture 14">
+            <a:extLst>
+              <a:ext uri="{FF2B5EF4-FFF2-40B4-BE49-F238E27FC236}">
+                <a16:creationId xmlns:a16="http://schemas.microsoft.com/office/drawing/2014/main" id="{B776AC26-7752-4565-9E0E-6DFEE5D0F1B7}"/>
+              </a:ext>
+            </a:extLst>
+          </p:cNvPr>
+          <p:cNvPicPr>
+            <a:picLocks noChangeAspect="1"/>
+          </p:cNvPicPr>
+          <p:nvPr/>
+        </p:nvPicPr>
+        <p:blipFill>
+          <a:blip r:embed="rId2"/>
+          <a:stretch>
+            <a:fillRect/>
+          </a:stretch>
+        </p:blipFill>
+        <p:spPr>
+          <a:xfrm>
+            <a:off x="4570602" y="3196635"/>
+            <a:ext cx="3050795" cy="2123353"/>
+          </a:xfrm>
+          <a:prstGeom prst="rect">
+            <a:avLst/>
+          </a:prstGeom>
+        </p:spPr>
+      </p:pic>
+    </p:spTree>
+    <p:extLst>
+      <p:ext uri="{BB962C8B-B14F-4D97-AF65-F5344CB8AC3E}">
+        <p14:creationId xmlns:p14="http://schemas.microsoft.com/office/powerpoint/2010/main" val="3804495290"/>
+      </p:ext>
+    </p:extLst>
+  </p:cSld>
+  <p:clrMapOvr>
+    <a:masterClrMapping/>
+  </p:clrMapOvr>
+</p:sld>
+</file>
+
+<file path=ppt/slides/slide3.xml><?xml version="1.0" encoding="utf-8"?>
+<p:sld xmlns:a="http://schemas.openxmlformats.org/drawingml/2006/main" xmlns:r="http://schemas.openxmlformats.org/officeDocument/2006/relationships" xmlns:p="http://schemas.openxmlformats.org/presentationml/2006/main">
+  <p:cSld>
+    <p:spTree>
+      <p:nvGrpSpPr>
+        <p:cNvPr id="1" name=""/>
+        <p:cNvGrpSpPr/>
+        <p:nvPr/>
+      </p:nvGrpSpPr>
+      <p:grpSpPr>
+        <a:xfrm>
+          <a:off x="0" y="0"/>
+          <a:ext cx="0" cy="0"/>
+          <a:chOff x="0" y="0"/>
+          <a:chExt cx="0" cy="0"/>
+        </a:xfrm>
+      </p:grpSpPr>
+      <p:sp>
+        <p:nvSpPr>
+          <p:cNvPr id="2" name="Title 1">
+            <a:extLst>
+              <a:ext uri="{FF2B5EF4-FFF2-40B4-BE49-F238E27FC236}">
+                <a16:creationId xmlns:a16="http://schemas.microsoft.com/office/drawing/2014/main" id="{7E431CF9-F1C7-41CD-8C8A-66AD9279BD88}"/>
               </a:ext>
             </a:extLst>
           </p:cNvPr>
@@ -12591,7 +12922,7 @@
             <a:spLocks noGrp="1"/>
           </p:cNvSpPr>
           <p:nvPr>
-            <p:ph idx="1"/>
+            <p:ph type="title"/>
           </p:nvPr>
         </p:nvSpPr>
         <p:spPr/>
@@ -12599,14 +12930,602 @@
           <a:bodyPr/>
           <a:lstStyle/>
           <a:p>
+            <a:r>
+              <a:rPr lang="en-GB" dirty="0"/>
+              <a:t>2. </a:t>
+            </a:r>
+            <a:r>
+              <a:rPr lang="en-GB" dirty="0" err="1"/>
+              <a:t>Tampilan</a:t>
+            </a:r>
+            <a:r>
+              <a:rPr lang="en-GB" dirty="0"/>
+              <a:t> </a:t>
+            </a:r>
+            <a:r>
+              <a:rPr lang="en-GB" dirty="0" err="1"/>
+              <a:t>halaman</a:t>
+            </a:r>
+            <a:r>
+              <a:rPr lang="en-GB" dirty="0"/>
+              <a:t> BOOKING</a:t>
+            </a:r>
+          </a:p>
+        </p:txBody>
+      </p:sp>
+      <p:sp>
+        <p:nvSpPr>
+          <p:cNvPr id="4" name="Rectangle 3">
+            <a:extLst>
+              <a:ext uri="{FF2B5EF4-FFF2-40B4-BE49-F238E27FC236}">
+                <a16:creationId xmlns:a16="http://schemas.microsoft.com/office/drawing/2014/main" id="{1071252C-EDC3-46FF-9742-9622EDD0FD79}"/>
+              </a:ext>
+            </a:extLst>
+          </p:cNvPr>
+          <p:cNvSpPr/>
+          <p:nvPr/>
+        </p:nvSpPr>
+        <p:spPr>
+          <a:xfrm>
+            <a:off x="762757" y="1885071"/>
+            <a:ext cx="10663310" cy="4543864"/>
+          </a:xfrm>
+          <a:prstGeom prst="rect">
+            <a:avLst/>
+          </a:prstGeom>
+        </p:spPr>
+        <p:style>
+          <a:lnRef idx="2">
+            <a:schemeClr val="accent6"/>
+          </a:lnRef>
+          <a:fillRef idx="1">
+            <a:schemeClr val="lt1"/>
+          </a:fillRef>
+          <a:effectRef idx="0">
+            <a:schemeClr val="accent6"/>
+          </a:effectRef>
+          <a:fontRef idx="minor">
+            <a:schemeClr val="dk1"/>
+          </a:fontRef>
+        </p:style>
+        <p:txBody>
+          <a:bodyPr rtlCol="0" anchor="ctr"/>
+          <a:lstStyle/>
+          <a:p>
+            <a:pPr algn="ctr"/>
+            <a:endParaRPr lang="en-GB"/>
+          </a:p>
+        </p:txBody>
+      </p:sp>
+      <p:sp>
+        <p:nvSpPr>
+          <p:cNvPr id="5" name="Rectangle 4">
+            <a:extLst>
+              <a:ext uri="{FF2B5EF4-FFF2-40B4-BE49-F238E27FC236}">
+                <a16:creationId xmlns:a16="http://schemas.microsoft.com/office/drawing/2014/main" id="{1D88BB67-A8B7-481B-B472-86A3D0711D35}"/>
+              </a:ext>
+            </a:extLst>
+          </p:cNvPr>
+          <p:cNvSpPr/>
+          <p:nvPr/>
+        </p:nvSpPr>
+        <p:spPr>
+          <a:xfrm>
+            <a:off x="1547446" y="2461846"/>
+            <a:ext cx="9270609" cy="3615397"/>
+          </a:xfrm>
+          <a:prstGeom prst="rect">
+            <a:avLst/>
+          </a:prstGeom>
+        </p:spPr>
+        <p:style>
+          <a:lnRef idx="2">
+            <a:schemeClr val="dk1"/>
+          </a:lnRef>
+          <a:fillRef idx="1">
+            <a:schemeClr val="lt1"/>
+          </a:fillRef>
+          <a:effectRef idx="0">
+            <a:schemeClr val="dk1"/>
+          </a:effectRef>
+          <a:fontRef idx="minor">
+            <a:schemeClr val="dk1"/>
+          </a:fontRef>
+        </p:style>
+        <p:txBody>
+          <a:bodyPr rtlCol="0" anchor="ctr"/>
+          <a:lstStyle/>
+          <a:p>
+            <a:pPr algn="ctr"/>
             <a:endParaRPr lang="en-GB" dirty="0"/>
+          </a:p>
+        </p:txBody>
+      </p:sp>
+      <p:cxnSp>
+        <p:nvCxnSpPr>
+          <p:cNvPr id="7" name="Straight Connector 6">
+            <a:extLst>
+              <a:ext uri="{FF2B5EF4-FFF2-40B4-BE49-F238E27FC236}">
+                <a16:creationId xmlns:a16="http://schemas.microsoft.com/office/drawing/2014/main" id="{57BB3909-AE9E-479D-852C-89EEBFE07107}"/>
+              </a:ext>
+            </a:extLst>
+          </p:cNvPr>
+          <p:cNvCxnSpPr/>
+          <p:nvPr/>
+        </p:nvCxnSpPr>
+        <p:spPr>
+          <a:xfrm>
+            <a:off x="1322363" y="3094892"/>
+            <a:ext cx="9725048" cy="0"/>
+          </a:xfrm>
+          <a:prstGeom prst="line">
+            <a:avLst/>
+          </a:prstGeom>
+        </p:spPr>
+        <p:style>
+          <a:lnRef idx="1">
+            <a:schemeClr val="dk1"/>
+          </a:lnRef>
+          <a:fillRef idx="0">
+            <a:schemeClr val="dk1"/>
+          </a:fillRef>
+          <a:effectRef idx="0">
+            <a:schemeClr val="dk1"/>
+          </a:effectRef>
+          <a:fontRef idx="minor">
+            <a:schemeClr val="tx1"/>
+          </a:fontRef>
+        </p:style>
+      </p:cxnSp>
+      <p:grpSp>
+        <p:nvGrpSpPr>
+          <p:cNvPr id="10" name="Group 9">
+            <a:extLst>
+              <a:ext uri="{FF2B5EF4-FFF2-40B4-BE49-F238E27FC236}">
+                <a16:creationId xmlns:a16="http://schemas.microsoft.com/office/drawing/2014/main" id="{D648E696-95CD-4A5D-A69F-2A2ACFCB8A96}"/>
+              </a:ext>
+            </a:extLst>
+          </p:cNvPr>
+          <p:cNvGrpSpPr/>
+          <p:nvPr/>
+        </p:nvGrpSpPr>
+        <p:grpSpPr>
+          <a:xfrm>
+            <a:off x="7814088" y="5302278"/>
+            <a:ext cx="1986129" cy="369332"/>
+            <a:chOff x="7934178" y="618518"/>
+            <a:chExt cx="2481907" cy="369332"/>
+          </a:xfrm>
+        </p:grpSpPr>
+        <p:sp>
+          <p:nvSpPr>
+            <p:cNvPr id="9" name="Rectangle: Rounded Corners 8">
+              <a:extLst>
+                <a:ext uri="{FF2B5EF4-FFF2-40B4-BE49-F238E27FC236}">
+                  <a16:creationId xmlns:a16="http://schemas.microsoft.com/office/drawing/2014/main" id="{1D59563C-2E40-4708-9F54-DC30C2079569}"/>
+                </a:ext>
+              </a:extLst>
+            </p:cNvPr>
+            <p:cNvSpPr/>
+            <p:nvPr/>
+          </p:nvSpPr>
+          <p:spPr>
+            <a:xfrm>
+              <a:off x="7934178" y="618518"/>
+              <a:ext cx="2481907" cy="369332"/>
+            </a:xfrm>
+            <a:prstGeom prst="roundRect">
+              <a:avLst/>
+            </a:prstGeom>
+          </p:spPr>
+          <p:style>
+            <a:lnRef idx="2">
+              <a:schemeClr val="accent1">
+                <a:shade val="50000"/>
+              </a:schemeClr>
+            </a:lnRef>
+            <a:fillRef idx="1">
+              <a:schemeClr val="accent1"/>
+            </a:fillRef>
+            <a:effectRef idx="0">
+              <a:schemeClr val="accent1"/>
+            </a:effectRef>
+            <a:fontRef idx="minor">
+              <a:schemeClr val="lt1"/>
+            </a:fontRef>
+          </p:style>
+          <p:txBody>
+            <a:bodyPr rtlCol="0" anchor="ctr"/>
+            <a:lstStyle/>
+            <a:p>
+              <a:pPr algn="ctr"/>
+              <a:endParaRPr lang="en-GB"/>
+            </a:p>
+          </p:txBody>
+        </p:sp>
+        <p:sp>
+          <p:nvSpPr>
+            <p:cNvPr id="8" name="TextBox 7">
+              <a:extLst>
+                <a:ext uri="{FF2B5EF4-FFF2-40B4-BE49-F238E27FC236}">
+                  <a16:creationId xmlns:a16="http://schemas.microsoft.com/office/drawing/2014/main" id="{A3733895-E1DB-4CC1-BE59-AC1E6A08A60C}"/>
+                </a:ext>
+              </a:extLst>
+            </p:cNvPr>
+            <p:cNvSpPr txBox="1"/>
+            <p:nvPr/>
+          </p:nvSpPr>
+          <p:spPr>
+            <a:xfrm>
+              <a:off x="8117058" y="618518"/>
+              <a:ext cx="1657762" cy="369332"/>
+            </a:xfrm>
+            <a:prstGeom prst="rect">
+              <a:avLst/>
+            </a:prstGeom>
+            <a:noFill/>
+          </p:spPr>
+          <p:txBody>
+            <a:bodyPr wrap="none" rtlCol="0">
+              <a:spAutoFit/>
+            </a:bodyPr>
+            <a:lstStyle/>
+            <a:p>
+              <a:r>
+                <a:rPr lang="en-GB" dirty="0" err="1"/>
+                <a:t>Pesan</a:t>
+              </a:r>
+              <a:r>
+                <a:rPr lang="en-GB" dirty="0"/>
+                <a:t> </a:t>
+              </a:r>
+              <a:r>
+                <a:rPr lang="en-GB" dirty="0" err="1"/>
+                <a:t>Sekarang</a:t>
+              </a:r>
+              <a:endParaRPr lang="en-GB" dirty="0"/>
+            </a:p>
+          </p:txBody>
+        </p:sp>
+      </p:grpSp>
+      <p:sp>
+        <p:nvSpPr>
+          <p:cNvPr id="11" name="TextBox 10">
+            <a:extLst>
+              <a:ext uri="{FF2B5EF4-FFF2-40B4-BE49-F238E27FC236}">
+                <a16:creationId xmlns:a16="http://schemas.microsoft.com/office/drawing/2014/main" id="{5034200D-D060-4C18-95E1-FA75245B9E6F}"/>
+              </a:ext>
+            </a:extLst>
+          </p:cNvPr>
+          <p:cNvSpPr txBox="1"/>
+          <p:nvPr/>
+        </p:nvSpPr>
+        <p:spPr>
+          <a:xfrm>
+            <a:off x="1730326" y="2625301"/>
+            <a:ext cx="1489510" cy="369332"/>
+          </a:xfrm>
+          <a:prstGeom prst="rect">
+            <a:avLst/>
+          </a:prstGeom>
+          <a:noFill/>
+        </p:spPr>
+        <p:txBody>
+          <a:bodyPr wrap="none" rtlCol="0">
+            <a:spAutoFit/>
+          </a:bodyPr>
+          <a:lstStyle/>
+          <a:p>
+            <a:r>
+              <a:rPr lang="en-GB" b="1" dirty="0">
+                <a:solidFill>
+                  <a:schemeClr val="bg1"/>
+                </a:solidFill>
+              </a:rPr>
+              <a:t>MYBOOKING</a:t>
+            </a:r>
+          </a:p>
+        </p:txBody>
+      </p:sp>
+      <p:sp>
+        <p:nvSpPr>
+          <p:cNvPr id="3" name="TextBox 2">
+            <a:extLst>
+              <a:ext uri="{FF2B5EF4-FFF2-40B4-BE49-F238E27FC236}">
+                <a16:creationId xmlns:a16="http://schemas.microsoft.com/office/drawing/2014/main" id="{F222825D-6E03-46AD-AE6F-77D3EF3E8DC0}"/>
+              </a:ext>
+            </a:extLst>
+          </p:cNvPr>
+          <p:cNvSpPr txBox="1"/>
+          <p:nvPr/>
+        </p:nvSpPr>
+        <p:spPr>
+          <a:xfrm>
+            <a:off x="2038662" y="3418339"/>
+            <a:ext cx="1620957" cy="1477328"/>
+          </a:xfrm>
+          <a:prstGeom prst="rect">
+            <a:avLst/>
+          </a:prstGeom>
+          <a:noFill/>
+        </p:spPr>
+        <p:txBody>
+          <a:bodyPr wrap="none" rtlCol="0">
+            <a:spAutoFit/>
+          </a:bodyPr>
+          <a:lstStyle/>
+          <a:p>
+            <a:r>
+              <a:rPr lang="en-GB" dirty="0">
+                <a:solidFill>
+                  <a:schemeClr val="bg1"/>
+                </a:solidFill>
+              </a:rPr>
+              <a:t>Nama		:</a:t>
+            </a:r>
+          </a:p>
+          <a:p>
+            <a:r>
+              <a:rPr lang="en-GB" dirty="0">
+                <a:solidFill>
+                  <a:schemeClr val="bg1"/>
+                </a:solidFill>
+              </a:rPr>
+              <a:t>Pelajaran		:</a:t>
+            </a:r>
+          </a:p>
+          <a:p>
+            <a:r>
+              <a:rPr lang="en-GB" dirty="0" err="1">
+                <a:solidFill>
+                  <a:schemeClr val="bg1"/>
+                </a:solidFill>
+              </a:rPr>
+              <a:t>Tanggal</a:t>
+            </a:r>
+            <a:r>
+              <a:rPr lang="en-GB" dirty="0">
+                <a:solidFill>
+                  <a:schemeClr val="bg1"/>
+                </a:solidFill>
+              </a:rPr>
+              <a:t>		:</a:t>
+            </a:r>
+          </a:p>
+          <a:p>
+            <a:r>
+              <a:rPr lang="en-GB" dirty="0">
+                <a:solidFill>
+                  <a:schemeClr val="bg1"/>
+                </a:solidFill>
+              </a:rPr>
+              <a:t>Jam </a:t>
+            </a:r>
+            <a:r>
+              <a:rPr lang="en-GB" dirty="0" err="1">
+                <a:solidFill>
+                  <a:schemeClr val="bg1"/>
+                </a:solidFill>
+              </a:rPr>
+              <a:t>mulai</a:t>
+            </a:r>
+            <a:r>
+              <a:rPr lang="en-GB" dirty="0">
+                <a:solidFill>
+                  <a:schemeClr val="bg1"/>
+                </a:solidFill>
+              </a:rPr>
+              <a:t>		:</a:t>
+            </a:r>
+          </a:p>
+          <a:p>
+            <a:r>
+              <a:rPr lang="en-GB" dirty="0">
+                <a:solidFill>
+                  <a:schemeClr val="bg1"/>
+                </a:solidFill>
+              </a:rPr>
+              <a:t>Jam </a:t>
+            </a:r>
+            <a:r>
+              <a:rPr lang="en-GB" dirty="0" err="1">
+                <a:solidFill>
+                  <a:schemeClr val="bg1"/>
+                </a:solidFill>
+              </a:rPr>
+              <a:t>selesai</a:t>
+            </a:r>
+            <a:r>
+              <a:rPr lang="en-GB" dirty="0">
+                <a:solidFill>
+                  <a:schemeClr val="bg1"/>
+                </a:solidFill>
+              </a:rPr>
+              <a:t>	:</a:t>
+            </a:r>
+          </a:p>
+        </p:txBody>
+      </p:sp>
+      <p:sp>
+        <p:nvSpPr>
+          <p:cNvPr id="6" name="Rectangle 5">
+            <a:extLst>
+              <a:ext uri="{FF2B5EF4-FFF2-40B4-BE49-F238E27FC236}">
+                <a16:creationId xmlns:a16="http://schemas.microsoft.com/office/drawing/2014/main" id="{6C96306D-F555-4922-AF14-5C4CBEBC7B26}"/>
+              </a:ext>
+            </a:extLst>
+          </p:cNvPr>
+          <p:cNvSpPr/>
+          <p:nvPr/>
+        </p:nvSpPr>
+        <p:spPr>
+          <a:xfrm>
+            <a:off x="3507698" y="3429000"/>
+            <a:ext cx="6292519" cy="298913"/>
+          </a:xfrm>
+          <a:prstGeom prst="rect">
+            <a:avLst/>
+          </a:prstGeom>
+        </p:spPr>
+        <p:style>
+          <a:lnRef idx="2">
+            <a:schemeClr val="dk1"/>
+          </a:lnRef>
+          <a:fillRef idx="1">
+            <a:schemeClr val="lt1"/>
+          </a:fillRef>
+          <a:effectRef idx="0">
+            <a:schemeClr val="dk1"/>
+          </a:effectRef>
+          <a:fontRef idx="minor">
+            <a:schemeClr val="dk1"/>
+          </a:fontRef>
+        </p:style>
+        <p:txBody>
+          <a:bodyPr rtlCol="0" anchor="ctr"/>
+          <a:lstStyle/>
+          <a:p>
+            <a:pPr algn="ctr"/>
+            <a:endParaRPr lang="en-GB"/>
+          </a:p>
+        </p:txBody>
+      </p:sp>
+      <p:sp>
+        <p:nvSpPr>
+          <p:cNvPr id="12" name="Rectangle 11">
+            <a:extLst>
+              <a:ext uri="{FF2B5EF4-FFF2-40B4-BE49-F238E27FC236}">
+                <a16:creationId xmlns:a16="http://schemas.microsoft.com/office/drawing/2014/main" id="{139F3711-8F3C-4899-A3C0-F107FBF68A2A}"/>
+              </a:ext>
+            </a:extLst>
+          </p:cNvPr>
+          <p:cNvSpPr/>
+          <p:nvPr/>
+        </p:nvSpPr>
+        <p:spPr>
+          <a:xfrm>
+            <a:off x="3507698" y="3803603"/>
+            <a:ext cx="6292519" cy="298913"/>
+          </a:xfrm>
+          <a:prstGeom prst="rect">
+            <a:avLst/>
+          </a:prstGeom>
+        </p:spPr>
+        <p:style>
+          <a:lnRef idx="2">
+            <a:schemeClr val="dk1"/>
+          </a:lnRef>
+          <a:fillRef idx="1">
+            <a:schemeClr val="lt1"/>
+          </a:fillRef>
+          <a:effectRef idx="0">
+            <a:schemeClr val="dk1"/>
+          </a:effectRef>
+          <a:fontRef idx="minor">
+            <a:schemeClr val="dk1"/>
+          </a:fontRef>
+        </p:style>
+        <p:txBody>
+          <a:bodyPr rtlCol="0" anchor="ctr"/>
+          <a:lstStyle/>
+          <a:p>
+            <a:pPr algn="ctr"/>
+            <a:endParaRPr lang="en-GB"/>
+          </a:p>
+        </p:txBody>
+      </p:sp>
+      <p:sp>
+        <p:nvSpPr>
+          <p:cNvPr id="13" name="Rectangle 12">
+            <a:extLst>
+              <a:ext uri="{FF2B5EF4-FFF2-40B4-BE49-F238E27FC236}">
+                <a16:creationId xmlns:a16="http://schemas.microsoft.com/office/drawing/2014/main" id="{A327DAB9-62EA-47AA-97F6-BBF35E65B70D}"/>
+              </a:ext>
+            </a:extLst>
+          </p:cNvPr>
+          <p:cNvSpPr/>
+          <p:nvPr/>
+        </p:nvSpPr>
+        <p:spPr>
+          <a:xfrm>
+            <a:off x="3507698" y="4178206"/>
+            <a:ext cx="6292519" cy="298913"/>
+          </a:xfrm>
+          <a:prstGeom prst="rect">
+            <a:avLst/>
+          </a:prstGeom>
+        </p:spPr>
+        <p:style>
+          <a:lnRef idx="2">
+            <a:schemeClr val="dk1"/>
+          </a:lnRef>
+          <a:fillRef idx="1">
+            <a:schemeClr val="lt1"/>
+          </a:fillRef>
+          <a:effectRef idx="0">
+            <a:schemeClr val="dk1"/>
+          </a:effectRef>
+          <a:fontRef idx="minor">
+            <a:schemeClr val="dk1"/>
+          </a:fontRef>
+        </p:style>
+        <p:txBody>
+          <a:bodyPr rtlCol="0" anchor="ctr"/>
+          <a:lstStyle/>
+          <a:p>
+            <a:pPr algn="ctr"/>
+            <a:endParaRPr lang="en-GB"/>
+          </a:p>
+        </p:txBody>
+      </p:sp>
+      <p:sp>
+        <p:nvSpPr>
+          <p:cNvPr id="14" name="Rectangle 13">
+            <a:extLst>
+              <a:ext uri="{FF2B5EF4-FFF2-40B4-BE49-F238E27FC236}">
+                <a16:creationId xmlns:a16="http://schemas.microsoft.com/office/drawing/2014/main" id="{2F21ED66-1150-469B-BE32-D5EFC690A599}"/>
+              </a:ext>
+            </a:extLst>
+          </p:cNvPr>
+          <p:cNvSpPr/>
+          <p:nvPr/>
+        </p:nvSpPr>
+        <p:spPr>
+          <a:xfrm>
+            <a:off x="3507698" y="4552809"/>
+            <a:ext cx="6292519" cy="298913"/>
+          </a:xfrm>
+          <a:prstGeom prst="rect">
+            <a:avLst/>
+          </a:prstGeom>
+        </p:spPr>
+        <p:style>
+          <a:lnRef idx="2">
+            <a:schemeClr val="dk1"/>
+          </a:lnRef>
+          <a:fillRef idx="1">
+            <a:schemeClr val="lt1"/>
+          </a:fillRef>
+          <a:effectRef idx="0">
+            <a:schemeClr val="dk1"/>
+          </a:effectRef>
+          <a:fontRef idx="minor">
+            <a:schemeClr val="dk1"/>
+          </a:fontRef>
+        </p:style>
+        <p:txBody>
+          <a:bodyPr rtlCol="0" anchor="ctr"/>
+          <a:lstStyle/>
+          <a:p>
+            <a:pPr algn="ctr"/>
+            <a:endParaRPr lang="en-GB"/>
           </a:p>
         </p:txBody>
       </p:sp>
     </p:spTree>
     <p:extLst>
       <p:ext uri="{BB962C8B-B14F-4D97-AF65-F5344CB8AC3E}">
-        <p14:creationId xmlns:p14="http://schemas.microsoft.com/office/powerpoint/2010/main" val="3804495290"/>
+        <p14:creationId xmlns:p14="http://schemas.microsoft.com/office/powerpoint/2010/main" val="4087535744"/>
       </p:ext>
     </p:extLst>
   </p:cSld>

--- a/desain aplikasi my booking.pptx
+++ b/desain aplikasi my booking.pptx
@@ -6,8 +6,16 @@
   </p:sldMasterIdLst>
   <p:sldIdLst>
     <p:sldId id="256" r:id="rId2"/>
-    <p:sldId id="257" r:id="rId3"/>
-    <p:sldId id="258" r:id="rId4"/>
+    <p:sldId id="261" r:id="rId3"/>
+    <p:sldId id="257" r:id="rId4"/>
+    <p:sldId id="259" r:id="rId5"/>
+    <p:sldId id="258" r:id="rId6"/>
+    <p:sldId id="260" r:id="rId7"/>
+    <p:sldId id="262" r:id="rId8"/>
+    <p:sldId id="263" r:id="rId9"/>
+    <p:sldId id="264" r:id="rId10"/>
+    <p:sldId id="265" r:id="rId11"/>
+    <p:sldId id="266" r:id="rId12"/>
   </p:sldIdLst>
   <p:sldSz cx="12192000" cy="6858000"/>
   <p:notesSz cx="6858000" cy="9144000"/>
@@ -108,7 +116,7 @@
   </p:defaultTextStyle>
   <p:extLst>
     <p:ext uri="{EFAFB233-063F-42B5-8137-9DF3F51BA10A}">
-      <p15:sldGuideLst xmlns:p15="http://schemas.microsoft.com/office/powerpoint/2012/main"/>
+      <p15:sldGuideLst xmlns:p15="http://schemas.microsoft.com/office/powerpoint/2012/main" xmlns=""/>
     </p:ext>
   </p:extLst>
 </p:presentation>
@@ -144,7 +152,7 @@
             <a:alphaModFix amt="30000"/>
             <a:extLst>
               <a:ext uri="{28A0092B-C50C-407E-A947-70E740481C1C}">
-                <a14:useLocalDpi xmlns:a14="http://schemas.microsoft.com/office/drawing/2010/main" val="0"/>
+                <a14:useLocalDpi xmlns:a14="http://schemas.microsoft.com/office/drawing/2010/main" xmlns="" val="0"/>
               </a:ext>
             </a:extLst>
           </a:blip>
@@ -164,7 +172,7 @@
           <a:noFill/>
           <a:extLst>
             <a:ext uri="{909E8E84-426E-40dd-AFC4-6F175D3DCCD1}">
-              <a14:hiddenFill xmlns="" xmlns:a14="http://schemas.microsoft.com/office/drawing/2010/main">
+              <a14:hiddenFill xmlns:a14="http://schemas.microsoft.com/office/drawing/2010/main" xmlns="">
                 <a:solidFill>
                   <a:srgbClr val="FFFFFF"/>
                 </a:solidFill>
@@ -224,7 +232,7 @@
             </a:ln>
             <a:extLst>
               <a:ext uri="{91240B29-F687-4f45-9708-019B960494DF}">
-                <a14:hiddenLine xmlns="" xmlns:a14="http://schemas.microsoft.com/office/drawing/2010/main" w="9525">
+                <a14:hiddenLine xmlns:a14="http://schemas.microsoft.com/office/drawing/2010/main" xmlns="" w="9525">
                   <a:solidFill>
                     <a:srgbClr val="000000"/>
                   </a:solidFill>
@@ -314,7 +322,7 @@
             </a:ln>
             <a:extLst>
               <a:ext uri="{91240B29-F687-4f45-9708-019B960494DF}">
-                <a14:hiddenLine xmlns="" xmlns:a14="http://schemas.microsoft.com/office/drawing/2010/main" w="9525">
+                <a14:hiddenLine xmlns:a14="http://schemas.microsoft.com/office/drawing/2010/main" xmlns="" w="9525">
                   <a:solidFill>
                     <a:srgbClr val="000000"/>
                   </a:solidFill>
@@ -404,7 +412,7 @@
             </a:ln>
             <a:extLst>
               <a:ext uri="{91240B29-F687-4f45-9708-019B960494DF}">
-                <a14:hiddenLine xmlns="" xmlns:a14="http://schemas.microsoft.com/office/drawing/2010/main" w="9525">
+                <a14:hiddenLine xmlns:a14="http://schemas.microsoft.com/office/drawing/2010/main" xmlns="" w="9525">
                   <a:solidFill>
                     <a:srgbClr val="000000"/>
                   </a:solidFill>
@@ -438,7 +446,7 @@
             </a:ln>
             <a:extLst>
               <a:ext uri="{91240B29-F687-4f45-9708-019B960494DF}">
-                <a14:hiddenLine xmlns="" xmlns:a14="http://schemas.microsoft.com/office/drawing/2010/main" w="9525">
+                <a14:hiddenLine xmlns:a14="http://schemas.microsoft.com/office/drawing/2010/main" xmlns="" w="9525">
                   <a:solidFill>
                     <a:srgbClr val="000000"/>
                   </a:solidFill>
@@ -528,7 +536,7 @@
             </a:ln>
             <a:extLst>
               <a:ext uri="{91240B29-F687-4f45-9708-019B960494DF}">
-                <a14:hiddenLine xmlns="" xmlns:a14="http://schemas.microsoft.com/office/drawing/2010/main" w="9525">
+                <a14:hiddenLine xmlns:a14="http://schemas.microsoft.com/office/drawing/2010/main" xmlns="" w="9525">
                   <a:solidFill>
                     <a:srgbClr val="000000"/>
                   </a:solidFill>
@@ -590,7 +598,7 @@
             </a:ln>
             <a:extLst>
               <a:ext uri="{91240B29-F687-4f45-9708-019B960494DF}">
-                <a14:hiddenLine xmlns="" xmlns:a14="http://schemas.microsoft.com/office/drawing/2010/main" w="9525">
+                <a14:hiddenLine xmlns:a14="http://schemas.microsoft.com/office/drawing/2010/main" xmlns="" w="9525">
                   <a:solidFill>
                     <a:srgbClr val="000000"/>
                   </a:solidFill>
@@ -652,7 +660,7 @@
             </a:ln>
             <a:extLst>
               <a:ext uri="{91240B29-F687-4f45-9708-019B960494DF}">
-                <a14:hiddenLine xmlns="" xmlns:a14="http://schemas.microsoft.com/office/drawing/2010/main" w="9525">
+                <a14:hiddenLine xmlns:a14="http://schemas.microsoft.com/office/drawing/2010/main" xmlns="" w="9525">
                   <a:solidFill>
                     <a:srgbClr val="000000"/>
                   </a:solidFill>
@@ -742,7 +750,7 @@
             </a:ln>
             <a:extLst>
               <a:ext uri="{91240B29-F687-4f45-9708-019B960494DF}">
-                <a14:hiddenLine xmlns="" xmlns:a14="http://schemas.microsoft.com/office/drawing/2010/main" w="9525">
+                <a14:hiddenLine xmlns:a14="http://schemas.microsoft.com/office/drawing/2010/main" xmlns="" w="9525">
                   <a:solidFill>
                     <a:srgbClr val="000000"/>
                   </a:solidFill>
@@ -804,7 +812,7 @@
             </a:ln>
             <a:extLst>
               <a:ext uri="{91240B29-F687-4f45-9708-019B960494DF}">
-                <a14:hiddenLine xmlns="" xmlns:a14="http://schemas.microsoft.com/office/drawing/2010/main" w="9525">
+                <a14:hiddenLine xmlns:a14="http://schemas.microsoft.com/office/drawing/2010/main" xmlns="" w="9525">
                   <a:solidFill>
                     <a:srgbClr val="000000"/>
                   </a:solidFill>
@@ -866,7 +874,7 @@
             </a:ln>
             <a:extLst>
               <a:ext uri="{91240B29-F687-4f45-9708-019B960494DF}">
-                <a14:hiddenLine xmlns="" xmlns:a14="http://schemas.microsoft.com/office/drawing/2010/main" w="9525">
+                <a14:hiddenLine xmlns:a14="http://schemas.microsoft.com/office/drawing/2010/main" xmlns="" w="9525">
                   <a:solidFill>
                     <a:srgbClr val="000000"/>
                   </a:solidFill>
@@ -956,7 +964,7 @@
             </a:ln>
             <a:extLst>
               <a:ext uri="{91240B29-F687-4f45-9708-019B960494DF}">
-                <a14:hiddenLine xmlns="" xmlns:a14="http://schemas.microsoft.com/office/drawing/2010/main" w="9525">
+                <a14:hiddenLine xmlns:a14="http://schemas.microsoft.com/office/drawing/2010/main" xmlns="" w="9525">
                   <a:solidFill>
                     <a:srgbClr val="000000"/>
                   </a:solidFill>
@@ -1046,7 +1054,7 @@
             </a:ln>
             <a:extLst>
               <a:ext uri="{91240B29-F687-4f45-9708-019B960494DF}">
-                <a14:hiddenLine xmlns="" xmlns:a14="http://schemas.microsoft.com/office/drawing/2010/main" w="9525">
+                <a14:hiddenLine xmlns:a14="http://schemas.microsoft.com/office/drawing/2010/main" xmlns="" w="9525">
                   <a:solidFill>
                     <a:srgbClr val="000000"/>
                   </a:solidFill>
@@ -1108,7 +1116,7 @@
             </a:ln>
             <a:extLst>
               <a:ext uri="{91240B29-F687-4f45-9708-019B960494DF}">
-                <a14:hiddenLine xmlns="" xmlns:a14="http://schemas.microsoft.com/office/drawing/2010/main" w="9525">
+                <a14:hiddenLine xmlns:a14="http://schemas.microsoft.com/office/drawing/2010/main" xmlns="" w="9525">
                   <a:solidFill>
                     <a:srgbClr val="000000"/>
                   </a:solidFill>
@@ -1218,7 +1226,7 @@
             </a:ln>
             <a:extLst>
               <a:ext uri="{91240B29-F687-4f45-9708-019B960494DF}">
-                <a14:hiddenLine xmlns="" xmlns:a14="http://schemas.microsoft.com/office/drawing/2010/main" w="9525">
+                <a14:hiddenLine xmlns:a14="http://schemas.microsoft.com/office/drawing/2010/main" xmlns="" w="9525">
                   <a:solidFill>
                     <a:srgbClr val="000000"/>
                   </a:solidFill>
@@ -1280,7 +1288,7 @@
             </a:ln>
             <a:extLst>
               <a:ext uri="{91240B29-F687-4f45-9708-019B960494DF}">
-                <a14:hiddenLine xmlns="" xmlns:a14="http://schemas.microsoft.com/office/drawing/2010/main" w="9525">
+                <a14:hiddenLine xmlns:a14="http://schemas.microsoft.com/office/drawing/2010/main" xmlns="" w="9525">
                   <a:solidFill>
                     <a:srgbClr val="000000"/>
                   </a:solidFill>
@@ -1370,7 +1378,7 @@
             </a:ln>
             <a:extLst>
               <a:ext uri="{91240B29-F687-4f45-9708-019B960494DF}">
-                <a14:hiddenLine xmlns="" xmlns:a14="http://schemas.microsoft.com/office/drawing/2010/main" w="9525">
+                <a14:hiddenLine xmlns:a14="http://schemas.microsoft.com/office/drawing/2010/main" xmlns="" w="9525">
                   <a:solidFill>
                     <a:srgbClr val="000000"/>
                   </a:solidFill>
@@ -1460,7 +1468,7 @@
             </a:ln>
             <a:extLst>
               <a:ext uri="{91240B29-F687-4f45-9708-019B960494DF}">
-                <a14:hiddenLine xmlns="" xmlns:a14="http://schemas.microsoft.com/office/drawing/2010/main" w="9525">
+                <a14:hiddenLine xmlns:a14="http://schemas.microsoft.com/office/drawing/2010/main" xmlns="" w="9525">
                   <a:solidFill>
                     <a:srgbClr val="000000"/>
                   </a:solidFill>
@@ -1522,7 +1530,7 @@
             </a:ln>
             <a:extLst>
               <a:ext uri="{91240B29-F687-4f45-9708-019B960494DF}">
-                <a14:hiddenLine xmlns="" xmlns:a14="http://schemas.microsoft.com/office/drawing/2010/main" w="9525">
+                <a14:hiddenLine xmlns:a14="http://schemas.microsoft.com/office/drawing/2010/main" xmlns="" w="9525">
                   <a:solidFill>
                     <a:srgbClr val="000000"/>
                   </a:solidFill>
@@ -1612,7 +1620,7 @@
             </a:ln>
             <a:extLst>
               <a:ext uri="{91240B29-F687-4f45-9708-019B960494DF}">
-                <a14:hiddenLine xmlns="" xmlns:a14="http://schemas.microsoft.com/office/drawing/2010/main" w="9525">
+                <a14:hiddenLine xmlns:a14="http://schemas.microsoft.com/office/drawing/2010/main" xmlns="" w="9525">
                   <a:solidFill>
                     <a:srgbClr val="000000"/>
                   </a:solidFill>
@@ -1702,7 +1710,7 @@
             </a:ln>
             <a:extLst>
               <a:ext uri="{91240B29-F687-4f45-9708-019B960494DF}">
-                <a14:hiddenLine xmlns="" xmlns:a14="http://schemas.microsoft.com/office/drawing/2010/main" w="9525">
+                <a14:hiddenLine xmlns:a14="http://schemas.microsoft.com/office/drawing/2010/main" xmlns="" w="9525">
                   <a:solidFill>
                     <a:srgbClr val="000000"/>
                   </a:solidFill>
@@ -1758,7 +1766,7 @@
             </a:ln>
             <a:extLst>
               <a:ext uri="{91240B29-F687-4f45-9708-019B960494DF}">
-                <a14:hiddenLine xmlns="" xmlns:a14="http://schemas.microsoft.com/office/drawing/2010/main" w="9525">
+                <a14:hiddenLine xmlns:a14="http://schemas.microsoft.com/office/drawing/2010/main" xmlns="" w="9525">
                   <a:solidFill>
                     <a:srgbClr val="000000"/>
                   </a:solidFill>
@@ -1848,7 +1856,7 @@
             </a:ln>
             <a:extLst>
               <a:ext uri="{91240B29-F687-4f45-9708-019B960494DF}">
-                <a14:hiddenLine xmlns="" xmlns:a14="http://schemas.microsoft.com/office/drawing/2010/main" w="9525">
+                <a14:hiddenLine xmlns:a14="http://schemas.microsoft.com/office/drawing/2010/main" xmlns="" w="9525">
                   <a:solidFill>
                     <a:srgbClr val="000000"/>
                   </a:solidFill>
@@ -1904,7 +1912,7 @@
             </a:ln>
             <a:extLst>
               <a:ext uri="{91240B29-F687-4f45-9708-019B960494DF}">
-                <a14:hiddenLine xmlns="" xmlns:a14="http://schemas.microsoft.com/office/drawing/2010/main" w="9525">
+                <a14:hiddenLine xmlns:a14="http://schemas.microsoft.com/office/drawing/2010/main" xmlns="" w="9525">
                   <a:solidFill>
                     <a:srgbClr val="000000"/>
                   </a:solidFill>
@@ -1994,7 +2002,7 @@
             </a:ln>
             <a:extLst>
               <a:ext uri="{91240B29-F687-4f45-9708-019B960494DF}">
-                <a14:hiddenLine xmlns="" xmlns:a14="http://schemas.microsoft.com/office/drawing/2010/main" w="9525">
+                <a14:hiddenLine xmlns:a14="http://schemas.microsoft.com/office/drawing/2010/main" xmlns="" w="9525">
                   <a:solidFill>
                     <a:srgbClr val="000000"/>
                   </a:solidFill>
@@ -2062,7 +2070,7 @@
             </a:ln>
             <a:extLst>
               <a:ext uri="{91240B29-F687-4f45-9708-019B960494DF}">
-                <a14:hiddenLine xmlns="" xmlns:a14="http://schemas.microsoft.com/office/drawing/2010/main" w="9525">
+                <a14:hiddenLine xmlns:a14="http://schemas.microsoft.com/office/drawing/2010/main" xmlns="" w="9525">
                   <a:solidFill>
                     <a:srgbClr val="000000"/>
                   </a:solidFill>
@@ -2152,7 +2160,7 @@
             </a:ln>
             <a:extLst>
               <a:ext uri="{91240B29-F687-4f45-9708-019B960494DF}">
-                <a14:hiddenLine xmlns="" xmlns:a14="http://schemas.microsoft.com/office/drawing/2010/main" w="9525">
+                <a14:hiddenLine xmlns:a14="http://schemas.microsoft.com/office/drawing/2010/main" xmlns="" w="9525">
                   <a:solidFill>
                     <a:srgbClr val="000000"/>
                   </a:solidFill>
@@ -2220,7 +2228,7 @@
             </a:ln>
             <a:extLst>
               <a:ext uri="{91240B29-F687-4f45-9708-019B960494DF}">
-                <a14:hiddenLine xmlns="" xmlns:a14="http://schemas.microsoft.com/office/drawing/2010/main" w="9525">
+                <a14:hiddenLine xmlns:a14="http://schemas.microsoft.com/office/drawing/2010/main" xmlns="" w="9525">
                   <a:solidFill>
                     <a:srgbClr val="000000"/>
                   </a:solidFill>
@@ -2310,7 +2318,7 @@
             </a:ln>
             <a:extLst>
               <a:ext uri="{91240B29-F687-4f45-9708-019B960494DF}">
-                <a14:hiddenLine xmlns="" xmlns:a14="http://schemas.microsoft.com/office/drawing/2010/main" w="9525">
+                <a14:hiddenLine xmlns:a14="http://schemas.microsoft.com/office/drawing/2010/main" xmlns="" w="9525">
                   <a:solidFill>
                     <a:srgbClr val="000000"/>
                   </a:solidFill>
@@ -2344,7 +2352,7 @@
             </a:ln>
             <a:extLst>
               <a:ext uri="{91240B29-F687-4f45-9708-019B960494DF}">
-                <a14:hiddenLine xmlns="" xmlns:a14="http://schemas.microsoft.com/office/drawing/2010/main" w="9525">
+                <a14:hiddenLine xmlns:a14="http://schemas.microsoft.com/office/drawing/2010/main" xmlns="" w="9525">
                   <a:solidFill>
                     <a:srgbClr val="000000"/>
                   </a:solidFill>
@@ -2434,7 +2442,7 @@
             </a:ln>
             <a:extLst>
               <a:ext uri="{91240B29-F687-4f45-9708-019B960494DF}">
-                <a14:hiddenLine xmlns="" xmlns:a14="http://schemas.microsoft.com/office/drawing/2010/main" w="9525">
+                <a14:hiddenLine xmlns:a14="http://schemas.microsoft.com/office/drawing/2010/main" xmlns="" w="9525">
                   <a:solidFill>
                     <a:srgbClr val="000000"/>
                   </a:solidFill>
@@ -2496,7 +2504,7 @@
             </a:ln>
             <a:extLst>
               <a:ext uri="{91240B29-F687-4f45-9708-019B960494DF}">
-                <a14:hiddenLine xmlns="" xmlns:a14="http://schemas.microsoft.com/office/drawing/2010/main" w="9525">
+                <a14:hiddenLine xmlns:a14="http://schemas.microsoft.com/office/drawing/2010/main" xmlns="" w="9525">
                   <a:solidFill>
                     <a:srgbClr val="000000"/>
                   </a:solidFill>
@@ -2558,7 +2566,7 @@
             </a:ln>
             <a:extLst>
               <a:ext uri="{91240B29-F687-4f45-9708-019B960494DF}">
-                <a14:hiddenLine xmlns="" xmlns:a14="http://schemas.microsoft.com/office/drawing/2010/main" w="9525">
+                <a14:hiddenLine xmlns:a14="http://schemas.microsoft.com/office/drawing/2010/main" xmlns="" w="9525">
                   <a:solidFill>
                     <a:srgbClr val="000000"/>
                   </a:solidFill>
@@ -2648,7 +2656,7 @@
             </a:ln>
             <a:extLst>
               <a:ext uri="{91240B29-F687-4f45-9708-019B960494DF}">
-                <a14:hiddenLine xmlns="" xmlns:a14="http://schemas.microsoft.com/office/drawing/2010/main" w="9525">
+                <a14:hiddenLine xmlns:a14="http://schemas.microsoft.com/office/drawing/2010/main" xmlns="" w="9525">
                   <a:solidFill>
                     <a:srgbClr val="000000"/>
                   </a:solidFill>
@@ -2716,7 +2724,7 @@
             </a:ln>
             <a:extLst>
               <a:ext uri="{91240B29-F687-4f45-9708-019B960494DF}">
-                <a14:hiddenLine xmlns="" xmlns:a14="http://schemas.microsoft.com/office/drawing/2010/main" w="9525">
+                <a14:hiddenLine xmlns:a14="http://schemas.microsoft.com/office/drawing/2010/main" xmlns="" w="9525">
                   <a:solidFill>
                     <a:srgbClr val="000000"/>
                   </a:solidFill>
@@ -2778,7 +2786,7 @@
             </a:ln>
             <a:extLst>
               <a:ext uri="{91240B29-F687-4f45-9708-019B960494DF}">
-                <a14:hiddenLine xmlns="" xmlns:a14="http://schemas.microsoft.com/office/drawing/2010/main" w="9525">
+                <a14:hiddenLine xmlns:a14="http://schemas.microsoft.com/office/drawing/2010/main" xmlns="" w="9525">
                   <a:solidFill>
                     <a:srgbClr val="000000"/>
                   </a:solidFill>
@@ -2868,7 +2876,7 @@
             </a:ln>
             <a:extLst>
               <a:ext uri="{91240B29-F687-4f45-9708-019B960494DF}">
-                <a14:hiddenLine xmlns="" xmlns:a14="http://schemas.microsoft.com/office/drawing/2010/main" w="9525">
+                <a14:hiddenLine xmlns:a14="http://schemas.microsoft.com/office/drawing/2010/main" xmlns="" w="9525">
                   <a:solidFill>
                     <a:srgbClr val="000000"/>
                   </a:solidFill>
@@ -2930,7 +2938,7 @@
             </a:ln>
             <a:extLst>
               <a:ext uri="{91240B29-F687-4f45-9708-019B960494DF}">
-                <a14:hiddenLine xmlns="" xmlns:a14="http://schemas.microsoft.com/office/drawing/2010/main" w="9525">
+                <a14:hiddenLine xmlns:a14="http://schemas.microsoft.com/office/drawing/2010/main" xmlns="" w="9525">
                   <a:solidFill>
                     <a:srgbClr val="000000"/>
                   </a:solidFill>
@@ -3020,7 +3028,7 @@
             </a:ln>
             <a:extLst>
               <a:ext uri="{91240B29-F687-4f45-9708-019B960494DF}">
-                <a14:hiddenLine xmlns="" xmlns:a14="http://schemas.microsoft.com/office/drawing/2010/main" w="9525">
+                <a14:hiddenLine xmlns:a14="http://schemas.microsoft.com/office/drawing/2010/main" xmlns="" w="9525">
                   <a:solidFill>
                     <a:srgbClr val="000000"/>
                   </a:solidFill>
@@ -3082,7 +3090,7 @@
             </a:ln>
             <a:extLst>
               <a:ext uri="{91240B29-F687-4f45-9708-019B960494DF}">
-                <a14:hiddenLine xmlns="" xmlns:a14="http://schemas.microsoft.com/office/drawing/2010/main" w="9525">
+                <a14:hiddenLine xmlns:a14="http://schemas.microsoft.com/office/drawing/2010/main" xmlns="" w="9525">
                   <a:solidFill>
                     <a:srgbClr val="000000"/>
                   </a:solidFill>
@@ -3172,7 +3180,7 @@
             </a:ln>
             <a:extLst>
               <a:ext uri="{91240B29-F687-4f45-9708-019B960494DF}">
-                <a14:hiddenLine xmlns="" xmlns:a14="http://schemas.microsoft.com/office/drawing/2010/main" w="9525">
+                <a14:hiddenLine xmlns:a14="http://schemas.microsoft.com/office/drawing/2010/main" xmlns="" w="9525">
                   <a:solidFill>
                     <a:srgbClr val="000000"/>
                   </a:solidFill>
@@ -3206,7 +3214,7 @@
             </a:ln>
             <a:extLst>
               <a:ext uri="{91240B29-F687-4f45-9708-019B960494DF}">
-                <a14:hiddenLine xmlns="" xmlns:a14="http://schemas.microsoft.com/office/drawing/2010/main" w="9525">
+                <a14:hiddenLine xmlns:a14="http://schemas.microsoft.com/office/drawing/2010/main" xmlns="" w="9525">
                   <a:solidFill>
                     <a:srgbClr val="000000"/>
                   </a:solidFill>
@@ -3271,7 +3279,7 @@
             </a:ln>
             <a:extLst>
               <a:ext uri="{91240B29-F687-4f45-9708-019B960494DF}">
-                <a14:hiddenLine xmlns="" xmlns:a14="http://schemas.microsoft.com/office/drawing/2010/main" w="9525">
+                <a14:hiddenLine xmlns:a14="http://schemas.microsoft.com/office/drawing/2010/main" xmlns="" w="9525">
                   <a:solidFill>
                     <a:srgbClr val="000000"/>
                   </a:solidFill>
@@ -3361,7 +3369,7 @@
             </a:ln>
             <a:extLst>
               <a:ext uri="{91240B29-F687-4f45-9708-019B960494DF}">
-                <a14:hiddenLine xmlns="" xmlns:a14="http://schemas.microsoft.com/office/drawing/2010/main" w="9525">
+                <a14:hiddenLine xmlns:a14="http://schemas.microsoft.com/office/drawing/2010/main" xmlns="" w="9525">
                   <a:solidFill>
                     <a:srgbClr val="000000"/>
                   </a:solidFill>
@@ -3423,7 +3431,7 @@
             </a:ln>
             <a:extLst>
               <a:ext uri="{91240B29-F687-4f45-9708-019B960494DF}">
-                <a14:hiddenLine xmlns="" xmlns:a14="http://schemas.microsoft.com/office/drawing/2010/main" w="9525">
+                <a14:hiddenLine xmlns:a14="http://schemas.microsoft.com/office/drawing/2010/main" xmlns="" w="9525">
                   <a:solidFill>
                     <a:srgbClr val="000000"/>
                   </a:solidFill>
@@ -3513,7 +3521,7 @@
             </a:ln>
             <a:extLst>
               <a:ext uri="{91240B29-F687-4f45-9708-019B960494DF}">
-                <a14:hiddenLine xmlns="" xmlns:a14="http://schemas.microsoft.com/office/drawing/2010/main" w="9525">
+                <a14:hiddenLine xmlns:a14="http://schemas.microsoft.com/office/drawing/2010/main" xmlns="" w="9525">
                   <a:solidFill>
                     <a:srgbClr val="000000"/>
                   </a:solidFill>
@@ -3603,7 +3611,7 @@
             </a:ln>
             <a:extLst>
               <a:ext uri="{91240B29-F687-4f45-9708-019B960494DF}">
-                <a14:hiddenLine xmlns="" xmlns:a14="http://schemas.microsoft.com/office/drawing/2010/main" w="9525">
+                <a14:hiddenLine xmlns:a14="http://schemas.microsoft.com/office/drawing/2010/main" xmlns="" w="9525">
                   <a:solidFill>
                     <a:srgbClr val="000000"/>
                   </a:solidFill>
@@ -3668,7 +3676,7 @@
             </a:ln>
             <a:extLst>
               <a:ext uri="{91240B29-F687-4f45-9708-019B960494DF}">
-                <a14:hiddenLine xmlns="" xmlns:a14="http://schemas.microsoft.com/office/drawing/2010/main" w="9525">
+                <a14:hiddenLine xmlns:a14="http://schemas.microsoft.com/office/drawing/2010/main" xmlns="" w="9525">
                   <a:solidFill>
                     <a:srgbClr val="000000"/>
                   </a:solidFill>
@@ -3730,7 +3738,7 @@
             </a:ln>
             <a:extLst>
               <a:ext uri="{91240B29-F687-4f45-9708-019B960494DF}">
-                <a14:hiddenLine xmlns="" xmlns:a14="http://schemas.microsoft.com/office/drawing/2010/main" w="9525">
+                <a14:hiddenLine xmlns:a14="http://schemas.microsoft.com/office/drawing/2010/main" xmlns="" w="9525">
                   <a:solidFill>
                     <a:srgbClr val="000000"/>
                   </a:solidFill>
@@ -3820,7 +3828,7 @@
             </a:ln>
             <a:extLst>
               <a:ext uri="{91240B29-F687-4f45-9708-019B960494DF}">
-                <a14:hiddenLine xmlns="" xmlns:a14="http://schemas.microsoft.com/office/drawing/2010/main" w="9525">
+                <a14:hiddenLine xmlns:a14="http://schemas.microsoft.com/office/drawing/2010/main" xmlns="" w="9525">
                   <a:solidFill>
                     <a:srgbClr val="000000"/>
                   </a:solidFill>
@@ -3910,7 +3918,7 @@
             </a:ln>
             <a:extLst>
               <a:ext uri="{91240B29-F687-4f45-9708-019B960494DF}">
-                <a14:hiddenLine xmlns="" xmlns:a14="http://schemas.microsoft.com/office/drawing/2010/main" w="9525">
+                <a14:hiddenLine xmlns:a14="http://schemas.microsoft.com/office/drawing/2010/main" xmlns="" w="9525">
                   <a:solidFill>
                     <a:srgbClr val="000000"/>
                   </a:solidFill>
@@ -3972,7 +3980,7 @@
             </a:ln>
             <a:extLst>
               <a:ext uri="{91240B29-F687-4f45-9708-019B960494DF}">
-                <a14:hiddenLine xmlns="" xmlns:a14="http://schemas.microsoft.com/office/drawing/2010/main" w="9525">
+                <a14:hiddenLine xmlns:a14="http://schemas.microsoft.com/office/drawing/2010/main" xmlns="" w="9525">
                   <a:solidFill>
                     <a:srgbClr val="000000"/>
                   </a:solidFill>
@@ -4092,7 +4100,7 @@
             </a:ln>
             <a:extLst>
               <a:ext uri="{91240B29-F687-4f45-9708-019B960494DF}">
-                <a14:hiddenLine xmlns="" xmlns:a14="http://schemas.microsoft.com/office/drawing/2010/main" w="9525">
+                <a14:hiddenLine xmlns:a14="http://schemas.microsoft.com/office/drawing/2010/main" xmlns="" w="9525">
                   <a:solidFill>
                     <a:srgbClr val="000000"/>
                   </a:solidFill>
@@ -4160,7 +4168,7 @@
             </a:ln>
             <a:extLst>
               <a:ext uri="{91240B29-F687-4f45-9708-019B960494DF}">
-                <a14:hiddenLine xmlns="" xmlns:a14="http://schemas.microsoft.com/office/drawing/2010/main" w="9525">
+                <a14:hiddenLine xmlns:a14="http://schemas.microsoft.com/office/drawing/2010/main" xmlns="" w="9525">
                   <a:solidFill>
                     <a:srgbClr val="000000"/>
                   </a:solidFill>
@@ -4250,7 +4258,7 @@
             </a:ln>
             <a:extLst>
               <a:ext uri="{91240B29-F687-4f45-9708-019B960494DF}">
-                <a14:hiddenLine xmlns="" xmlns:a14="http://schemas.microsoft.com/office/drawing/2010/main" w="9525">
+                <a14:hiddenLine xmlns:a14="http://schemas.microsoft.com/office/drawing/2010/main" xmlns="" w="9525">
                   <a:solidFill>
                     <a:srgbClr val="000000"/>
                   </a:solidFill>
@@ -4390,7 +4398,8 @@
           <a:p>
             <a:fld id="{947E562B-8100-42AE-A7FF-EB4104661EE6}" type="datetimeFigureOut">
               <a:rPr lang="en-GB" smtClean="0"/>
-              <a:t>30/07/2023</a:t>
+              <a:pPr/>
+              <a:t>01/08/2023</a:t>
             </a:fld>
             <a:endParaRPr lang="en-GB"/>
           </a:p>
@@ -4442,6 +4451,7 @@
           <a:p>
             <a:fld id="{6BB0AA40-08CE-4E8E-A0C8-1C0C8C28C675}" type="slidenum">
               <a:rPr lang="en-GB" smtClean="0"/>
+              <a:pPr/>
               <a:t>‹#›</a:t>
             </a:fld>
             <a:endParaRPr lang="en-GB"/>
@@ -4451,7 +4461,7 @@
     </p:spTree>
     <p:extLst>
       <p:ext uri="{BB962C8B-B14F-4D97-AF65-F5344CB8AC3E}">
-        <p14:creationId xmlns:p14="http://schemas.microsoft.com/office/powerpoint/2010/main" val="4158101565"/>
+        <p14:creationId xmlns:p14="http://schemas.microsoft.com/office/powerpoint/2010/main" xmlns="" val="4158101565"/>
       </p:ext>
     </p:extLst>
   </p:cSld>
@@ -4657,7 +4667,8 @@
           <a:p>
             <a:fld id="{947E562B-8100-42AE-A7FF-EB4104661EE6}" type="datetimeFigureOut">
               <a:rPr lang="en-GB" smtClean="0"/>
-              <a:t>30/07/2023</a:t>
+              <a:pPr/>
+              <a:t>01/08/2023</a:t>
             </a:fld>
             <a:endParaRPr lang="en-GB"/>
           </a:p>
@@ -4699,6 +4710,7 @@
           <a:p>
             <a:fld id="{6BB0AA40-08CE-4E8E-A0C8-1C0C8C28C675}" type="slidenum">
               <a:rPr lang="en-GB" smtClean="0"/>
+              <a:pPr/>
               <a:t>‹#›</a:t>
             </a:fld>
             <a:endParaRPr lang="en-GB"/>
@@ -4708,7 +4720,7 @@
     </p:spTree>
     <p:extLst>
       <p:ext uri="{BB962C8B-B14F-4D97-AF65-F5344CB8AC3E}">
-        <p14:creationId xmlns:p14="http://schemas.microsoft.com/office/powerpoint/2010/main" val="961079370"/>
+        <p14:creationId xmlns:p14="http://schemas.microsoft.com/office/powerpoint/2010/main" xmlns="" val="961079370"/>
       </p:ext>
     </p:extLst>
   </p:cSld>
@@ -4853,7 +4865,8 @@
           <a:p>
             <a:fld id="{947E562B-8100-42AE-A7FF-EB4104661EE6}" type="datetimeFigureOut">
               <a:rPr lang="en-GB" smtClean="0"/>
-              <a:t>30/07/2023</a:t>
+              <a:pPr/>
+              <a:t>01/08/2023</a:t>
             </a:fld>
             <a:endParaRPr lang="en-GB"/>
           </a:p>
@@ -4895,6 +4908,7 @@
           <a:p>
             <a:fld id="{6BB0AA40-08CE-4E8E-A0C8-1C0C8C28C675}" type="slidenum">
               <a:rPr lang="en-GB" smtClean="0"/>
+              <a:pPr/>
               <a:t>‹#›</a:t>
             </a:fld>
             <a:endParaRPr lang="en-GB"/>
@@ -4904,7 +4918,7 @@
     </p:spTree>
     <p:extLst>
       <p:ext uri="{BB962C8B-B14F-4D97-AF65-F5344CB8AC3E}">
-        <p14:creationId xmlns:p14="http://schemas.microsoft.com/office/powerpoint/2010/main" val="2405734003"/>
+        <p14:creationId xmlns:p14="http://schemas.microsoft.com/office/powerpoint/2010/main" xmlns="" val="2405734003"/>
       </p:ext>
     </p:extLst>
   </p:cSld>
@@ -5116,7 +5130,8 @@
           <a:p>
             <a:fld id="{947E562B-8100-42AE-A7FF-EB4104661EE6}" type="datetimeFigureOut">
               <a:rPr lang="en-GB" smtClean="0"/>
-              <a:t>30/07/2023</a:t>
+              <a:pPr/>
+              <a:t>01/08/2023</a:t>
             </a:fld>
             <a:endParaRPr lang="en-GB"/>
           </a:p>
@@ -5158,6 +5173,7 @@
           <a:p>
             <a:fld id="{6BB0AA40-08CE-4E8E-A0C8-1C0C8C28C675}" type="slidenum">
               <a:rPr lang="en-GB" smtClean="0"/>
+              <a:pPr/>
               <a:t>‹#›</a:t>
             </a:fld>
             <a:endParaRPr lang="en-GB"/>
@@ -5405,7 +5421,7 @@
     </p:spTree>
     <p:extLst>
       <p:ext uri="{BB962C8B-B14F-4D97-AF65-F5344CB8AC3E}">
-        <p14:creationId xmlns:p14="http://schemas.microsoft.com/office/powerpoint/2010/main" val="3105338432"/>
+        <p14:creationId xmlns:p14="http://schemas.microsoft.com/office/powerpoint/2010/main" xmlns="" val="3105338432"/>
       </p:ext>
     </p:extLst>
   </p:cSld>
@@ -5550,7 +5566,8 @@
           <a:p>
             <a:fld id="{947E562B-8100-42AE-A7FF-EB4104661EE6}" type="datetimeFigureOut">
               <a:rPr lang="en-GB" smtClean="0"/>
-              <a:t>30/07/2023</a:t>
+              <a:pPr/>
+              <a:t>01/08/2023</a:t>
             </a:fld>
             <a:endParaRPr lang="en-GB"/>
           </a:p>
@@ -5592,6 +5609,7 @@
           <a:p>
             <a:fld id="{6BB0AA40-08CE-4E8E-A0C8-1C0C8C28C675}" type="slidenum">
               <a:rPr lang="en-GB" smtClean="0"/>
+              <a:pPr/>
               <a:t>‹#›</a:t>
             </a:fld>
             <a:endParaRPr lang="en-GB"/>
@@ -5601,7 +5619,7 @@
     </p:spTree>
     <p:extLst>
       <p:ext uri="{BB962C8B-B14F-4D97-AF65-F5344CB8AC3E}">
-        <p14:creationId xmlns:p14="http://schemas.microsoft.com/office/powerpoint/2010/main" val="1836581741"/>
+        <p14:creationId xmlns:p14="http://schemas.microsoft.com/office/powerpoint/2010/main" xmlns="" val="1836581741"/>
       </p:ext>
     </p:extLst>
   </p:cSld>
@@ -6096,7 +6114,8 @@
           <a:p>
             <a:fld id="{947E562B-8100-42AE-A7FF-EB4104661EE6}" type="datetimeFigureOut">
               <a:rPr lang="en-GB" smtClean="0"/>
-              <a:t>30/07/2023</a:t>
+              <a:pPr/>
+              <a:t>01/08/2023</a:t>
             </a:fld>
             <a:endParaRPr lang="en-GB"/>
           </a:p>
@@ -6138,6 +6157,7 @@
           <a:p>
             <a:fld id="{6BB0AA40-08CE-4E8E-A0C8-1C0C8C28C675}" type="slidenum">
               <a:rPr lang="en-GB" smtClean="0"/>
+              <a:pPr/>
               <a:t>‹#›</a:t>
             </a:fld>
             <a:endParaRPr lang="en-GB"/>
@@ -6147,7 +6167,7 @@
     </p:spTree>
     <p:extLst>
       <p:ext uri="{BB962C8B-B14F-4D97-AF65-F5344CB8AC3E}">
-        <p14:creationId xmlns:p14="http://schemas.microsoft.com/office/powerpoint/2010/main" val="85792577"/>
+        <p14:creationId xmlns:p14="http://schemas.microsoft.com/office/powerpoint/2010/main" xmlns="" val="85792577"/>
       </p:ext>
     </p:extLst>
   </p:cSld>
@@ -6816,7 +6836,8 @@
           <a:p>
             <a:fld id="{947E562B-8100-42AE-A7FF-EB4104661EE6}" type="datetimeFigureOut">
               <a:rPr lang="en-GB" smtClean="0"/>
-              <a:t>30/07/2023</a:t>
+              <a:pPr/>
+              <a:t>01/08/2023</a:t>
             </a:fld>
             <a:endParaRPr lang="en-GB"/>
           </a:p>
@@ -6858,6 +6879,7 @@
           <a:p>
             <a:fld id="{6BB0AA40-08CE-4E8E-A0C8-1C0C8C28C675}" type="slidenum">
               <a:rPr lang="en-GB" smtClean="0"/>
+              <a:pPr/>
               <a:t>‹#›</a:t>
             </a:fld>
             <a:endParaRPr lang="en-GB"/>
@@ -6867,7 +6889,7 @@
     </p:spTree>
     <p:extLst>
       <p:ext uri="{BB962C8B-B14F-4D97-AF65-F5344CB8AC3E}">
-        <p14:creationId xmlns:p14="http://schemas.microsoft.com/office/powerpoint/2010/main" val="1998656411"/>
+        <p14:creationId xmlns:p14="http://schemas.microsoft.com/office/powerpoint/2010/main" xmlns="" val="1998656411"/>
       </p:ext>
     </p:extLst>
   </p:cSld>
@@ -6986,7 +7008,8 @@
           <a:p>
             <a:fld id="{947E562B-8100-42AE-A7FF-EB4104661EE6}" type="datetimeFigureOut">
               <a:rPr lang="en-GB" smtClean="0"/>
-              <a:t>30/07/2023</a:t>
+              <a:pPr/>
+              <a:t>01/08/2023</a:t>
             </a:fld>
             <a:endParaRPr lang="en-GB"/>
           </a:p>
@@ -7028,6 +7051,7 @@
           <a:p>
             <a:fld id="{6BB0AA40-08CE-4E8E-A0C8-1C0C8C28C675}" type="slidenum">
               <a:rPr lang="en-GB" smtClean="0"/>
+              <a:pPr/>
               <a:t>‹#›</a:t>
             </a:fld>
             <a:endParaRPr lang="en-GB"/>
@@ -7037,7 +7061,7 @@
     </p:spTree>
     <p:extLst>
       <p:ext uri="{BB962C8B-B14F-4D97-AF65-F5344CB8AC3E}">
-        <p14:creationId xmlns:p14="http://schemas.microsoft.com/office/powerpoint/2010/main" val="997796756"/>
+        <p14:creationId xmlns:p14="http://schemas.microsoft.com/office/powerpoint/2010/main" xmlns="" val="997796756"/>
       </p:ext>
     </p:extLst>
   </p:cSld>
@@ -7166,7 +7190,8 @@
           <a:p>
             <a:fld id="{947E562B-8100-42AE-A7FF-EB4104661EE6}" type="datetimeFigureOut">
               <a:rPr lang="en-GB" smtClean="0"/>
-              <a:t>30/07/2023</a:t>
+              <a:pPr/>
+              <a:t>01/08/2023</a:t>
             </a:fld>
             <a:endParaRPr lang="en-GB"/>
           </a:p>
@@ -7208,6 +7233,7 @@
           <a:p>
             <a:fld id="{6BB0AA40-08CE-4E8E-A0C8-1C0C8C28C675}" type="slidenum">
               <a:rPr lang="en-GB" smtClean="0"/>
+              <a:pPr/>
               <a:t>‹#›</a:t>
             </a:fld>
             <a:endParaRPr lang="en-GB"/>
@@ -7217,7 +7243,7 @@
     </p:spTree>
     <p:extLst>
       <p:ext uri="{BB962C8B-B14F-4D97-AF65-F5344CB8AC3E}">
-        <p14:creationId xmlns:p14="http://schemas.microsoft.com/office/powerpoint/2010/main" val="3628722927"/>
+        <p14:creationId xmlns:p14="http://schemas.microsoft.com/office/powerpoint/2010/main" xmlns="" val="3628722927"/>
       </p:ext>
     </p:extLst>
   </p:cSld>
@@ -7336,7 +7362,8 @@
           <a:p>
             <a:fld id="{947E562B-8100-42AE-A7FF-EB4104661EE6}" type="datetimeFigureOut">
               <a:rPr lang="en-GB" smtClean="0"/>
-              <a:t>30/07/2023</a:t>
+              <a:pPr/>
+              <a:t>01/08/2023</a:t>
             </a:fld>
             <a:endParaRPr lang="en-GB"/>
           </a:p>
@@ -7378,6 +7405,7 @@
           <a:p>
             <a:fld id="{6BB0AA40-08CE-4E8E-A0C8-1C0C8C28C675}" type="slidenum">
               <a:rPr lang="en-GB" smtClean="0"/>
+              <a:pPr/>
               <a:t>‹#›</a:t>
             </a:fld>
             <a:endParaRPr lang="en-GB"/>
@@ -7387,7 +7415,7 @@
     </p:spTree>
     <p:extLst>
       <p:ext uri="{BB962C8B-B14F-4D97-AF65-F5344CB8AC3E}">
-        <p14:creationId xmlns:p14="http://schemas.microsoft.com/office/powerpoint/2010/main" val="1012081043"/>
+        <p14:creationId xmlns:p14="http://schemas.microsoft.com/office/powerpoint/2010/main" xmlns="" val="1012081043"/>
       </p:ext>
     </p:extLst>
   </p:cSld>
@@ -7586,7 +7614,8 @@
           <a:p>
             <a:fld id="{947E562B-8100-42AE-A7FF-EB4104661EE6}" type="datetimeFigureOut">
               <a:rPr lang="en-GB" smtClean="0"/>
-              <a:t>30/07/2023</a:t>
+              <a:pPr/>
+              <a:t>01/08/2023</a:t>
             </a:fld>
             <a:endParaRPr lang="en-GB"/>
           </a:p>
@@ -7628,6 +7657,7 @@
           <a:p>
             <a:fld id="{6BB0AA40-08CE-4E8E-A0C8-1C0C8C28C675}" type="slidenum">
               <a:rPr lang="en-GB" smtClean="0"/>
+              <a:pPr/>
               <a:t>‹#›</a:t>
             </a:fld>
             <a:endParaRPr lang="en-GB"/>
@@ -7637,7 +7667,7 @@
     </p:spTree>
     <p:extLst>
       <p:ext uri="{BB962C8B-B14F-4D97-AF65-F5344CB8AC3E}">
-        <p14:creationId xmlns:p14="http://schemas.microsoft.com/office/powerpoint/2010/main" val="2068142328"/>
+        <p14:creationId xmlns:p14="http://schemas.microsoft.com/office/powerpoint/2010/main" xmlns="" val="2068142328"/>
       </p:ext>
     </p:extLst>
   </p:cSld>
@@ -7818,7 +7848,8 @@
           <a:p>
             <a:fld id="{947E562B-8100-42AE-A7FF-EB4104661EE6}" type="datetimeFigureOut">
               <a:rPr lang="en-GB" smtClean="0"/>
-              <a:t>30/07/2023</a:t>
+              <a:pPr/>
+              <a:t>01/08/2023</a:t>
             </a:fld>
             <a:endParaRPr lang="en-GB"/>
           </a:p>
@@ -7860,6 +7891,7 @@
           <a:p>
             <a:fld id="{6BB0AA40-08CE-4E8E-A0C8-1C0C8C28C675}" type="slidenum">
               <a:rPr lang="en-GB" smtClean="0"/>
+              <a:pPr/>
               <a:t>‹#›</a:t>
             </a:fld>
             <a:endParaRPr lang="en-GB"/>
@@ -7869,7 +7901,7 @@
     </p:spTree>
     <p:extLst>
       <p:ext uri="{BB962C8B-B14F-4D97-AF65-F5344CB8AC3E}">
-        <p14:creationId xmlns:p14="http://schemas.microsoft.com/office/powerpoint/2010/main" val="216083124"/>
+        <p14:creationId xmlns:p14="http://schemas.microsoft.com/office/powerpoint/2010/main" xmlns="" val="216083124"/>
       </p:ext>
     </p:extLst>
   </p:cSld>
@@ -8199,7 +8231,8 @@
           <a:p>
             <a:fld id="{947E562B-8100-42AE-A7FF-EB4104661EE6}" type="datetimeFigureOut">
               <a:rPr lang="en-GB" smtClean="0"/>
-              <a:t>30/07/2023</a:t>
+              <a:pPr/>
+              <a:t>01/08/2023</a:t>
             </a:fld>
             <a:endParaRPr lang="en-GB"/>
           </a:p>
@@ -8241,6 +8274,7 @@
           <a:p>
             <a:fld id="{6BB0AA40-08CE-4E8E-A0C8-1C0C8C28C675}" type="slidenum">
               <a:rPr lang="en-GB" smtClean="0"/>
+              <a:pPr/>
               <a:t>‹#›</a:t>
             </a:fld>
             <a:endParaRPr lang="en-GB"/>
@@ -8250,7 +8284,7 @@
     </p:spTree>
     <p:extLst>
       <p:ext uri="{BB962C8B-B14F-4D97-AF65-F5344CB8AC3E}">
-        <p14:creationId xmlns:p14="http://schemas.microsoft.com/office/powerpoint/2010/main" val="2869133709"/>
+        <p14:creationId xmlns:p14="http://schemas.microsoft.com/office/powerpoint/2010/main" xmlns="" val="2869133709"/>
       </p:ext>
     </p:extLst>
   </p:cSld>
@@ -8317,7 +8351,8 @@
           <a:p>
             <a:fld id="{947E562B-8100-42AE-A7FF-EB4104661EE6}" type="datetimeFigureOut">
               <a:rPr lang="en-GB" smtClean="0"/>
-              <a:t>30/07/2023</a:t>
+              <a:pPr/>
+              <a:t>01/08/2023</a:t>
             </a:fld>
             <a:endParaRPr lang="en-GB"/>
           </a:p>
@@ -8359,6 +8394,7 @@
           <a:p>
             <a:fld id="{6BB0AA40-08CE-4E8E-A0C8-1C0C8C28C675}" type="slidenum">
               <a:rPr lang="en-GB" smtClean="0"/>
+              <a:pPr/>
               <a:t>‹#›</a:t>
             </a:fld>
             <a:endParaRPr lang="en-GB"/>
@@ -8368,7 +8404,7 @@
     </p:spTree>
     <p:extLst>
       <p:ext uri="{BB962C8B-B14F-4D97-AF65-F5344CB8AC3E}">
-        <p14:creationId xmlns:p14="http://schemas.microsoft.com/office/powerpoint/2010/main" val="931327292"/>
+        <p14:creationId xmlns:p14="http://schemas.microsoft.com/office/powerpoint/2010/main" xmlns="" val="931327292"/>
       </p:ext>
     </p:extLst>
   </p:cSld>
@@ -8412,7 +8448,8 @@
           <a:p>
             <a:fld id="{947E562B-8100-42AE-A7FF-EB4104661EE6}" type="datetimeFigureOut">
               <a:rPr lang="en-GB" smtClean="0"/>
-              <a:t>30/07/2023</a:t>
+              <a:pPr/>
+              <a:t>01/08/2023</a:t>
             </a:fld>
             <a:endParaRPr lang="en-GB"/>
           </a:p>
@@ -8454,6 +8491,7 @@
           <a:p>
             <a:fld id="{6BB0AA40-08CE-4E8E-A0C8-1C0C8C28C675}" type="slidenum">
               <a:rPr lang="en-GB" smtClean="0"/>
+              <a:pPr/>
               <a:t>‹#›</a:t>
             </a:fld>
             <a:endParaRPr lang="en-GB"/>
@@ -8463,7 +8501,7 @@
     </p:spTree>
     <p:extLst>
       <p:ext uri="{BB962C8B-B14F-4D97-AF65-F5344CB8AC3E}">
-        <p14:creationId xmlns:p14="http://schemas.microsoft.com/office/powerpoint/2010/main" val="2534337615"/>
+        <p14:creationId xmlns:p14="http://schemas.microsoft.com/office/powerpoint/2010/main" xmlns="" val="2534337615"/>
       </p:ext>
     </p:extLst>
   </p:cSld>
@@ -8661,7 +8699,8 @@
           <a:p>
             <a:fld id="{947E562B-8100-42AE-A7FF-EB4104661EE6}" type="datetimeFigureOut">
               <a:rPr lang="en-GB" smtClean="0"/>
-              <a:t>30/07/2023</a:t>
+              <a:pPr/>
+              <a:t>01/08/2023</a:t>
             </a:fld>
             <a:endParaRPr lang="en-GB"/>
           </a:p>
@@ -8703,6 +8742,7 @@
           <a:p>
             <a:fld id="{6BB0AA40-08CE-4E8E-A0C8-1C0C8C28C675}" type="slidenum">
               <a:rPr lang="en-GB" smtClean="0"/>
+              <a:pPr/>
               <a:t>‹#›</a:t>
             </a:fld>
             <a:endParaRPr lang="en-GB"/>
@@ -8712,7 +8752,7 @@
     </p:spTree>
     <p:extLst>
       <p:ext uri="{BB962C8B-B14F-4D97-AF65-F5344CB8AC3E}">
-        <p14:creationId xmlns:p14="http://schemas.microsoft.com/office/powerpoint/2010/main" val="641507038"/>
+        <p14:creationId xmlns:p14="http://schemas.microsoft.com/office/powerpoint/2010/main" xmlns="" val="641507038"/>
       </p:ext>
     </p:extLst>
   </p:cSld>
@@ -8941,7 +8981,8 @@
           <a:p>
             <a:fld id="{947E562B-8100-42AE-A7FF-EB4104661EE6}" type="datetimeFigureOut">
               <a:rPr lang="en-GB" smtClean="0"/>
-              <a:t>30/07/2023</a:t>
+              <a:pPr/>
+              <a:t>01/08/2023</a:t>
             </a:fld>
             <a:endParaRPr lang="en-GB"/>
           </a:p>
@@ -8983,6 +9024,7 @@
           <a:p>
             <a:fld id="{6BB0AA40-08CE-4E8E-A0C8-1C0C8C28C675}" type="slidenum">
               <a:rPr lang="en-GB" smtClean="0"/>
+              <a:pPr/>
               <a:t>‹#›</a:t>
             </a:fld>
             <a:endParaRPr lang="en-GB"/>
@@ -8992,7 +9034,7 @@
     </p:spTree>
     <p:extLst>
       <p:ext uri="{BB962C8B-B14F-4D97-AF65-F5344CB8AC3E}">
-        <p14:creationId xmlns:p14="http://schemas.microsoft.com/office/powerpoint/2010/main" val="4274589642"/>
+        <p14:creationId xmlns:p14="http://schemas.microsoft.com/office/powerpoint/2010/main" xmlns="" val="4274589642"/>
       </p:ext>
     </p:extLst>
   </p:cSld>
@@ -9037,7 +9079,7 @@
             <a:alphaModFix amt="30000"/>
             <a:extLst>
               <a:ext uri="{28A0092B-C50C-407E-A947-70E740481C1C}">
-                <a14:useLocalDpi xmlns:a14="http://schemas.microsoft.com/office/drawing/2010/main" val="0"/>
+                <a14:useLocalDpi xmlns:a14="http://schemas.microsoft.com/office/drawing/2010/main" xmlns="" val="0"/>
               </a:ext>
             </a:extLst>
           </a:blip>
@@ -9057,7 +9099,7 @@
           <a:noFill/>
           <a:extLst>
             <a:ext uri="{909E8E84-426E-40dd-AFC4-6F175D3DCCD1}">
-              <a14:hiddenFill xmlns="" xmlns:a14="http://schemas.microsoft.com/office/drawing/2010/main">
+              <a14:hiddenFill xmlns:a14="http://schemas.microsoft.com/office/drawing/2010/main" xmlns="">
                 <a:solidFill>
                   <a:srgbClr val="FFFFFF"/>
                 </a:solidFill>
@@ -9131,7 +9173,7 @@
               </a:ln>
               <a:extLst>
                 <a:ext uri="{91240B29-F687-4f45-9708-019B960494DF}">
-                  <a14:hiddenLine xmlns="" xmlns:a14="http://schemas.microsoft.com/office/drawing/2010/main" w="9525">
+                  <a14:hiddenLine xmlns:a14="http://schemas.microsoft.com/office/drawing/2010/main" xmlns="" w="9525">
                     <a:solidFill>
                       <a:srgbClr val="000000"/>
                     </a:solidFill>
@@ -9221,7 +9263,7 @@
               </a:ln>
               <a:extLst>
                 <a:ext uri="{91240B29-F687-4f45-9708-019B960494DF}">
-                  <a14:hiddenLine xmlns="" xmlns:a14="http://schemas.microsoft.com/office/drawing/2010/main" w="9525">
+                  <a14:hiddenLine xmlns:a14="http://schemas.microsoft.com/office/drawing/2010/main" xmlns="" w="9525">
                     <a:solidFill>
                       <a:srgbClr val="000000"/>
                     </a:solidFill>
@@ -9311,7 +9353,7 @@
               </a:ln>
               <a:extLst>
                 <a:ext uri="{91240B29-F687-4f45-9708-019B960494DF}">
-                  <a14:hiddenLine xmlns="" xmlns:a14="http://schemas.microsoft.com/office/drawing/2010/main" w="9525">
+                  <a14:hiddenLine xmlns:a14="http://schemas.microsoft.com/office/drawing/2010/main" xmlns="" w="9525">
                     <a:solidFill>
                       <a:srgbClr val="000000"/>
                     </a:solidFill>
@@ -9373,7 +9415,7 @@
               </a:ln>
               <a:extLst>
                 <a:ext uri="{91240B29-F687-4f45-9708-019B960494DF}">
-                  <a14:hiddenLine xmlns="" xmlns:a14="http://schemas.microsoft.com/office/drawing/2010/main" w="9525">
+                  <a14:hiddenLine xmlns:a14="http://schemas.microsoft.com/office/drawing/2010/main" xmlns="" w="9525">
                     <a:solidFill>
                       <a:srgbClr val="000000"/>
                     </a:solidFill>
@@ -9463,7 +9505,7 @@
               </a:ln>
               <a:extLst>
                 <a:ext uri="{91240B29-F687-4f45-9708-019B960494DF}">
-                  <a14:hiddenLine xmlns="" xmlns:a14="http://schemas.microsoft.com/office/drawing/2010/main" w="9525">
+                  <a14:hiddenLine xmlns:a14="http://schemas.microsoft.com/office/drawing/2010/main" xmlns="" w="9525">
                     <a:solidFill>
                       <a:srgbClr val="000000"/>
                     </a:solidFill>
@@ -9525,7 +9567,7 @@
               </a:ln>
               <a:extLst>
                 <a:ext uri="{91240B29-F687-4f45-9708-019B960494DF}">
-                  <a14:hiddenLine xmlns="" xmlns:a14="http://schemas.microsoft.com/office/drawing/2010/main" w="9525">
+                  <a14:hiddenLine xmlns:a14="http://schemas.microsoft.com/office/drawing/2010/main" xmlns="" w="9525">
                     <a:solidFill>
                       <a:srgbClr val="000000"/>
                     </a:solidFill>
@@ -9587,7 +9629,7 @@
               </a:ln>
               <a:extLst>
                 <a:ext uri="{91240B29-F687-4f45-9708-019B960494DF}">
-                  <a14:hiddenLine xmlns="" xmlns:a14="http://schemas.microsoft.com/office/drawing/2010/main" w="9525">
+                  <a14:hiddenLine xmlns:a14="http://schemas.microsoft.com/office/drawing/2010/main" xmlns="" w="9525">
                     <a:solidFill>
                       <a:srgbClr val="000000"/>
                     </a:solidFill>
@@ -9677,7 +9719,7 @@
               </a:ln>
               <a:extLst>
                 <a:ext uri="{91240B29-F687-4f45-9708-019B960494DF}">
-                  <a14:hiddenLine xmlns="" xmlns:a14="http://schemas.microsoft.com/office/drawing/2010/main" w="9525">
+                  <a14:hiddenLine xmlns:a14="http://schemas.microsoft.com/office/drawing/2010/main" xmlns="" w="9525">
                     <a:solidFill>
                       <a:srgbClr val="000000"/>
                     </a:solidFill>
@@ -9767,7 +9809,7 @@
               </a:ln>
               <a:extLst>
                 <a:ext uri="{91240B29-F687-4f45-9708-019B960494DF}">
-                  <a14:hiddenLine xmlns="" xmlns:a14="http://schemas.microsoft.com/office/drawing/2010/main" w="9525">
+                  <a14:hiddenLine xmlns:a14="http://schemas.microsoft.com/office/drawing/2010/main" xmlns="" w="9525">
                     <a:solidFill>
                       <a:srgbClr val="000000"/>
                     </a:solidFill>
@@ -9829,7 +9871,7 @@
               </a:ln>
               <a:extLst>
                 <a:ext uri="{91240B29-F687-4f45-9708-019B960494DF}">
-                  <a14:hiddenLine xmlns="" xmlns:a14="http://schemas.microsoft.com/office/drawing/2010/main" w="9525">
+                  <a14:hiddenLine xmlns:a14="http://schemas.microsoft.com/office/drawing/2010/main" xmlns="" w="9525">
                     <a:solidFill>
                       <a:srgbClr val="000000"/>
                     </a:solidFill>
@@ -9939,7 +9981,7 @@
               </a:ln>
               <a:extLst>
                 <a:ext uri="{91240B29-F687-4f45-9708-019B960494DF}">
-                  <a14:hiddenLine xmlns="" xmlns:a14="http://schemas.microsoft.com/office/drawing/2010/main" w="9525">
+                  <a14:hiddenLine xmlns:a14="http://schemas.microsoft.com/office/drawing/2010/main" xmlns="" w="9525">
                     <a:solidFill>
                       <a:srgbClr val="000000"/>
                     </a:solidFill>
@@ -10023,7 +10065,7 @@
               </a:ln>
               <a:extLst>
                 <a:ext uri="{91240B29-F687-4f45-9708-019B960494DF}">
-                  <a14:hiddenLine xmlns="" xmlns:a14="http://schemas.microsoft.com/office/drawing/2010/main" w="9525">
+                  <a14:hiddenLine xmlns:a14="http://schemas.microsoft.com/office/drawing/2010/main" xmlns="" w="9525">
                     <a:solidFill>
                       <a:srgbClr val="000000"/>
                     </a:solidFill>
@@ -10085,7 +10127,7 @@
               </a:ln>
               <a:extLst>
                 <a:ext uri="{91240B29-F687-4f45-9708-019B960494DF}">
-                  <a14:hiddenLine xmlns="" xmlns:a14="http://schemas.microsoft.com/office/drawing/2010/main" w="9525">
+                  <a14:hiddenLine xmlns:a14="http://schemas.microsoft.com/office/drawing/2010/main" xmlns="" w="9525">
                     <a:solidFill>
                       <a:srgbClr val="000000"/>
                     </a:solidFill>
@@ -10147,7 +10189,7 @@
               </a:ln>
               <a:extLst>
                 <a:ext uri="{91240B29-F687-4f45-9708-019B960494DF}">
-                  <a14:hiddenLine xmlns="" xmlns:a14="http://schemas.microsoft.com/office/drawing/2010/main" w="9525">
+                  <a14:hiddenLine xmlns:a14="http://schemas.microsoft.com/office/drawing/2010/main" xmlns="" w="9525">
                     <a:solidFill>
                       <a:srgbClr val="000000"/>
                     </a:solidFill>
@@ -10237,7 +10279,7 @@
               </a:ln>
               <a:extLst>
                 <a:ext uri="{91240B29-F687-4f45-9708-019B960494DF}">
-                  <a14:hiddenLine xmlns="" xmlns:a14="http://schemas.microsoft.com/office/drawing/2010/main" w="9525">
+                  <a14:hiddenLine xmlns:a14="http://schemas.microsoft.com/office/drawing/2010/main" xmlns="" w="9525">
                     <a:solidFill>
                       <a:srgbClr val="000000"/>
                     </a:solidFill>
@@ -10271,7 +10313,7 @@
               </a:ln>
               <a:extLst>
                 <a:ext uri="{91240B29-F687-4f45-9708-019B960494DF}">
-                  <a14:hiddenLine xmlns="" xmlns:a14="http://schemas.microsoft.com/office/drawing/2010/main" w="9525">
+                  <a14:hiddenLine xmlns:a14="http://schemas.microsoft.com/office/drawing/2010/main" xmlns="" w="9525">
                     <a:solidFill>
                       <a:srgbClr val="000000"/>
                     </a:solidFill>
@@ -10336,7 +10378,7 @@
               </a:ln>
               <a:extLst>
                 <a:ext uri="{91240B29-F687-4f45-9708-019B960494DF}">
-                  <a14:hiddenLine xmlns="" xmlns:a14="http://schemas.microsoft.com/office/drawing/2010/main" w="9525">
+                  <a14:hiddenLine xmlns:a14="http://schemas.microsoft.com/office/drawing/2010/main" xmlns="" w="9525">
                     <a:solidFill>
                       <a:srgbClr val="000000"/>
                     </a:solidFill>
@@ -10426,7 +10468,7 @@
               </a:ln>
               <a:extLst>
                 <a:ext uri="{91240B29-F687-4f45-9708-019B960494DF}">
-                  <a14:hiddenLine xmlns="" xmlns:a14="http://schemas.microsoft.com/office/drawing/2010/main" w="9525">
+                  <a14:hiddenLine xmlns:a14="http://schemas.microsoft.com/office/drawing/2010/main" xmlns="" w="9525">
                     <a:solidFill>
                       <a:srgbClr val="000000"/>
                     </a:solidFill>
@@ -10488,7 +10530,7 @@
               </a:ln>
               <a:extLst>
                 <a:ext uri="{91240B29-F687-4f45-9708-019B960494DF}">
-                  <a14:hiddenLine xmlns="" xmlns:a14="http://schemas.microsoft.com/office/drawing/2010/main" w="9525">
+                  <a14:hiddenLine xmlns:a14="http://schemas.microsoft.com/office/drawing/2010/main" xmlns="" w="9525">
                     <a:solidFill>
                       <a:srgbClr val="000000"/>
                     </a:solidFill>
@@ -10578,7 +10620,7 @@
               </a:ln>
               <a:extLst>
                 <a:ext uri="{91240B29-F687-4f45-9708-019B960494DF}">
-                  <a14:hiddenLine xmlns="" xmlns:a14="http://schemas.microsoft.com/office/drawing/2010/main" w="9525">
+                  <a14:hiddenLine xmlns:a14="http://schemas.microsoft.com/office/drawing/2010/main" xmlns="" w="9525">
                     <a:solidFill>
                       <a:srgbClr val="000000"/>
                     </a:solidFill>
@@ -10643,7 +10685,7 @@
               </a:ln>
               <a:extLst>
                 <a:ext uri="{91240B29-F687-4f45-9708-019B960494DF}">
-                  <a14:hiddenLine xmlns="" xmlns:a14="http://schemas.microsoft.com/office/drawing/2010/main" w="9525">
+                  <a14:hiddenLine xmlns:a14="http://schemas.microsoft.com/office/drawing/2010/main" xmlns="" w="9525">
                     <a:solidFill>
                       <a:srgbClr val="000000"/>
                     </a:solidFill>
@@ -10705,7 +10747,7 @@
               </a:ln>
               <a:extLst>
                 <a:ext uri="{91240B29-F687-4f45-9708-019B960494DF}">
-                  <a14:hiddenLine xmlns="" xmlns:a14="http://schemas.microsoft.com/office/drawing/2010/main" w="9525">
+                  <a14:hiddenLine xmlns:a14="http://schemas.microsoft.com/office/drawing/2010/main" xmlns="" w="9525">
                     <a:solidFill>
                       <a:srgbClr val="000000"/>
                     </a:solidFill>
@@ -10795,7 +10837,7 @@
               </a:ln>
               <a:extLst>
                 <a:ext uri="{91240B29-F687-4f45-9708-019B960494DF}">
-                  <a14:hiddenLine xmlns="" xmlns:a14="http://schemas.microsoft.com/office/drawing/2010/main" w="9525">
+                  <a14:hiddenLine xmlns:a14="http://schemas.microsoft.com/office/drawing/2010/main" xmlns="" w="9525">
                     <a:solidFill>
                       <a:srgbClr val="000000"/>
                     </a:solidFill>
@@ -10885,7 +10927,7 @@
               </a:ln>
               <a:extLst>
                 <a:ext uri="{91240B29-F687-4f45-9708-019B960494DF}">
-                  <a14:hiddenLine xmlns="" xmlns:a14="http://schemas.microsoft.com/office/drawing/2010/main" w="9525">
+                  <a14:hiddenLine xmlns:a14="http://schemas.microsoft.com/office/drawing/2010/main" xmlns="" w="9525">
                     <a:solidFill>
                       <a:srgbClr val="000000"/>
                     </a:solidFill>
@@ -10950,7 +10992,7 @@
               </a:ln>
               <a:extLst>
                 <a:ext uri="{91240B29-F687-4f45-9708-019B960494DF}">
-                  <a14:hiddenLine xmlns="" xmlns:a14="http://schemas.microsoft.com/office/drawing/2010/main" w="9525">
+                  <a14:hiddenLine xmlns:a14="http://schemas.microsoft.com/office/drawing/2010/main" xmlns="" w="9525">
                     <a:solidFill>
                       <a:srgbClr val="000000"/>
                     </a:solidFill>
@@ -11070,7 +11112,7 @@
               </a:ln>
               <a:extLst>
                 <a:ext uri="{91240B29-F687-4f45-9708-019B960494DF}">
-                  <a14:hiddenLine xmlns="" xmlns:a14="http://schemas.microsoft.com/office/drawing/2010/main" w="9525">
+                  <a14:hiddenLine xmlns:a14="http://schemas.microsoft.com/office/drawing/2010/main" xmlns="" w="9525">
                     <a:solidFill>
                       <a:srgbClr val="000000"/>
                     </a:solidFill>
@@ -11168,7 +11210,7 @@
               </a:ln>
               <a:extLst>
                 <a:ext uri="{91240B29-F687-4f45-9708-019B960494DF}">
-                  <a14:hiddenLine xmlns="" xmlns:a14="http://schemas.microsoft.com/office/drawing/2010/main" w="9525">
+                  <a14:hiddenLine xmlns:a14="http://schemas.microsoft.com/office/drawing/2010/main" xmlns="" w="9525">
                     <a:solidFill>
                       <a:srgbClr val="000000"/>
                     </a:solidFill>
@@ -11283,7 +11325,7 @@
               </a:ln>
               <a:extLst>
                 <a:ext uri="{91240B29-F687-4f45-9708-019B960494DF}">
-                  <a14:hiddenLine xmlns="" xmlns:a14="http://schemas.microsoft.com/office/drawing/2010/main" w="9525">
+                  <a14:hiddenLine xmlns:a14="http://schemas.microsoft.com/office/drawing/2010/main" xmlns="" w="9525">
                     <a:solidFill>
                       <a:srgbClr val="000000"/>
                     </a:solidFill>
@@ -11373,7 +11415,7 @@
               </a:ln>
               <a:extLst>
                 <a:ext uri="{91240B29-F687-4f45-9708-019B960494DF}">
-                  <a14:hiddenLine xmlns="" xmlns:a14="http://schemas.microsoft.com/office/drawing/2010/main" w="9525">
+                  <a14:hiddenLine xmlns:a14="http://schemas.microsoft.com/office/drawing/2010/main" xmlns="" w="9525">
                     <a:solidFill>
                       <a:srgbClr val="000000"/>
                     </a:solidFill>
@@ -11438,7 +11480,7 @@
               </a:ln>
               <a:extLst>
                 <a:ext uri="{91240B29-F687-4f45-9708-019B960494DF}">
-                  <a14:hiddenLine xmlns="" xmlns:a14="http://schemas.microsoft.com/office/drawing/2010/main" w="9525">
+                  <a14:hiddenLine xmlns:a14="http://schemas.microsoft.com/office/drawing/2010/main" xmlns="" w="9525">
                     <a:solidFill>
                       <a:srgbClr val="000000"/>
                     </a:solidFill>
@@ -11528,7 +11570,7 @@
               </a:ln>
               <a:extLst>
                 <a:ext uri="{91240B29-F687-4f45-9708-019B960494DF}">
-                  <a14:hiddenLine xmlns="" xmlns:a14="http://schemas.microsoft.com/office/drawing/2010/main" w="9525">
+                  <a14:hiddenLine xmlns:a14="http://schemas.microsoft.com/office/drawing/2010/main" xmlns="" w="9525">
                     <a:solidFill>
                       <a:srgbClr val="000000"/>
                     </a:solidFill>
@@ -11596,7 +11638,7 @@
               </a:ln>
               <a:extLst>
                 <a:ext uri="{91240B29-F687-4f45-9708-019B960494DF}">
-                  <a14:hiddenLine xmlns="" xmlns:a14="http://schemas.microsoft.com/office/drawing/2010/main" w="9525">
+                  <a14:hiddenLine xmlns:a14="http://schemas.microsoft.com/office/drawing/2010/main" xmlns="" w="9525">
                     <a:solidFill>
                       <a:srgbClr val="000000"/>
                     </a:solidFill>
@@ -11686,7 +11728,7 @@
               </a:ln>
               <a:extLst>
                 <a:ext uri="{91240B29-F687-4f45-9708-019B960494DF}">
-                  <a14:hiddenLine xmlns="" xmlns:a14="http://schemas.microsoft.com/office/drawing/2010/main" w="9525">
+                  <a14:hiddenLine xmlns:a14="http://schemas.microsoft.com/office/drawing/2010/main" xmlns="" w="9525">
                     <a:solidFill>
                       <a:srgbClr val="000000"/>
                     </a:solidFill>
@@ -11754,7 +11796,7 @@
               </a:ln>
               <a:extLst>
                 <a:ext uri="{91240B29-F687-4f45-9708-019B960494DF}">
-                  <a14:hiddenLine xmlns="" xmlns:a14="http://schemas.microsoft.com/office/drawing/2010/main" w="9525">
+                  <a14:hiddenLine xmlns:a14="http://schemas.microsoft.com/office/drawing/2010/main" xmlns="" w="9525">
                     <a:solidFill>
                       <a:srgbClr val="000000"/>
                     </a:solidFill>
@@ -11844,7 +11886,7 @@
               </a:ln>
               <a:extLst>
                 <a:ext uri="{91240B29-F687-4f45-9708-019B960494DF}">
-                  <a14:hiddenLine xmlns="" xmlns:a14="http://schemas.microsoft.com/office/drawing/2010/main" w="9525">
+                  <a14:hiddenLine xmlns:a14="http://schemas.microsoft.com/office/drawing/2010/main" xmlns="" w="9525">
                     <a:solidFill>
                       <a:srgbClr val="000000"/>
                     </a:solidFill>
@@ -11878,7 +11920,7 @@
               </a:ln>
               <a:extLst>
                 <a:ext uri="{91240B29-F687-4f45-9708-019B960494DF}">
-                  <a14:hiddenLine xmlns="" xmlns:a14="http://schemas.microsoft.com/office/drawing/2010/main" w="9525">
+                  <a14:hiddenLine xmlns:a14="http://schemas.microsoft.com/office/drawing/2010/main" xmlns="" w="9525">
                     <a:solidFill>
                       <a:srgbClr val="000000"/>
                     </a:solidFill>
@@ -12018,7 +12060,8 @@
           <a:p>
             <a:fld id="{947E562B-8100-42AE-A7FF-EB4104661EE6}" type="datetimeFigureOut">
               <a:rPr lang="en-GB" smtClean="0"/>
-              <a:t>30/07/2023</a:t>
+              <a:pPr/>
+              <a:t>01/08/2023</a:t>
             </a:fld>
             <a:endParaRPr lang="en-GB"/>
           </a:p>
@@ -12096,6 +12139,7 @@
           <a:p>
             <a:fld id="{6BB0AA40-08CE-4E8E-A0C8-1C0C8C28C675}" type="slidenum">
               <a:rPr lang="en-GB" smtClean="0"/>
+              <a:pPr/>
               <a:t>‹#›</a:t>
             </a:fld>
             <a:endParaRPr lang="en-GB"/>
@@ -12105,7 +12149,7 @@
     </p:spTree>
     <p:extLst>
       <p:ext uri="{BB962C8B-B14F-4D97-AF65-F5344CB8AC3E}">
-        <p14:creationId xmlns:p14="http://schemas.microsoft.com/office/powerpoint/2010/main" val="4013462772"/>
+        <p14:creationId xmlns:p14="http://schemas.microsoft.com/office/powerpoint/2010/main" xmlns="" val="4013462772"/>
       </p:ext>
     </p:extLst>
   </p:cSld>
@@ -12443,7 +12487,7 @@
           <p:cNvPr id="2" name="Title 1">
             <a:extLst>
               <a:ext uri="{FF2B5EF4-FFF2-40B4-BE49-F238E27FC236}">
-                <a16:creationId xmlns:a16="http://schemas.microsoft.com/office/drawing/2014/main" id="{753F0568-F211-4653-9E50-6928EDF36277}"/>
+                <a16:creationId xmlns:a16="http://schemas.microsoft.com/office/drawing/2014/main" xmlns="" id="{753F0568-F211-4653-9E50-6928EDF36277}"/>
               </a:ext>
             </a:extLst>
           </p:cNvPr>
@@ -12457,22 +12501,39 @@
         <p:spPr/>
         <p:txBody>
           <a:bodyPr>
-            <a:normAutofit/>
+            <a:normAutofit fontScale="90000"/>
           </a:bodyPr>
           <a:lstStyle/>
           <a:p>
             <a:pPr algn="ctr"/>
             <a:r>
-              <a:rPr lang="en-GB" sz="7200" b="1" dirty="0" err="1"/>
-              <a:t>desain</a:t>
+              <a:rPr lang="en-GB" sz="7200" b="1" dirty="0" err="1" smtClean="0"/>
+              <a:t>Kerangka</a:t>
+            </a:r>
+            <a:r>
+              <a:rPr lang="en-GB" sz="7200" b="1" dirty="0" smtClean="0"/>
+              <a:t> </a:t>
+            </a:r>
+            <a:r>
+              <a:rPr lang="en-GB" sz="7200" b="1" dirty="0" err="1" smtClean="0"/>
+              <a:t>WEbsite</a:t>
+            </a:r>
+            <a:r>
+              <a:rPr lang="en-GB" sz="7200" b="1" dirty="0"/>
+              <a:t/>
             </a:r>
             <a:br>
               <a:rPr lang="en-GB" sz="7200" b="1" dirty="0"/>
             </a:br>
             <a:r>
-              <a:rPr lang="en-GB" sz="7200" b="1" dirty="0"/>
-              <a:t>Website booking</a:t>
-            </a:r>
+              <a:rPr lang="en-GB" sz="7200" b="1" dirty="0" smtClean="0"/>
+              <a:t>booking </a:t>
+            </a:r>
+            <a:r>
+              <a:rPr lang="en-GB" sz="7200" b="1" dirty="0" err="1" smtClean="0"/>
+              <a:t>mengajar</a:t>
+            </a:r>
+            <a:endParaRPr lang="en-GB" sz="7200" b="1" dirty="0"/>
           </a:p>
         </p:txBody>
       </p:sp>
@@ -12481,7 +12542,7 @@
           <p:cNvPr id="3" name="Subtitle 2">
             <a:extLst>
               <a:ext uri="{FF2B5EF4-FFF2-40B4-BE49-F238E27FC236}">
-                <a16:creationId xmlns:a16="http://schemas.microsoft.com/office/drawing/2014/main" id="{AC344600-FDB5-4F37-9626-062C301EE121}"/>
+                <a16:creationId xmlns:a16="http://schemas.microsoft.com/office/drawing/2014/main" xmlns="" id="{AC344600-FDB5-4F37-9626-062C301EE121}"/>
               </a:ext>
             </a:extLst>
           </p:cNvPr>
@@ -12508,7 +12569,7 @@
     </p:spTree>
     <p:extLst>
       <p:ext uri="{BB962C8B-B14F-4D97-AF65-F5344CB8AC3E}">
-        <p14:creationId xmlns:p14="http://schemas.microsoft.com/office/powerpoint/2010/main" val="1412342499"/>
+        <p14:creationId xmlns:p14="http://schemas.microsoft.com/office/powerpoint/2010/main" xmlns="" val="1412342499"/>
       </p:ext>
     </p:extLst>
   </p:cSld>
@@ -12518,7 +12579,7 @@
 </p:sld>
 </file>
 
-<file path=ppt/slides/slide2.xml><?xml version="1.0" encoding="utf-8"?>
+<file path=ppt/slides/slide10.xml><?xml version="1.0" encoding="utf-8"?>
 <p:sld xmlns:a="http://schemas.openxmlformats.org/drawingml/2006/main" xmlns:r="http://schemas.openxmlformats.org/officeDocument/2006/relationships" xmlns:p="http://schemas.openxmlformats.org/presentationml/2006/main">
   <p:cSld>
     <p:spTree>
@@ -12540,7 +12601,7 @@
           <p:cNvPr id="2" name="Title 1">
             <a:extLst>
               <a:ext uri="{FF2B5EF4-FFF2-40B4-BE49-F238E27FC236}">
-                <a16:creationId xmlns:a16="http://schemas.microsoft.com/office/drawing/2014/main" id="{7E431CF9-F1C7-41CD-8C8A-66AD9279BD88}"/>
+                <a16:creationId xmlns:a16="http://schemas.microsoft.com/office/drawing/2014/main" xmlns="" id="{7E431CF9-F1C7-41CD-8C8A-66AD9279BD88}"/>
               </a:ext>
             </a:extLst>
           </p:cNvPr>
@@ -12557,28 +12618,20 @@
           <a:lstStyle/>
           <a:p>
             <a:r>
-              <a:rPr lang="en-GB" dirty="0"/>
-              <a:t>1. </a:t>
-            </a:r>
-            <a:r>
-              <a:rPr lang="en-GB" dirty="0" err="1"/>
-              <a:t>Tampilan</a:t>
-            </a:r>
-            <a:r>
-              <a:rPr lang="en-GB" dirty="0"/>
-              <a:t> </a:t>
-            </a:r>
-            <a:r>
-              <a:rPr lang="en-GB" dirty="0" err="1"/>
-              <a:t>halaman</a:t>
-            </a:r>
-            <a:r>
-              <a:rPr lang="en-GB" dirty="0"/>
-              <a:t> </a:t>
-            </a:r>
-            <a:r>
-              <a:rPr lang="en-GB" dirty="0" err="1"/>
-              <a:t>depan</a:t>
+              <a:rPr lang="en-GB" dirty="0" smtClean="0"/>
+              <a:t>D</a:t>
+            </a:r>
+            <a:r>
+              <a:rPr lang="en-GB" dirty="0" smtClean="0"/>
+              <a:t>. </a:t>
+            </a:r>
+            <a:r>
+              <a:rPr lang="en-GB" dirty="0" err="1" smtClean="0"/>
+              <a:t>Halaman</a:t>
+            </a:r>
+            <a:r>
+              <a:rPr lang="en-GB" dirty="0" smtClean="0"/>
+              <a:t> Booking</a:t>
             </a:r>
             <a:endParaRPr lang="en-GB" dirty="0"/>
           </a:p>
@@ -12589,7 +12642,7 @@
           <p:cNvPr id="4" name="Rectangle 3">
             <a:extLst>
               <a:ext uri="{FF2B5EF4-FFF2-40B4-BE49-F238E27FC236}">
-                <a16:creationId xmlns:a16="http://schemas.microsoft.com/office/drawing/2014/main" id="{1071252C-EDC3-46FF-9742-9622EDD0FD79}"/>
+                <a16:creationId xmlns:a16="http://schemas.microsoft.com/office/drawing/2014/main" xmlns="" id="{1071252C-EDC3-46FF-9742-9622EDD0FD79}"/>
               </a:ext>
             </a:extLst>
           </p:cNvPr>
@@ -12633,7 +12686,7 @@
           <p:cNvPr id="5" name="Rectangle 4">
             <a:extLst>
               <a:ext uri="{FF2B5EF4-FFF2-40B4-BE49-F238E27FC236}">
-                <a16:creationId xmlns:a16="http://schemas.microsoft.com/office/drawing/2014/main" id="{1D88BB67-A8B7-481B-B472-86A3D0711D35}"/>
+                <a16:creationId xmlns:a16="http://schemas.microsoft.com/office/drawing/2014/main" xmlns="" id="{1D88BB67-A8B7-481B-B472-86A3D0711D35}"/>
               </a:ext>
             </a:extLst>
           </p:cNvPr>
@@ -12672,48 +12725,1928 @@
           </a:p>
         </p:txBody>
       </p:sp>
-      <p:cxnSp>
-        <p:nvCxnSpPr>
-          <p:cNvPr id="7" name="Straight Connector 6">
+      <p:sp>
+        <p:nvSpPr>
+          <p:cNvPr id="8" name="TextBox 7">
             <a:extLst>
               <a:ext uri="{FF2B5EF4-FFF2-40B4-BE49-F238E27FC236}">
-                <a16:creationId xmlns:a16="http://schemas.microsoft.com/office/drawing/2014/main" id="{57BB3909-AE9E-479D-852C-89EEBFE07107}"/>
+                <a16:creationId xmlns:a16="http://schemas.microsoft.com/office/drawing/2014/main" xmlns="" id="{A3733895-E1DB-4CC1-BE59-AC1E6A08A60C}"/>
               </a:ext>
             </a:extLst>
           </p:cNvPr>
-          <p:cNvCxnSpPr/>
+          <p:cNvSpPr txBox="1"/>
           <p:nvPr/>
-        </p:nvCxnSpPr>
+        </p:nvSpPr>
         <p:spPr>
           <a:xfrm>
-            <a:off x="1322363" y="3094892"/>
-            <a:ext cx="9725048" cy="0"/>
+            <a:off x="5710603" y="5011219"/>
+            <a:ext cx="957518" cy="369332"/>
           </a:xfrm>
-          <a:prstGeom prst="line">
+          <a:prstGeom prst="rect">
+            <a:avLst/>
+          </a:prstGeom>
+          <a:noFill/>
+        </p:spPr>
+        <p:txBody>
+          <a:bodyPr wrap="square" rtlCol="0">
+            <a:spAutoFit/>
+          </a:bodyPr>
+          <a:lstStyle/>
+          <a:p>
+            <a:pPr algn="ctr"/>
+            <a:r>
+              <a:rPr lang="en-GB" dirty="0" smtClean="0"/>
+              <a:t>Login</a:t>
+            </a:r>
+            <a:endParaRPr lang="en-GB" dirty="0"/>
+          </a:p>
+        </p:txBody>
+      </p:sp>
+      <p:sp>
+        <p:nvSpPr>
+          <p:cNvPr id="25" name="TextBox 24">
+            <a:extLst>
+              <a:ext uri="{FF2B5EF4-FFF2-40B4-BE49-F238E27FC236}">
+                <a16:creationId xmlns:a16="http://schemas.microsoft.com/office/drawing/2014/main" xmlns="" id="{5034200D-D060-4C18-95E1-FA75245B9E6F}"/>
+              </a:ext>
+            </a:extLst>
+          </p:cNvPr>
+          <p:cNvSpPr txBox="1"/>
+          <p:nvPr/>
+        </p:nvSpPr>
+        <p:spPr>
+          <a:xfrm>
+            <a:off x="1730326" y="2625301"/>
+            <a:ext cx="963725" cy="369332"/>
+          </a:xfrm>
+          <a:prstGeom prst="rect">
+            <a:avLst/>
+          </a:prstGeom>
+          <a:noFill/>
+        </p:spPr>
+        <p:txBody>
+          <a:bodyPr wrap="none" rtlCol="0">
+            <a:spAutoFit/>
+          </a:bodyPr>
+          <a:lstStyle/>
+          <a:p>
+            <a:r>
+              <a:rPr lang="en-GB" b="1" dirty="0" smtClean="0">
+                <a:solidFill>
+                  <a:schemeClr val="bg1"/>
+                </a:solidFill>
+              </a:rPr>
+              <a:t>Booking</a:t>
+            </a:r>
+            <a:endParaRPr lang="en-GB" b="1" dirty="0">
+              <a:solidFill>
+                <a:schemeClr val="bg1"/>
+              </a:solidFill>
+            </a:endParaRPr>
+          </a:p>
+        </p:txBody>
+      </p:sp>
+      <p:graphicFrame>
+        <p:nvGraphicFramePr>
+          <p:cNvPr id="7" name="Table 6"/>
+          <p:cNvGraphicFramePr>
+            <a:graphicFrameLocks noGrp="1"/>
+          </p:cNvGraphicFramePr>
+          <p:nvPr/>
+        </p:nvGraphicFramePr>
+        <p:xfrm>
+          <a:off x="1898997" y="3296629"/>
+          <a:ext cx="8128000" cy="1112520"/>
+        </p:xfrm>
+        <a:graphic>
+          <a:graphicData uri="http://schemas.openxmlformats.org/drawingml/2006/table">
+            <a:tbl>
+              <a:tblPr firstRow="1" bandRow="1">
+                <a:tableStyleId>{073A0DAA-6AF3-43AB-8588-CEC1D06C72B9}</a:tableStyleId>
+              </a:tblPr>
+              <a:tblGrid>
+                <a:gridCol w="1243214"/>
+                <a:gridCol w="2007986"/>
+                <a:gridCol w="1625600"/>
+                <a:gridCol w="1625600"/>
+                <a:gridCol w="1625600"/>
+              </a:tblGrid>
+              <a:tr h="370840">
+                <a:tc>
+                  <a:txBody>
+                    <a:bodyPr/>
+                    <a:lstStyle/>
+                    <a:p>
+                      <a:r>
+                        <a:rPr lang="en-ID" dirty="0" smtClean="0"/>
+                        <a:t>Id booking</a:t>
+                      </a:r>
+                      <a:endParaRPr lang="en-US" dirty="0"/>
+                    </a:p>
+                  </a:txBody>
+                  <a:tcPr/>
+                </a:tc>
+                <a:tc>
+                  <a:txBody>
+                    <a:bodyPr/>
+                    <a:lstStyle/>
+                    <a:p>
+                      <a:r>
+                        <a:rPr lang="en-ID" dirty="0" err="1" smtClean="0"/>
+                        <a:t>Nama</a:t>
+                      </a:r>
+                      <a:r>
+                        <a:rPr lang="en-ID" dirty="0" smtClean="0"/>
+                        <a:t> </a:t>
+                      </a:r>
+                      <a:r>
+                        <a:rPr lang="en-ID" dirty="0" err="1" smtClean="0"/>
+                        <a:t>Pemesan</a:t>
+                      </a:r>
+                      <a:endParaRPr lang="en-US" dirty="0"/>
+                    </a:p>
+                  </a:txBody>
+                  <a:tcPr/>
+                </a:tc>
+                <a:tc>
+                  <a:txBody>
+                    <a:bodyPr/>
+                    <a:lstStyle/>
+                    <a:p>
+                      <a:r>
+                        <a:rPr lang="en-ID" dirty="0" err="1" smtClean="0"/>
+                        <a:t>Kelas</a:t>
+                      </a:r>
+                      <a:endParaRPr lang="en-US" dirty="0"/>
+                    </a:p>
+                  </a:txBody>
+                  <a:tcPr/>
+                </a:tc>
+                <a:tc>
+                  <a:txBody>
+                    <a:bodyPr/>
+                    <a:lstStyle/>
+                    <a:p>
+                      <a:r>
+                        <a:rPr lang="en-ID" dirty="0" err="1" smtClean="0"/>
+                        <a:t>Tanggal</a:t>
+                      </a:r>
+                      <a:endParaRPr lang="en-US" dirty="0"/>
+                    </a:p>
+                  </a:txBody>
+                  <a:tcPr/>
+                </a:tc>
+                <a:tc>
+                  <a:txBody>
+                    <a:bodyPr/>
+                    <a:lstStyle/>
+                    <a:p>
+                      <a:r>
+                        <a:rPr lang="en-ID" dirty="0" err="1" smtClean="0"/>
+                        <a:t>Aksi</a:t>
+                      </a:r>
+                      <a:endParaRPr lang="en-ID" dirty="0" smtClean="0"/>
+                    </a:p>
+                  </a:txBody>
+                  <a:tcPr/>
+                </a:tc>
+              </a:tr>
+              <a:tr h="370840">
+                <a:tc>
+                  <a:txBody>
+                    <a:bodyPr/>
+                    <a:lstStyle/>
+                    <a:p>
+                      <a:r>
+                        <a:rPr lang="en-ID" dirty="0" smtClean="0"/>
+                        <a:t>1</a:t>
+                      </a:r>
+                      <a:endParaRPr lang="en-US" dirty="0"/>
+                    </a:p>
+                  </a:txBody>
+                  <a:tcPr/>
+                </a:tc>
+                <a:tc>
+                  <a:txBody>
+                    <a:bodyPr/>
+                    <a:lstStyle/>
+                    <a:p>
+                      <a:r>
+                        <a:rPr lang="en-ID" dirty="0" err="1" smtClean="0"/>
+                        <a:t>Pemesan</a:t>
+                      </a:r>
+                      <a:r>
+                        <a:rPr lang="en-ID" baseline="0" dirty="0" smtClean="0"/>
+                        <a:t> A</a:t>
+                      </a:r>
+                      <a:endParaRPr lang="en-US" dirty="0"/>
+                    </a:p>
+                  </a:txBody>
+                  <a:tcPr/>
+                </a:tc>
+                <a:tc>
+                  <a:txBody>
+                    <a:bodyPr/>
+                    <a:lstStyle/>
+                    <a:p>
+                      <a:r>
+                        <a:rPr lang="en-ID" dirty="0" err="1" smtClean="0"/>
+                        <a:t>Kelas</a:t>
+                      </a:r>
+                      <a:r>
+                        <a:rPr lang="en-ID" dirty="0" smtClean="0"/>
+                        <a:t> A</a:t>
+                      </a:r>
+                      <a:endParaRPr lang="en-US" dirty="0"/>
+                    </a:p>
+                  </a:txBody>
+                  <a:tcPr/>
+                </a:tc>
+                <a:tc>
+                  <a:txBody>
+                    <a:bodyPr/>
+                    <a:lstStyle/>
+                    <a:p>
+                      <a:r>
+                        <a:rPr lang="en-ID" dirty="0" smtClean="0"/>
+                        <a:t>00:00</a:t>
+                      </a:r>
+                      <a:endParaRPr lang="en-US" dirty="0"/>
+                    </a:p>
+                  </a:txBody>
+                  <a:tcPr/>
+                </a:tc>
+                <a:tc>
+                  <a:txBody>
+                    <a:bodyPr/>
+                    <a:lstStyle/>
+                    <a:p>
+                      <a:r>
+                        <a:rPr lang="en-ID" dirty="0" smtClean="0"/>
+                        <a:t>Edit |</a:t>
+                      </a:r>
+                      <a:r>
+                        <a:rPr lang="en-ID" baseline="0" dirty="0" smtClean="0"/>
+                        <a:t> </a:t>
+                      </a:r>
+                      <a:r>
+                        <a:rPr lang="en-ID" baseline="0" dirty="0" err="1" smtClean="0"/>
+                        <a:t>Hapus</a:t>
+                      </a:r>
+                      <a:endParaRPr lang="en-ID" baseline="0" dirty="0" smtClean="0"/>
+                    </a:p>
+                  </a:txBody>
+                  <a:tcPr/>
+                </a:tc>
+              </a:tr>
+              <a:tr h="370840">
+                <a:tc>
+                  <a:txBody>
+                    <a:bodyPr/>
+                    <a:lstStyle/>
+                    <a:p>
+                      <a:r>
+                        <a:rPr lang="en-ID" dirty="0" smtClean="0"/>
+                        <a:t>2</a:t>
+                      </a:r>
+                      <a:endParaRPr lang="en-US" dirty="0"/>
+                    </a:p>
+                  </a:txBody>
+                  <a:tcPr/>
+                </a:tc>
+                <a:tc>
+                  <a:txBody>
+                    <a:bodyPr/>
+                    <a:lstStyle/>
+                    <a:p>
+                      <a:r>
+                        <a:rPr lang="en-ID" dirty="0" err="1" smtClean="0"/>
+                        <a:t>Pemesan</a:t>
+                      </a:r>
+                      <a:r>
+                        <a:rPr lang="en-ID" baseline="0" dirty="0" smtClean="0"/>
+                        <a:t> B</a:t>
+                      </a:r>
+                      <a:endParaRPr lang="en-US" dirty="0"/>
+                    </a:p>
+                  </a:txBody>
+                  <a:tcPr/>
+                </a:tc>
+                <a:tc>
+                  <a:txBody>
+                    <a:bodyPr/>
+                    <a:lstStyle/>
+                    <a:p>
+                      <a:r>
+                        <a:rPr lang="en-ID" dirty="0" err="1" smtClean="0"/>
+                        <a:t>Kelas</a:t>
+                      </a:r>
+                      <a:r>
+                        <a:rPr lang="en-ID" dirty="0" smtClean="0"/>
+                        <a:t> A</a:t>
+                      </a:r>
+                      <a:endParaRPr lang="en-US" dirty="0"/>
+                    </a:p>
+                  </a:txBody>
+                  <a:tcPr/>
+                </a:tc>
+                <a:tc>
+                  <a:txBody>
+                    <a:bodyPr/>
+                    <a:lstStyle/>
+                    <a:p>
+                      <a:r>
+                        <a:rPr lang="en-ID" dirty="0" smtClean="0"/>
+                        <a:t>00:00</a:t>
+                      </a:r>
+                      <a:endParaRPr lang="en-US" dirty="0"/>
+                    </a:p>
+                  </a:txBody>
+                  <a:tcPr/>
+                </a:tc>
+                <a:tc>
+                  <a:txBody>
+                    <a:bodyPr/>
+                    <a:lstStyle/>
+                    <a:p>
+                      <a:r>
+                        <a:rPr lang="en-ID" dirty="0" smtClean="0"/>
+                        <a:t>Edit |</a:t>
+                      </a:r>
+                      <a:r>
+                        <a:rPr lang="en-ID" baseline="0" dirty="0" smtClean="0"/>
+                        <a:t> </a:t>
+                      </a:r>
+                      <a:r>
+                        <a:rPr lang="en-ID" baseline="0" dirty="0" err="1" smtClean="0"/>
+                        <a:t>Hapus</a:t>
+                      </a:r>
+                      <a:endParaRPr lang="en-ID" dirty="0" smtClean="0"/>
+                    </a:p>
+                  </a:txBody>
+                  <a:tcPr/>
+                </a:tc>
+              </a:tr>
+            </a:tbl>
+          </a:graphicData>
+        </a:graphic>
+      </p:graphicFrame>
+    </p:spTree>
+    <p:extLst>
+      <p:ext uri="{BB962C8B-B14F-4D97-AF65-F5344CB8AC3E}">
+        <p14:creationId xmlns:p14="http://schemas.microsoft.com/office/powerpoint/2010/main" xmlns="" val="3804495290"/>
+      </p:ext>
+    </p:extLst>
+  </p:cSld>
+  <p:clrMapOvr>
+    <a:masterClrMapping/>
+  </p:clrMapOvr>
+</p:sld>
+</file>
+
+<file path=ppt/slides/slide11.xml><?xml version="1.0" encoding="utf-8"?>
+<p:sld xmlns:a="http://schemas.openxmlformats.org/drawingml/2006/main" xmlns:r="http://schemas.openxmlformats.org/officeDocument/2006/relationships" xmlns:p="http://schemas.openxmlformats.org/presentationml/2006/main">
+  <p:cSld>
+    <p:spTree>
+      <p:nvGrpSpPr>
+        <p:cNvPr id="1" name=""/>
+        <p:cNvGrpSpPr/>
+        <p:nvPr/>
+      </p:nvGrpSpPr>
+      <p:grpSpPr>
+        <a:xfrm>
+          <a:off x="0" y="0"/>
+          <a:ext cx="0" cy="0"/>
+          <a:chOff x="0" y="0"/>
+          <a:chExt cx="0" cy="0"/>
+        </a:xfrm>
+      </p:grpSpPr>
+      <p:sp>
+        <p:nvSpPr>
+          <p:cNvPr id="2" name="Title 1">
+            <a:extLst>
+              <a:ext uri="{FF2B5EF4-FFF2-40B4-BE49-F238E27FC236}">
+                <a16:creationId xmlns:a16="http://schemas.microsoft.com/office/drawing/2014/main" xmlns="" id="{7E431CF9-F1C7-41CD-8C8A-66AD9279BD88}"/>
+              </a:ext>
+            </a:extLst>
+          </p:cNvPr>
+          <p:cNvSpPr>
+            <a:spLocks noGrp="1"/>
+          </p:cNvSpPr>
+          <p:nvPr>
+            <p:ph type="title"/>
+          </p:nvPr>
+        </p:nvSpPr>
+        <p:spPr/>
+        <p:txBody>
+          <a:bodyPr/>
+          <a:lstStyle/>
+          <a:p>
+            <a:r>
+              <a:rPr lang="en-GB" dirty="0" smtClean="0"/>
+              <a:t>E</a:t>
+            </a:r>
+            <a:r>
+              <a:rPr lang="en-GB" dirty="0" smtClean="0"/>
+              <a:t>. </a:t>
+            </a:r>
+            <a:r>
+              <a:rPr lang="en-GB" dirty="0" err="1" smtClean="0"/>
+              <a:t>Halaman</a:t>
+            </a:r>
+            <a:r>
+              <a:rPr lang="en-GB" dirty="0" smtClean="0"/>
+              <a:t> </a:t>
+            </a:r>
+            <a:r>
+              <a:rPr lang="en-GB" dirty="0" err="1" smtClean="0"/>
+              <a:t>Laporan</a:t>
+            </a:r>
+            <a:endParaRPr lang="en-GB" dirty="0"/>
+          </a:p>
+        </p:txBody>
+      </p:sp>
+      <p:sp>
+        <p:nvSpPr>
+          <p:cNvPr id="4" name="Rectangle 3">
+            <a:extLst>
+              <a:ext uri="{FF2B5EF4-FFF2-40B4-BE49-F238E27FC236}">
+                <a16:creationId xmlns:a16="http://schemas.microsoft.com/office/drawing/2014/main" xmlns="" id="{1071252C-EDC3-46FF-9742-9622EDD0FD79}"/>
+              </a:ext>
+            </a:extLst>
+          </p:cNvPr>
+          <p:cNvSpPr/>
+          <p:nvPr/>
+        </p:nvSpPr>
+        <p:spPr>
+          <a:xfrm>
+            <a:off x="762757" y="1885071"/>
+            <a:ext cx="10663310" cy="4543864"/>
+          </a:xfrm>
+          <a:prstGeom prst="rect">
             <a:avLst/>
           </a:prstGeom>
         </p:spPr>
         <p:style>
-          <a:lnRef idx="1">
+          <a:lnRef idx="2">
+            <a:schemeClr val="accent6"/>
+          </a:lnRef>
+          <a:fillRef idx="1">
+            <a:schemeClr val="lt1"/>
+          </a:fillRef>
+          <a:effectRef idx="0">
+            <a:schemeClr val="accent6"/>
+          </a:effectRef>
+          <a:fontRef idx="minor">
+            <a:schemeClr val="dk1"/>
+          </a:fontRef>
+        </p:style>
+        <p:txBody>
+          <a:bodyPr rtlCol="0" anchor="ctr"/>
+          <a:lstStyle/>
+          <a:p>
+            <a:pPr algn="ctr"/>
+            <a:endParaRPr lang="en-GB"/>
+          </a:p>
+        </p:txBody>
+      </p:sp>
+      <p:sp>
+        <p:nvSpPr>
+          <p:cNvPr id="5" name="Rectangle 4">
+            <a:extLst>
+              <a:ext uri="{FF2B5EF4-FFF2-40B4-BE49-F238E27FC236}">
+                <a16:creationId xmlns:a16="http://schemas.microsoft.com/office/drawing/2014/main" xmlns="" id="{1D88BB67-A8B7-481B-B472-86A3D0711D35}"/>
+              </a:ext>
+            </a:extLst>
+          </p:cNvPr>
+          <p:cNvSpPr/>
+          <p:nvPr/>
+        </p:nvSpPr>
+        <p:spPr>
+          <a:xfrm>
+            <a:off x="1547446" y="2461846"/>
+            <a:ext cx="9270609" cy="3615397"/>
+          </a:xfrm>
+          <a:prstGeom prst="rect">
+            <a:avLst/>
+          </a:prstGeom>
+        </p:spPr>
+        <p:style>
+          <a:lnRef idx="2">
             <a:schemeClr val="dk1"/>
           </a:lnRef>
-          <a:fillRef idx="0">
-            <a:schemeClr val="dk1"/>
+          <a:fillRef idx="1">
+            <a:schemeClr val="lt1"/>
           </a:fillRef>
           <a:effectRef idx="0">
             <a:schemeClr val="dk1"/>
           </a:effectRef>
           <a:fontRef idx="minor">
-            <a:schemeClr val="tx1"/>
+            <a:schemeClr val="dk1"/>
           </a:fontRef>
         </p:style>
-      </p:cxnSp>
+        <p:txBody>
+          <a:bodyPr rtlCol="0" anchor="ctr"/>
+          <a:lstStyle/>
+          <a:p>
+            <a:pPr algn="ctr"/>
+            <a:endParaRPr lang="en-GB" dirty="0"/>
+          </a:p>
+        </p:txBody>
+      </p:sp>
+      <p:sp>
+        <p:nvSpPr>
+          <p:cNvPr id="8" name="TextBox 7">
+            <a:extLst>
+              <a:ext uri="{FF2B5EF4-FFF2-40B4-BE49-F238E27FC236}">
+                <a16:creationId xmlns:a16="http://schemas.microsoft.com/office/drawing/2014/main" xmlns="" id="{A3733895-E1DB-4CC1-BE59-AC1E6A08A60C}"/>
+              </a:ext>
+            </a:extLst>
+          </p:cNvPr>
+          <p:cNvSpPr txBox="1"/>
+          <p:nvPr/>
+        </p:nvSpPr>
+        <p:spPr>
+          <a:xfrm>
+            <a:off x="5710603" y="5011219"/>
+            <a:ext cx="957518" cy="369332"/>
+          </a:xfrm>
+          <a:prstGeom prst="rect">
+            <a:avLst/>
+          </a:prstGeom>
+          <a:noFill/>
+        </p:spPr>
+        <p:txBody>
+          <a:bodyPr wrap="square" rtlCol="0">
+            <a:spAutoFit/>
+          </a:bodyPr>
+          <a:lstStyle/>
+          <a:p>
+            <a:pPr algn="ctr"/>
+            <a:r>
+              <a:rPr lang="en-GB" dirty="0" smtClean="0"/>
+              <a:t>Login</a:t>
+            </a:r>
+            <a:endParaRPr lang="en-GB" dirty="0"/>
+          </a:p>
+        </p:txBody>
+      </p:sp>
+      <p:sp>
+        <p:nvSpPr>
+          <p:cNvPr id="25" name="TextBox 24">
+            <a:extLst>
+              <a:ext uri="{FF2B5EF4-FFF2-40B4-BE49-F238E27FC236}">
+                <a16:creationId xmlns:a16="http://schemas.microsoft.com/office/drawing/2014/main" xmlns="" id="{5034200D-D060-4C18-95E1-FA75245B9E6F}"/>
+              </a:ext>
+            </a:extLst>
+          </p:cNvPr>
+          <p:cNvSpPr txBox="1"/>
+          <p:nvPr/>
+        </p:nvSpPr>
+        <p:spPr>
+          <a:xfrm>
+            <a:off x="1730326" y="2625301"/>
+            <a:ext cx="889987" cy="369332"/>
+          </a:xfrm>
+          <a:prstGeom prst="rect">
+            <a:avLst/>
+          </a:prstGeom>
+          <a:noFill/>
+        </p:spPr>
+        <p:txBody>
+          <a:bodyPr wrap="none" rtlCol="0">
+            <a:spAutoFit/>
+          </a:bodyPr>
+          <a:lstStyle/>
+          <a:p>
+            <a:r>
+              <a:rPr lang="en-GB" b="1" dirty="0" err="1" smtClean="0">
+                <a:solidFill>
+                  <a:schemeClr val="bg1"/>
+                </a:solidFill>
+              </a:rPr>
+              <a:t>Jadwal</a:t>
+            </a:r>
+            <a:endParaRPr lang="en-GB" b="1" dirty="0">
+              <a:solidFill>
+                <a:schemeClr val="bg1"/>
+              </a:solidFill>
+            </a:endParaRPr>
+          </a:p>
+        </p:txBody>
+      </p:sp>
       <p:grpSp>
         <p:nvGrpSpPr>
-          <p:cNvPr id="10" name="Group 9">
+          <p:cNvPr id="7" name="Group 6"/>
+          <p:cNvGrpSpPr/>
+          <p:nvPr/>
+        </p:nvGrpSpPr>
+        <p:grpSpPr>
+          <a:xfrm>
+            <a:off x="4288178" y="3031227"/>
+            <a:ext cx="4124302" cy="2787683"/>
+            <a:chOff x="2093619" y="3347110"/>
+            <a:chExt cx="3050795" cy="2123353"/>
+          </a:xfrm>
+        </p:grpSpPr>
+        <p:pic>
+          <p:nvPicPr>
+            <p:cNvPr id="9" name="Picture 8">
+              <a:extLst>
+                <a:ext uri="{FF2B5EF4-FFF2-40B4-BE49-F238E27FC236}">
+                  <a16:creationId xmlns:a16="http://schemas.microsoft.com/office/drawing/2014/main" xmlns="" id="{B776AC26-7752-4565-9E0E-6DFEE5D0F1B7}"/>
+                </a:ext>
+              </a:extLst>
+            </p:cNvPr>
+            <p:cNvPicPr>
+              <a:picLocks noChangeAspect="1"/>
+            </p:cNvPicPr>
+            <p:nvPr/>
+          </p:nvPicPr>
+          <p:blipFill>
+            <a:blip r:embed="rId2" cstate="print"/>
+            <a:stretch>
+              <a:fillRect/>
+            </a:stretch>
+          </p:blipFill>
+          <p:spPr>
+            <a:xfrm>
+              <a:off x="2093619" y="3347110"/>
+              <a:ext cx="3050795" cy="2123353"/>
+            </a:xfrm>
+            <a:prstGeom prst="rect">
+              <a:avLst/>
+            </a:prstGeom>
+          </p:spPr>
+        </p:pic>
+        <p:sp>
+          <p:nvSpPr>
+            <p:cNvPr id="10" name="Rectangle 9"/>
+            <p:cNvSpPr/>
+            <p:nvPr/>
+          </p:nvSpPr>
+          <p:spPr>
+            <a:xfrm>
+              <a:off x="3044142" y="4606727"/>
+              <a:ext cx="1632030" cy="127321"/>
+            </a:xfrm>
+            <a:prstGeom prst="rect">
+              <a:avLst/>
+            </a:prstGeom>
+          </p:spPr>
+          <p:style>
+            <a:lnRef idx="2">
+              <a:schemeClr val="accent1">
+                <a:shade val="50000"/>
+              </a:schemeClr>
+            </a:lnRef>
+            <a:fillRef idx="1">
+              <a:schemeClr val="accent1"/>
+            </a:fillRef>
+            <a:effectRef idx="0">
+              <a:schemeClr val="accent1"/>
+            </a:effectRef>
+            <a:fontRef idx="minor">
+              <a:schemeClr val="lt1"/>
+            </a:fontRef>
+          </p:style>
+          <p:txBody>
+            <a:bodyPr rtlCol="0" anchor="ctr"/>
+            <a:lstStyle/>
+            <a:p>
+              <a:pPr algn="ctr"/>
+              <a:endParaRPr lang="en-US"/>
+            </a:p>
+          </p:txBody>
+        </p:sp>
+        <p:sp>
+          <p:nvSpPr>
+            <p:cNvPr id="11" name="Rectangle 10"/>
+            <p:cNvSpPr/>
+            <p:nvPr/>
+          </p:nvSpPr>
+          <p:spPr>
+            <a:xfrm>
+              <a:off x="2617792" y="4955896"/>
+              <a:ext cx="1632030" cy="127321"/>
+            </a:xfrm>
+            <a:prstGeom prst="rect">
+              <a:avLst/>
+            </a:prstGeom>
+          </p:spPr>
+          <p:style>
+            <a:lnRef idx="2">
+              <a:schemeClr val="accent1">
+                <a:shade val="50000"/>
+              </a:schemeClr>
+            </a:lnRef>
+            <a:fillRef idx="1">
+              <a:schemeClr val="accent1"/>
+            </a:fillRef>
+            <a:effectRef idx="0">
+              <a:schemeClr val="accent1"/>
+            </a:effectRef>
+            <a:fontRef idx="minor">
+              <a:schemeClr val="lt1"/>
+            </a:fontRef>
+          </p:style>
+          <p:txBody>
+            <a:bodyPr rtlCol="0" anchor="ctr"/>
+            <a:lstStyle/>
+            <a:p>
+              <a:pPr algn="ctr"/>
+              <a:endParaRPr lang="en-US"/>
+            </a:p>
+          </p:txBody>
+        </p:sp>
+        <p:sp>
+          <p:nvSpPr>
+            <p:cNvPr id="12" name="Rectangle 11"/>
+            <p:cNvSpPr/>
+            <p:nvPr/>
+          </p:nvSpPr>
+          <p:spPr>
+            <a:xfrm>
+              <a:off x="2548360" y="4312920"/>
+              <a:ext cx="2503700" cy="110541"/>
+            </a:xfrm>
+            <a:prstGeom prst="rect">
+              <a:avLst/>
+            </a:prstGeom>
+          </p:spPr>
+          <p:style>
+            <a:lnRef idx="2">
+              <a:schemeClr val="accent1">
+                <a:shade val="50000"/>
+              </a:schemeClr>
+            </a:lnRef>
+            <a:fillRef idx="1">
+              <a:schemeClr val="accent1"/>
+            </a:fillRef>
+            <a:effectRef idx="0">
+              <a:schemeClr val="accent1"/>
+            </a:effectRef>
+            <a:fontRef idx="minor">
+              <a:schemeClr val="lt1"/>
+            </a:fontRef>
+          </p:style>
+          <p:txBody>
+            <a:bodyPr rtlCol="0" anchor="ctr"/>
+            <a:lstStyle/>
+            <a:p>
+              <a:pPr algn="ctr"/>
+              <a:endParaRPr lang="en-US"/>
+            </a:p>
+          </p:txBody>
+        </p:sp>
+        <p:sp>
+          <p:nvSpPr>
+            <p:cNvPr id="13" name="Rectangle 12"/>
+            <p:cNvSpPr/>
+            <p:nvPr/>
+          </p:nvSpPr>
+          <p:spPr>
+            <a:xfrm>
+              <a:off x="3021652" y="5283556"/>
+              <a:ext cx="1632030" cy="127321"/>
+            </a:xfrm>
+            <a:prstGeom prst="rect">
+              <a:avLst/>
+            </a:prstGeom>
+          </p:spPr>
+          <p:style>
+            <a:lnRef idx="2">
+              <a:schemeClr val="accent1">
+                <a:shade val="50000"/>
+              </a:schemeClr>
+            </a:lnRef>
+            <a:fillRef idx="1">
+              <a:schemeClr val="accent1"/>
+            </a:fillRef>
+            <a:effectRef idx="0">
+              <a:schemeClr val="accent1"/>
+            </a:effectRef>
+            <a:fontRef idx="minor">
+              <a:schemeClr val="lt1"/>
+            </a:fontRef>
+          </p:style>
+          <p:txBody>
+            <a:bodyPr rtlCol="0" anchor="ctr"/>
+            <a:lstStyle/>
+            <a:p>
+              <a:pPr algn="ctr"/>
+              <a:endParaRPr lang="en-US"/>
+            </a:p>
+          </p:txBody>
+        </p:sp>
+      </p:grpSp>
+    </p:spTree>
+    <p:extLst>
+      <p:ext uri="{BB962C8B-B14F-4D97-AF65-F5344CB8AC3E}">
+        <p14:creationId xmlns:p14="http://schemas.microsoft.com/office/powerpoint/2010/main" xmlns="" val="3804495290"/>
+      </p:ext>
+    </p:extLst>
+  </p:cSld>
+  <p:clrMapOvr>
+    <a:masterClrMapping/>
+  </p:clrMapOvr>
+</p:sld>
+</file>
+
+<file path=ppt/slides/slide2.xml><?xml version="1.0" encoding="utf-8"?>
+<p:sld xmlns:a="http://schemas.openxmlformats.org/drawingml/2006/main" xmlns:r="http://schemas.openxmlformats.org/officeDocument/2006/relationships" xmlns:p="http://schemas.openxmlformats.org/presentationml/2006/main">
+  <p:cSld>
+    <p:spTree>
+      <p:nvGrpSpPr>
+        <p:cNvPr id="1" name=""/>
+        <p:cNvGrpSpPr/>
+        <p:nvPr/>
+      </p:nvGrpSpPr>
+      <p:grpSpPr>
+        <a:xfrm>
+          <a:off x="0" y="0"/>
+          <a:ext cx="0" cy="0"/>
+          <a:chOff x="0" y="0"/>
+          <a:chExt cx="0" cy="0"/>
+        </a:xfrm>
+      </p:grpSpPr>
+      <p:sp>
+        <p:nvSpPr>
+          <p:cNvPr id="4" name="Title 3"/>
+          <p:cNvSpPr>
+            <a:spLocks noGrp="1"/>
+          </p:cNvSpPr>
+          <p:nvPr>
+            <p:ph type="title"/>
+          </p:nvPr>
+        </p:nvSpPr>
+        <p:spPr>
+          <a:xfrm>
+            <a:off x="1141413" y="2689715"/>
+            <a:ext cx="9905998" cy="1478570"/>
+          </a:xfrm>
+        </p:spPr>
+        <p:txBody>
+          <a:bodyPr>
+            <a:noAutofit/>
+          </a:bodyPr>
+          <a:lstStyle/>
+          <a:p>
+            <a:pPr algn="ctr"/>
+            <a:r>
+              <a:rPr lang="en-ID" sz="6000" b="1" dirty="0" err="1" smtClean="0"/>
+              <a:t>Halaman</a:t>
+            </a:r>
+            <a:r>
+              <a:rPr lang="en-ID" sz="6000" b="1" dirty="0" smtClean="0"/>
+              <a:t> </a:t>
+            </a:r>
+            <a:r>
+              <a:rPr lang="en-ID" sz="6000" b="1" dirty="0" err="1" smtClean="0"/>
+              <a:t>Pelanggan</a:t>
+            </a:r>
+            <a:endParaRPr lang="en-US" sz="6000" b="1" dirty="0"/>
+          </a:p>
+        </p:txBody>
+      </p:sp>
+    </p:spTree>
+  </p:cSld>
+  <p:clrMapOvr>
+    <a:masterClrMapping/>
+  </p:clrMapOvr>
+</p:sld>
+</file>
+
+<file path=ppt/slides/slide3.xml><?xml version="1.0" encoding="utf-8"?>
+<p:sld xmlns:a="http://schemas.openxmlformats.org/drawingml/2006/main" xmlns:r="http://schemas.openxmlformats.org/officeDocument/2006/relationships" xmlns:p="http://schemas.openxmlformats.org/presentationml/2006/main">
+  <p:cSld>
+    <p:spTree>
+      <p:nvGrpSpPr>
+        <p:cNvPr id="1" name=""/>
+        <p:cNvGrpSpPr/>
+        <p:nvPr/>
+      </p:nvGrpSpPr>
+      <p:grpSpPr>
+        <a:xfrm>
+          <a:off x="0" y="0"/>
+          <a:ext cx="0" cy="0"/>
+          <a:chOff x="0" y="0"/>
+          <a:chExt cx="0" cy="0"/>
+        </a:xfrm>
+      </p:grpSpPr>
+      <p:sp>
+        <p:nvSpPr>
+          <p:cNvPr id="2" name="Title 1">
             <a:extLst>
               <a:ext uri="{FF2B5EF4-FFF2-40B4-BE49-F238E27FC236}">
-                <a16:creationId xmlns:a16="http://schemas.microsoft.com/office/drawing/2014/main" id="{D648E696-95CD-4A5D-A69F-2A2ACFCB8A96}"/>
+                <a16:creationId xmlns:a16="http://schemas.microsoft.com/office/drawing/2014/main" xmlns="" id="{7E431CF9-F1C7-41CD-8C8A-66AD9279BD88}"/>
+              </a:ext>
+            </a:extLst>
+          </p:cNvPr>
+          <p:cNvSpPr>
+            <a:spLocks noGrp="1"/>
+          </p:cNvSpPr>
+          <p:nvPr>
+            <p:ph type="title"/>
+          </p:nvPr>
+        </p:nvSpPr>
+        <p:spPr/>
+        <p:txBody>
+          <a:bodyPr/>
+          <a:lstStyle/>
+          <a:p>
+            <a:r>
+              <a:rPr lang="en-GB" dirty="0"/>
+              <a:t>A</a:t>
+            </a:r>
+            <a:r>
+              <a:rPr lang="en-GB" dirty="0" smtClean="0"/>
+              <a:t>. </a:t>
+            </a:r>
+            <a:r>
+              <a:rPr lang="en-GB" dirty="0" err="1" smtClean="0"/>
+              <a:t>halaman</a:t>
+            </a:r>
+            <a:r>
+              <a:rPr lang="en-GB" dirty="0" smtClean="0"/>
+              <a:t> </a:t>
+            </a:r>
+            <a:r>
+              <a:rPr lang="en-GB" dirty="0" err="1"/>
+              <a:t>depan</a:t>
+            </a:r>
+            <a:endParaRPr lang="en-GB" dirty="0"/>
+          </a:p>
+        </p:txBody>
+      </p:sp>
+      <p:sp>
+        <p:nvSpPr>
+          <p:cNvPr id="4" name="Rectangle 3">
+            <a:extLst>
+              <a:ext uri="{FF2B5EF4-FFF2-40B4-BE49-F238E27FC236}">
+                <a16:creationId xmlns:a16="http://schemas.microsoft.com/office/drawing/2014/main" xmlns="" id="{1071252C-EDC3-46FF-9742-9622EDD0FD79}"/>
+              </a:ext>
+            </a:extLst>
+          </p:cNvPr>
+          <p:cNvSpPr/>
+          <p:nvPr/>
+        </p:nvSpPr>
+        <p:spPr>
+          <a:xfrm>
+            <a:off x="762757" y="1885071"/>
+            <a:ext cx="10663310" cy="4543864"/>
+          </a:xfrm>
+          <a:prstGeom prst="rect">
+            <a:avLst/>
+          </a:prstGeom>
+        </p:spPr>
+        <p:style>
+          <a:lnRef idx="2">
+            <a:schemeClr val="accent6"/>
+          </a:lnRef>
+          <a:fillRef idx="1">
+            <a:schemeClr val="lt1"/>
+          </a:fillRef>
+          <a:effectRef idx="0">
+            <a:schemeClr val="accent6"/>
+          </a:effectRef>
+          <a:fontRef idx="minor">
+            <a:schemeClr val="dk1"/>
+          </a:fontRef>
+        </p:style>
+        <p:txBody>
+          <a:bodyPr rtlCol="0" anchor="ctr"/>
+          <a:lstStyle/>
+          <a:p>
+            <a:pPr algn="ctr"/>
+            <a:endParaRPr lang="en-GB"/>
+          </a:p>
+        </p:txBody>
+      </p:sp>
+      <p:sp>
+        <p:nvSpPr>
+          <p:cNvPr id="5" name="Rectangle 4">
+            <a:extLst>
+              <a:ext uri="{FF2B5EF4-FFF2-40B4-BE49-F238E27FC236}">
+                <a16:creationId xmlns:a16="http://schemas.microsoft.com/office/drawing/2014/main" xmlns="" id="{1D88BB67-A8B7-481B-B472-86A3D0711D35}"/>
+              </a:ext>
+            </a:extLst>
+          </p:cNvPr>
+          <p:cNvSpPr/>
+          <p:nvPr/>
+        </p:nvSpPr>
+        <p:spPr>
+          <a:xfrm>
+            <a:off x="1547446" y="2461846"/>
+            <a:ext cx="9270609" cy="3615397"/>
+          </a:xfrm>
+          <a:prstGeom prst="rect">
+            <a:avLst/>
+          </a:prstGeom>
+        </p:spPr>
+        <p:style>
+          <a:lnRef idx="2">
+            <a:schemeClr val="dk1"/>
+          </a:lnRef>
+          <a:fillRef idx="1">
+            <a:schemeClr val="lt1"/>
+          </a:fillRef>
+          <a:effectRef idx="0">
+            <a:schemeClr val="dk1"/>
+          </a:effectRef>
+          <a:fontRef idx="minor">
+            <a:schemeClr val="dk1"/>
+          </a:fontRef>
+        </p:style>
+        <p:txBody>
+          <a:bodyPr rtlCol="0" anchor="ctr"/>
+          <a:lstStyle/>
+          <a:p>
+            <a:pPr algn="ctr"/>
+            <a:endParaRPr lang="en-GB" dirty="0"/>
+          </a:p>
+        </p:txBody>
+      </p:sp>
+      <p:sp>
+        <p:nvSpPr>
+          <p:cNvPr id="11" name="TextBox 10">
+            <a:extLst>
+              <a:ext uri="{FF2B5EF4-FFF2-40B4-BE49-F238E27FC236}">
+                <a16:creationId xmlns:a16="http://schemas.microsoft.com/office/drawing/2014/main" xmlns="" id="{5034200D-D060-4C18-95E1-FA75245B9E6F}"/>
+              </a:ext>
+            </a:extLst>
+          </p:cNvPr>
+          <p:cNvSpPr txBox="1"/>
+          <p:nvPr/>
+        </p:nvSpPr>
+        <p:spPr>
+          <a:xfrm>
+            <a:off x="1730326" y="2625301"/>
+            <a:ext cx="1197957" cy="369332"/>
+          </a:xfrm>
+          <a:prstGeom prst="rect">
+            <a:avLst/>
+          </a:prstGeom>
+          <a:noFill/>
+        </p:spPr>
+        <p:txBody>
+          <a:bodyPr wrap="none" rtlCol="0">
+            <a:spAutoFit/>
+          </a:bodyPr>
+          <a:lstStyle/>
+          <a:p>
+            <a:r>
+              <a:rPr lang="en-GB" b="1" dirty="0" err="1" smtClean="0">
+                <a:solidFill>
+                  <a:schemeClr val="bg1"/>
+                </a:solidFill>
+              </a:rPr>
+              <a:t>Pilih</a:t>
+            </a:r>
+            <a:r>
+              <a:rPr lang="en-GB" b="1" dirty="0" smtClean="0">
+                <a:solidFill>
+                  <a:schemeClr val="bg1"/>
+                </a:solidFill>
+              </a:rPr>
+              <a:t> </a:t>
+            </a:r>
+            <a:r>
+              <a:rPr lang="en-GB" b="1" dirty="0" err="1" smtClean="0">
+                <a:solidFill>
+                  <a:schemeClr val="bg1"/>
+                </a:solidFill>
+              </a:rPr>
+              <a:t>Kelas</a:t>
+            </a:r>
+            <a:endParaRPr lang="en-GB" b="1" dirty="0">
+              <a:solidFill>
+                <a:schemeClr val="bg1"/>
+              </a:solidFill>
+            </a:endParaRPr>
+          </a:p>
+        </p:txBody>
+      </p:sp>
+      <p:grpSp>
+        <p:nvGrpSpPr>
+          <p:cNvPr id="36" name="Group 35"/>
+          <p:cNvGrpSpPr/>
+          <p:nvPr/>
+        </p:nvGrpSpPr>
+        <p:grpSpPr>
+          <a:xfrm>
+            <a:off x="2320664" y="3416461"/>
+            <a:ext cx="7724173" cy="2476982"/>
+            <a:chOff x="2013995" y="3416461"/>
+            <a:chExt cx="7724173" cy="2476982"/>
+          </a:xfrm>
+        </p:grpSpPr>
+        <p:grpSp>
+          <p:nvGrpSpPr>
+            <p:cNvPr id="23" name="Group 22"/>
+            <p:cNvGrpSpPr/>
+            <p:nvPr/>
+          </p:nvGrpSpPr>
+          <p:grpSpPr>
+            <a:xfrm>
+              <a:off x="2013995" y="3416461"/>
+              <a:ext cx="1909823" cy="2476982"/>
+              <a:chOff x="2013995" y="3414532"/>
+              <a:chExt cx="1909823" cy="2476982"/>
+            </a:xfrm>
+          </p:grpSpPr>
+          <p:grpSp>
+            <p:nvGrpSpPr>
+              <p:cNvPr id="14" name="Group 13"/>
+              <p:cNvGrpSpPr/>
+              <p:nvPr/>
+            </p:nvGrpSpPr>
+            <p:grpSpPr>
+              <a:xfrm>
+                <a:off x="2013995" y="3414532"/>
+                <a:ext cx="1909823" cy="2476982"/>
+                <a:chOff x="2013995" y="3414532"/>
+                <a:chExt cx="1909823" cy="2476982"/>
+              </a:xfrm>
+            </p:grpSpPr>
+            <p:sp>
+              <p:nvSpPr>
+                <p:cNvPr id="12" name="Rectangle 11"/>
+                <p:cNvSpPr/>
+                <p:nvPr/>
+              </p:nvSpPr>
+              <p:spPr>
+                <a:xfrm>
+                  <a:off x="2013995" y="3414532"/>
+                  <a:ext cx="1909823" cy="2025569"/>
+                </a:xfrm>
+                <a:prstGeom prst="rect">
+                  <a:avLst/>
+                </a:prstGeom>
+              </p:spPr>
+              <p:style>
+                <a:lnRef idx="2">
+                  <a:schemeClr val="accent6"/>
+                </a:lnRef>
+                <a:fillRef idx="1">
+                  <a:schemeClr val="lt1"/>
+                </a:fillRef>
+                <a:effectRef idx="0">
+                  <a:schemeClr val="accent6"/>
+                </a:effectRef>
+                <a:fontRef idx="minor">
+                  <a:schemeClr val="dk1"/>
+                </a:fontRef>
+              </p:style>
+              <p:txBody>
+                <a:bodyPr rtlCol="0" anchor="ctr"/>
+                <a:lstStyle/>
+                <a:p>
+                  <a:pPr algn="ctr"/>
+                  <a:endParaRPr lang="en-US"/>
+                </a:p>
+              </p:txBody>
+            </p:sp>
+            <p:sp>
+              <p:nvSpPr>
+                <p:cNvPr id="13" name="Rounded Rectangle 12"/>
+                <p:cNvSpPr/>
+                <p:nvPr/>
+              </p:nvSpPr>
+              <p:spPr>
+                <a:xfrm>
+                  <a:off x="2193402" y="5602147"/>
+                  <a:ext cx="1551008" cy="289367"/>
+                </a:xfrm>
+                <a:prstGeom prst="roundRect">
+                  <a:avLst/>
+                </a:prstGeom>
+              </p:spPr>
+              <p:style>
+                <a:lnRef idx="2">
+                  <a:schemeClr val="accent1">
+                    <a:shade val="50000"/>
+                  </a:schemeClr>
+                </a:lnRef>
+                <a:fillRef idx="1">
+                  <a:schemeClr val="accent1"/>
+                </a:fillRef>
+                <a:effectRef idx="0">
+                  <a:schemeClr val="accent1"/>
+                </a:effectRef>
+                <a:fontRef idx="minor">
+                  <a:schemeClr val="lt1"/>
+                </a:fontRef>
+              </p:style>
+              <p:txBody>
+                <a:bodyPr rtlCol="0" anchor="ctr"/>
+                <a:lstStyle/>
+                <a:p>
+                  <a:pPr algn="ctr"/>
+                  <a:r>
+                    <a:rPr lang="en-ID" dirty="0" smtClean="0"/>
+                    <a:t>Booking</a:t>
+                  </a:r>
+                  <a:endParaRPr lang="en-US" dirty="0"/>
+                </a:p>
+              </p:txBody>
+            </p:sp>
+          </p:grpSp>
+          <p:sp>
+            <p:nvSpPr>
+              <p:cNvPr id="22" name="TextBox 21"/>
+              <p:cNvSpPr txBox="1"/>
+              <p:nvPr/>
+            </p:nvSpPr>
+            <p:spPr>
+              <a:xfrm>
+                <a:off x="2071868" y="3449256"/>
+                <a:ext cx="1678329" cy="369332"/>
+              </a:xfrm>
+              <a:prstGeom prst="rect">
+                <a:avLst/>
+              </a:prstGeom>
+              <a:noFill/>
+            </p:spPr>
+            <p:txBody>
+              <a:bodyPr wrap="square" rtlCol="0">
+                <a:spAutoFit/>
+              </a:bodyPr>
+              <a:lstStyle/>
+              <a:p>
+                <a:r>
+                  <a:rPr lang="en-ID" dirty="0" err="1" smtClean="0">
+                    <a:solidFill>
+                      <a:schemeClr val="bg1"/>
+                    </a:solidFill>
+                  </a:rPr>
+                  <a:t>Kelas</a:t>
+                </a:r>
+                <a:r>
+                  <a:rPr lang="en-ID" dirty="0" smtClean="0">
+                    <a:solidFill>
+                      <a:schemeClr val="bg1"/>
+                    </a:solidFill>
+                  </a:rPr>
+                  <a:t> A</a:t>
+                </a:r>
+                <a:endParaRPr lang="en-US" dirty="0">
+                  <a:solidFill>
+                    <a:schemeClr val="bg1"/>
+                  </a:solidFill>
+                </a:endParaRPr>
+              </a:p>
+            </p:txBody>
+          </p:sp>
+          <p:pic>
+            <p:nvPicPr>
+              <p:cNvPr id="3074" name="Picture 2" descr="Website icons for free download | Freepik"/>
+              <p:cNvPicPr>
+                <a:picLocks noChangeAspect="1" noChangeArrowheads="1"/>
+              </p:cNvPicPr>
+              <p:nvPr/>
+            </p:nvPicPr>
+            <p:blipFill>
+              <a:blip r:embed="rId2" cstate="print"/>
+              <a:srcRect/>
+              <a:stretch>
+                <a:fillRect/>
+              </a:stretch>
+            </p:blipFill>
+            <p:spPr bwMode="auto">
+              <a:xfrm>
+                <a:off x="2384234" y="3992965"/>
+                <a:ext cx="1169344" cy="1169344"/>
+              </a:xfrm>
+              <a:prstGeom prst="rect">
+                <a:avLst/>
+              </a:prstGeom>
+              <a:noFill/>
+            </p:spPr>
+          </p:pic>
+        </p:grpSp>
+        <p:grpSp>
+          <p:nvGrpSpPr>
+            <p:cNvPr id="24" name="Group 23"/>
+            <p:cNvGrpSpPr/>
+            <p:nvPr/>
+          </p:nvGrpSpPr>
+          <p:grpSpPr>
+            <a:xfrm>
+              <a:off x="4921170" y="3416461"/>
+              <a:ext cx="1909823" cy="2476982"/>
+              <a:chOff x="2013995" y="3414532"/>
+              <a:chExt cx="1909823" cy="2476982"/>
+            </a:xfrm>
+          </p:grpSpPr>
+          <p:grpSp>
+            <p:nvGrpSpPr>
+              <p:cNvPr id="25" name="Group 24"/>
+              <p:cNvGrpSpPr/>
+              <p:nvPr/>
+            </p:nvGrpSpPr>
+            <p:grpSpPr>
+              <a:xfrm>
+                <a:off x="2013995" y="3414532"/>
+                <a:ext cx="1909823" cy="2476982"/>
+                <a:chOff x="2013995" y="3414532"/>
+                <a:chExt cx="1909823" cy="2476982"/>
+              </a:xfrm>
+            </p:grpSpPr>
+            <p:sp>
+              <p:nvSpPr>
+                <p:cNvPr id="28" name="Rectangle 27"/>
+                <p:cNvSpPr/>
+                <p:nvPr/>
+              </p:nvSpPr>
+              <p:spPr>
+                <a:xfrm>
+                  <a:off x="2013995" y="3414532"/>
+                  <a:ext cx="1909823" cy="2025569"/>
+                </a:xfrm>
+                <a:prstGeom prst="rect">
+                  <a:avLst/>
+                </a:prstGeom>
+              </p:spPr>
+              <p:style>
+                <a:lnRef idx="2">
+                  <a:schemeClr val="accent6"/>
+                </a:lnRef>
+                <a:fillRef idx="1">
+                  <a:schemeClr val="lt1"/>
+                </a:fillRef>
+                <a:effectRef idx="0">
+                  <a:schemeClr val="accent6"/>
+                </a:effectRef>
+                <a:fontRef idx="minor">
+                  <a:schemeClr val="dk1"/>
+                </a:fontRef>
+              </p:style>
+              <p:txBody>
+                <a:bodyPr rtlCol="0" anchor="ctr"/>
+                <a:lstStyle/>
+                <a:p>
+                  <a:pPr algn="ctr"/>
+                  <a:endParaRPr lang="en-US"/>
+                </a:p>
+              </p:txBody>
+            </p:sp>
+            <p:sp>
+              <p:nvSpPr>
+                <p:cNvPr id="29" name="Rounded Rectangle 28"/>
+                <p:cNvSpPr/>
+                <p:nvPr/>
+              </p:nvSpPr>
+              <p:spPr>
+                <a:xfrm>
+                  <a:off x="2193402" y="5602147"/>
+                  <a:ext cx="1551008" cy="289367"/>
+                </a:xfrm>
+                <a:prstGeom prst="roundRect">
+                  <a:avLst/>
+                </a:prstGeom>
+              </p:spPr>
+              <p:style>
+                <a:lnRef idx="2">
+                  <a:schemeClr val="accent1">
+                    <a:shade val="50000"/>
+                  </a:schemeClr>
+                </a:lnRef>
+                <a:fillRef idx="1">
+                  <a:schemeClr val="accent1"/>
+                </a:fillRef>
+                <a:effectRef idx="0">
+                  <a:schemeClr val="accent1"/>
+                </a:effectRef>
+                <a:fontRef idx="minor">
+                  <a:schemeClr val="lt1"/>
+                </a:fontRef>
+              </p:style>
+              <p:txBody>
+                <a:bodyPr rtlCol="0" anchor="ctr"/>
+                <a:lstStyle/>
+                <a:p>
+                  <a:pPr algn="ctr"/>
+                  <a:r>
+                    <a:rPr lang="en-ID" dirty="0" smtClean="0"/>
+                    <a:t>Booking</a:t>
+                  </a:r>
+                  <a:endParaRPr lang="en-US" dirty="0"/>
+                </a:p>
+              </p:txBody>
+            </p:sp>
+          </p:grpSp>
+          <p:sp>
+            <p:nvSpPr>
+              <p:cNvPr id="26" name="TextBox 25"/>
+              <p:cNvSpPr txBox="1"/>
+              <p:nvPr/>
+            </p:nvSpPr>
+            <p:spPr>
+              <a:xfrm>
+                <a:off x="2071868" y="3449256"/>
+                <a:ext cx="1678329" cy="369332"/>
+              </a:xfrm>
+              <a:prstGeom prst="rect">
+                <a:avLst/>
+              </a:prstGeom>
+              <a:noFill/>
+            </p:spPr>
+            <p:txBody>
+              <a:bodyPr wrap="square" rtlCol="0">
+                <a:spAutoFit/>
+              </a:bodyPr>
+              <a:lstStyle/>
+              <a:p>
+                <a:r>
+                  <a:rPr lang="en-ID" dirty="0" err="1" smtClean="0">
+                    <a:solidFill>
+                      <a:schemeClr val="bg1"/>
+                    </a:solidFill>
+                  </a:rPr>
+                  <a:t>Kelas</a:t>
+                </a:r>
+                <a:r>
+                  <a:rPr lang="en-ID" dirty="0" smtClean="0">
+                    <a:solidFill>
+                      <a:schemeClr val="bg1"/>
+                    </a:solidFill>
+                  </a:rPr>
+                  <a:t> B</a:t>
+                </a:r>
+                <a:endParaRPr lang="en-US" dirty="0">
+                  <a:solidFill>
+                    <a:schemeClr val="bg1"/>
+                  </a:solidFill>
+                </a:endParaRPr>
+              </a:p>
+            </p:txBody>
+          </p:sp>
+          <p:pic>
+            <p:nvPicPr>
+              <p:cNvPr id="27" name="Picture 2" descr="Website icons for free download | Freepik"/>
+              <p:cNvPicPr>
+                <a:picLocks noChangeAspect="1" noChangeArrowheads="1"/>
+              </p:cNvPicPr>
+              <p:nvPr/>
+            </p:nvPicPr>
+            <p:blipFill>
+              <a:blip r:embed="rId2" cstate="print"/>
+              <a:srcRect/>
+              <a:stretch>
+                <a:fillRect/>
+              </a:stretch>
+            </p:blipFill>
+            <p:spPr bwMode="auto">
+              <a:xfrm>
+                <a:off x="2384234" y="3992965"/>
+                <a:ext cx="1169344" cy="1169344"/>
+              </a:xfrm>
+              <a:prstGeom prst="rect">
+                <a:avLst/>
+              </a:prstGeom>
+              <a:noFill/>
+            </p:spPr>
+          </p:pic>
+        </p:grpSp>
+        <p:grpSp>
+          <p:nvGrpSpPr>
+            <p:cNvPr id="30" name="Group 29"/>
+            <p:cNvGrpSpPr/>
+            <p:nvPr/>
+          </p:nvGrpSpPr>
+          <p:grpSpPr>
+            <a:xfrm>
+              <a:off x="7828345" y="3416461"/>
+              <a:ext cx="1909823" cy="2476982"/>
+              <a:chOff x="2013995" y="3414532"/>
+              <a:chExt cx="1909823" cy="2476982"/>
+            </a:xfrm>
+          </p:grpSpPr>
+          <p:grpSp>
+            <p:nvGrpSpPr>
+              <p:cNvPr id="31" name="Group 30"/>
+              <p:cNvGrpSpPr/>
+              <p:nvPr/>
+            </p:nvGrpSpPr>
+            <p:grpSpPr>
+              <a:xfrm>
+                <a:off x="2013995" y="3414532"/>
+                <a:ext cx="1909823" cy="2476982"/>
+                <a:chOff x="2013995" y="3414532"/>
+                <a:chExt cx="1909823" cy="2476982"/>
+              </a:xfrm>
+            </p:grpSpPr>
+            <p:sp>
+              <p:nvSpPr>
+                <p:cNvPr id="34" name="Rectangle 33"/>
+                <p:cNvSpPr/>
+                <p:nvPr/>
+              </p:nvSpPr>
+              <p:spPr>
+                <a:xfrm>
+                  <a:off x="2013995" y="3414532"/>
+                  <a:ext cx="1909823" cy="2025569"/>
+                </a:xfrm>
+                <a:prstGeom prst="rect">
+                  <a:avLst/>
+                </a:prstGeom>
+              </p:spPr>
+              <p:style>
+                <a:lnRef idx="2">
+                  <a:schemeClr val="accent6"/>
+                </a:lnRef>
+                <a:fillRef idx="1">
+                  <a:schemeClr val="lt1"/>
+                </a:fillRef>
+                <a:effectRef idx="0">
+                  <a:schemeClr val="accent6"/>
+                </a:effectRef>
+                <a:fontRef idx="minor">
+                  <a:schemeClr val="dk1"/>
+                </a:fontRef>
+              </p:style>
+              <p:txBody>
+                <a:bodyPr rtlCol="0" anchor="ctr"/>
+                <a:lstStyle/>
+                <a:p>
+                  <a:pPr algn="ctr"/>
+                  <a:endParaRPr lang="en-US"/>
+                </a:p>
+              </p:txBody>
+            </p:sp>
+            <p:sp>
+              <p:nvSpPr>
+                <p:cNvPr id="35" name="Rounded Rectangle 34"/>
+                <p:cNvSpPr/>
+                <p:nvPr/>
+              </p:nvSpPr>
+              <p:spPr>
+                <a:xfrm>
+                  <a:off x="2193402" y="5602147"/>
+                  <a:ext cx="1551008" cy="289367"/>
+                </a:xfrm>
+                <a:prstGeom prst="roundRect">
+                  <a:avLst/>
+                </a:prstGeom>
+              </p:spPr>
+              <p:style>
+                <a:lnRef idx="2">
+                  <a:schemeClr val="accent1">
+                    <a:shade val="50000"/>
+                  </a:schemeClr>
+                </a:lnRef>
+                <a:fillRef idx="1">
+                  <a:schemeClr val="accent1"/>
+                </a:fillRef>
+                <a:effectRef idx="0">
+                  <a:schemeClr val="accent1"/>
+                </a:effectRef>
+                <a:fontRef idx="minor">
+                  <a:schemeClr val="lt1"/>
+                </a:fontRef>
+              </p:style>
+              <p:txBody>
+                <a:bodyPr rtlCol="0" anchor="ctr"/>
+                <a:lstStyle/>
+                <a:p>
+                  <a:pPr algn="ctr"/>
+                  <a:r>
+                    <a:rPr lang="en-ID" dirty="0" smtClean="0"/>
+                    <a:t>Booking</a:t>
+                  </a:r>
+                  <a:endParaRPr lang="en-US" dirty="0"/>
+                </a:p>
+              </p:txBody>
+            </p:sp>
+          </p:grpSp>
+          <p:sp>
+            <p:nvSpPr>
+              <p:cNvPr id="32" name="TextBox 31"/>
+              <p:cNvSpPr txBox="1"/>
+              <p:nvPr/>
+            </p:nvSpPr>
+            <p:spPr>
+              <a:xfrm>
+                <a:off x="2071868" y="3449256"/>
+                <a:ext cx="1678329" cy="369332"/>
+              </a:xfrm>
+              <a:prstGeom prst="rect">
+                <a:avLst/>
+              </a:prstGeom>
+              <a:noFill/>
+            </p:spPr>
+            <p:txBody>
+              <a:bodyPr wrap="square" rtlCol="0">
+                <a:spAutoFit/>
+              </a:bodyPr>
+              <a:lstStyle/>
+              <a:p>
+                <a:r>
+                  <a:rPr lang="en-ID" dirty="0" err="1" smtClean="0">
+                    <a:solidFill>
+                      <a:schemeClr val="bg1"/>
+                    </a:solidFill>
+                  </a:rPr>
+                  <a:t>Kelas</a:t>
+                </a:r>
+                <a:r>
+                  <a:rPr lang="en-ID" dirty="0" smtClean="0">
+                    <a:solidFill>
+                      <a:schemeClr val="bg1"/>
+                    </a:solidFill>
+                  </a:rPr>
+                  <a:t> C</a:t>
+                </a:r>
+                <a:endParaRPr lang="en-US" dirty="0">
+                  <a:solidFill>
+                    <a:schemeClr val="bg1"/>
+                  </a:solidFill>
+                </a:endParaRPr>
+              </a:p>
+            </p:txBody>
+          </p:sp>
+          <p:pic>
+            <p:nvPicPr>
+              <p:cNvPr id="33" name="Picture 2" descr="Website icons for free download | Freepik"/>
+              <p:cNvPicPr>
+                <a:picLocks noChangeAspect="1" noChangeArrowheads="1"/>
+              </p:cNvPicPr>
+              <p:nvPr/>
+            </p:nvPicPr>
+            <p:blipFill>
+              <a:blip r:embed="rId2" cstate="print"/>
+              <a:srcRect/>
+              <a:stretch>
+                <a:fillRect/>
+              </a:stretch>
+            </p:blipFill>
+            <p:spPr bwMode="auto">
+              <a:xfrm>
+                <a:off x="2384234" y="3992965"/>
+                <a:ext cx="1169344" cy="1169344"/>
+              </a:xfrm>
+              <a:prstGeom prst="rect">
+                <a:avLst/>
+              </a:prstGeom>
+              <a:noFill/>
+            </p:spPr>
+          </p:pic>
+        </p:grpSp>
+      </p:grpSp>
+    </p:spTree>
+    <p:extLst>
+      <p:ext uri="{BB962C8B-B14F-4D97-AF65-F5344CB8AC3E}">
+        <p14:creationId xmlns:p14="http://schemas.microsoft.com/office/powerpoint/2010/main" xmlns="" val="3804495290"/>
+      </p:ext>
+    </p:extLst>
+  </p:cSld>
+  <p:clrMapOvr>
+    <a:masterClrMapping/>
+  </p:clrMapOvr>
+</p:sld>
+</file>
+
+<file path=ppt/slides/slide4.xml><?xml version="1.0" encoding="utf-8"?>
+<p:sld xmlns:a="http://schemas.openxmlformats.org/drawingml/2006/main" xmlns:r="http://schemas.openxmlformats.org/officeDocument/2006/relationships" xmlns:p="http://schemas.openxmlformats.org/presentationml/2006/main">
+  <p:cSld>
+    <p:spTree>
+      <p:nvGrpSpPr>
+        <p:cNvPr id="1" name=""/>
+        <p:cNvGrpSpPr/>
+        <p:nvPr/>
+      </p:nvGrpSpPr>
+      <p:grpSpPr>
+        <a:xfrm>
+          <a:off x="0" y="0"/>
+          <a:ext cx="0" cy="0"/>
+          <a:chOff x="0" y="0"/>
+          <a:chExt cx="0" cy="0"/>
+        </a:xfrm>
+      </p:grpSpPr>
+      <p:sp>
+        <p:nvSpPr>
+          <p:cNvPr id="2" name="Title 1">
+            <a:extLst>
+              <a:ext uri="{FF2B5EF4-FFF2-40B4-BE49-F238E27FC236}">
+                <a16:creationId xmlns:a16="http://schemas.microsoft.com/office/drawing/2014/main" xmlns="" id="{7E431CF9-F1C7-41CD-8C8A-66AD9279BD88}"/>
+              </a:ext>
+            </a:extLst>
+          </p:cNvPr>
+          <p:cNvSpPr>
+            <a:spLocks noGrp="1"/>
+          </p:cNvSpPr>
+          <p:nvPr>
+            <p:ph type="title"/>
+          </p:nvPr>
+        </p:nvSpPr>
+        <p:spPr/>
+        <p:txBody>
+          <a:bodyPr/>
+          <a:lstStyle/>
+          <a:p>
+            <a:r>
+              <a:rPr lang="en-GB" dirty="0" smtClean="0"/>
+              <a:t>B</a:t>
+            </a:r>
+            <a:r>
+              <a:rPr lang="en-GB" dirty="0" smtClean="0"/>
+              <a:t>. </a:t>
+            </a:r>
+            <a:r>
+              <a:rPr lang="en-GB" dirty="0" err="1" smtClean="0"/>
+              <a:t>halaman</a:t>
+            </a:r>
+            <a:r>
+              <a:rPr lang="en-GB" dirty="0" smtClean="0"/>
+              <a:t> </a:t>
+            </a:r>
+            <a:r>
+              <a:rPr lang="en-GB" dirty="0" err="1" smtClean="0"/>
+              <a:t>Tanggal</a:t>
+            </a:r>
+            <a:r>
+              <a:rPr lang="en-GB" dirty="0" smtClean="0"/>
+              <a:t> </a:t>
+            </a:r>
+            <a:r>
+              <a:rPr lang="en-GB" dirty="0" err="1" smtClean="0"/>
+              <a:t>belajar</a:t>
+            </a:r>
+            <a:endParaRPr lang="en-GB" dirty="0"/>
+          </a:p>
+        </p:txBody>
+      </p:sp>
+      <p:sp>
+        <p:nvSpPr>
+          <p:cNvPr id="4" name="Rectangle 3">
+            <a:extLst>
+              <a:ext uri="{FF2B5EF4-FFF2-40B4-BE49-F238E27FC236}">
+                <a16:creationId xmlns:a16="http://schemas.microsoft.com/office/drawing/2014/main" xmlns="" id="{1071252C-EDC3-46FF-9742-9622EDD0FD79}"/>
+              </a:ext>
+            </a:extLst>
+          </p:cNvPr>
+          <p:cNvSpPr/>
+          <p:nvPr/>
+        </p:nvSpPr>
+        <p:spPr>
+          <a:xfrm>
+            <a:off x="762757" y="1885071"/>
+            <a:ext cx="10663310" cy="4543864"/>
+          </a:xfrm>
+          <a:prstGeom prst="rect">
+            <a:avLst/>
+          </a:prstGeom>
+        </p:spPr>
+        <p:style>
+          <a:lnRef idx="2">
+            <a:schemeClr val="accent6"/>
+          </a:lnRef>
+          <a:fillRef idx="1">
+            <a:schemeClr val="lt1"/>
+          </a:fillRef>
+          <a:effectRef idx="0">
+            <a:schemeClr val="accent6"/>
+          </a:effectRef>
+          <a:fontRef idx="minor">
+            <a:schemeClr val="dk1"/>
+          </a:fontRef>
+        </p:style>
+        <p:txBody>
+          <a:bodyPr rtlCol="0" anchor="ctr"/>
+          <a:lstStyle/>
+          <a:p>
+            <a:pPr algn="ctr"/>
+            <a:endParaRPr lang="en-GB"/>
+          </a:p>
+        </p:txBody>
+      </p:sp>
+      <p:sp>
+        <p:nvSpPr>
+          <p:cNvPr id="5" name="Rectangle 4">
+            <a:extLst>
+              <a:ext uri="{FF2B5EF4-FFF2-40B4-BE49-F238E27FC236}">
+                <a16:creationId xmlns:a16="http://schemas.microsoft.com/office/drawing/2014/main" xmlns="" id="{1D88BB67-A8B7-481B-B472-86A3D0711D35}"/>
+              </a:ext>
+            </a:extLst>
+          </p:cNvPr>
+          <p:cNvSpPr/>
+          <p:nvPr/>
+        </p:nvSpPr>
+        <p:spPr>
+          <a:xfrm>
+            <a:off x="1547446" y="2461846"/>
+            <a:ext cx="9270609" cy="3615397"/>
+          </a:xfrm>
+          <a:prstGeom prst="rect">
+            <a:avLst/>
+          </a:prstGeom>
+        </p:spPr>
+        <p:style>
+          <a:lnRef idx="2">
+            <a:schemeClr val="dk1"/>
+          </a:lnRef>
+          <a:fillRef idx="1">
+            <a:schemeClr val="lt1"/>
+          </a:fillRef>
+          <a:effectRef idx="0">
+            <a:schemeClr val="dk1"/>
+          </a:effectRef>
+          <a:fontRef idx="minor">
+            <a:schemeClr val="dk1"/>
+          </a:fontRef>
+        </p:style>
+        <p:txBody>
+          <a:bodyPr rtlCol="0" anchor="ctr"/>
+          <a:lstStyle/>
+          <a:p>
+            <a:pPr algn="ctr"/>
+            <a:endParaRPr lang="en-GB" dirty="0"/>
+          </a:p>
+        </p:txBody>
+      </p:sp>
+      <p:sp>
+        <p:nvSpPr>
+          <p:cNvPr id="11" name="TextBox 10">
+            <a:extLst>
+              <a:ext uri="{FF2B5EF4-FFF2-40B4-BE49-F238E27FC236}">
+                <a16:creationId xmlns:a16="http://schemas.microsoft.com/office/drawing/2014/main" xmlns="" id="{5034200D-D060-4C18-95E1-FA75245B9E6F}"/>
+              </a:ext>
+            </a:extLst>
+          </p:cNvPr>
+          <p:cNvSpPr txBox="1"/>
+          <p:nvPr/>
+        </p:nvSpPr>
+        <p:spPr>
+          <a:xfrm>
+            <a:off x="1730326" y="2625301"/>
+            <a:ext cx="2167132" cy="369332"/>
+          </a:xfrm>
+          <a:prstGeom prst="rect">
+            <a:avLst/>
+          </a:prstGeom>
+          <a:noFill/>
+        </p:spPr>
+        <p:txBody>
+          <a:bodyPr wrap="none" rtlCol="0">
+            <a:spAutoFit/>
+          </a:bodyPr>
+          <a:lstStyle/>
+          <a:p>
+            <a:r>
+              <a:rPr lang="en-GB" b="1" dirty="0" err="1" smtClean="0">
+                <a:solidFill>
+                  <a:schemeClr val="bg1"/>
+                </a:solidFill>
+              </a:rPr>
+              <a:t>Pilih</a:t>
+            </a:r>
+            <a:r>
+              <a:rPr lang="en-GB" b="1" dirty="0" smtClean="0">
+                <a:solidFill>
+                  <a:schemeClr val="bg1"/>
+                </a:solidFill>
+              </a:rPr>
+              <a:t> </a:t>
+            </a:r>
+            <a:r>
+              <a:rPr lang="en-GB" b="1" dirty="0" err="1" smtClean="0">
+                <a:solidFill>
+                  <a:schemeClr val="bg1"/>
+                </a:solidFill>
+              </a:rPr>
+              <a:t>Tanggal</a:t>
+            </a:r>
+            <a:r>
+              <a:rPr lang="en-GB" b="1" dirty="0" smtClean="0">
+                <a:solidFill>
+                  <a:schemeClr val="bg1"/>
+                </a:solidFill>
+              </a:rPr>
+              <a:t> </a:t>
+            </a:r>
+            <a:r>
+              <a:rPr lang="en-GB" b="1" dirty="0" err="1" smtClean="0">
+                <a:solidFill>
+                  <a:schemeClr val="bg1"/>
+                </a:solidFill>
+              </a:rPr>
+              <a:t>Belajar</a:t>
+            </a:r>
+            <a:endParaRPr lang="en-GB" b="1" dirty="0">
+              <a:solidFill>
+                <a:schemeClr val="bg1"/>
+              </a:solidFill>
+            </a:endParaRPr>
+          </a:p>
+        </p:txBody>
+      </p:sp>
+      <p:grpSp>
+        <p:nvGrpSpPr>
+          <p:cNvPr id="3" name="Group 9">
+            <a:extLst>
+              <a:ext uri="{FF2B5EF4-FFF2-40B4-BE49-F238E27FC236}">
+                <a16:creationId xmlns:a16="http://schemas.microsoft.com/office/drawing/2014/main" xmlns="" id="{D648E696-95CD-4A5D-A69F-2A2ACFCB8A96}"/>
               </a:ext>
             </a:extLst>
           </p:cNvPr>
@@ -12722,10 +14655,10 @@
         </p:nvGrpSpPr>
         <p:grpSpPr>
           <a:xfrm>
-            <a:off x="4853458" y="5465298"/>
-            <a:ext cx="2481907" cy="369332"/>
-            <a:chOff x="7934178" y="618518"/>
-            <a:chExt cx="2481907" cy="369332"/>
+            <a:off x="7457763" y="5222235"/>
+            <a:ext cx="1107504" cy="369332"/>
+            <a:chOff x="7934182" y="618518"/>
+            <a:chExt cx="2481908" cy="369332"/>
           </a:xfrm>
         </p:grpSpPr>
         <p:sp>
@@ -12733,7 +14666,7 @@
             <p:cNvPr id="9" name="Rectangle: Rounded Corners 8">
               <a:extLst>
                 <a:ext uri="{FF2B5EF4-FFF2-40B4-BE49-F238E27FC236}">
-                  <a16:creationId xmlns:a16="http://schemas.microsoft.com/office/drawing/2014/main" id="{1D59563C-2E40-4708-9F54-DC30C2079569}"/>
+                  <a16:creationId xmlns:a16="http://schemas.microsoft.com/office/drawing/2014/main" xmlns="" id="{1D59563C-2E40-4708-9F54-DC30C2079569}"/>
                 </a:ext>
               </a:extLst>
             </p:cNvPr>
@@ -12742,8 +14675,8 @@
           </p:nvSpPr>
           <p:spPr>
             <a:xfrm>
-              <a:off x="7934178" y="618518"/>
-              <a:ext cx="2481907" cy="369332"/>
+              <a:off x="7934182" y="618518"/>
+              <a:ext cx="2481908" cy="369332"/>
             </a:xfrm>
             <a:prstGeom prst="roundRect">
               <a:avLst/>
@@ -12779,7 +14712,7 @@
             <p:cNvPr id="8" name="TextBox 7">
               <a:extLst>
                 <a:ext uri="{FF2B5EF4-FFF2-40B4-BE49-F238E27FC236}">
-                  <a16:creationId xmlns:a16="http://schemas.microsoft.com/office/drawing/2014/main" id="{A3733895-E1DB-4CC1-BE59-AC1E6A08A60C}"/>
+                  <a16:creationId xmlns:a16="http://schemas.microsoft.com/office/drawing/2014/main" xmlns="" id="{A3733895-E1DB-4CC1-BE59-AC1E6A08A60C}"/>
                 </a:ext>
               </a:extLst>
             </p:cNvPr>
@@ -12789,7 +14722,7 @@
           <p:spPr>
             <a:xfrm>
               <a:off x="8117058" y="618518"/>
-              <a:ext cx="2299027" cy="369332"/>
+              <a:ext cx="985526" cy="369332"/>
             </a:xfrm>
             <a:prstGeom prst="rect">
               <a:avLst/>
@@ -12803,19 +14736,24 @@
             <a:lstStyle/>
             <a:p>
               <a:r>
-                <a:rPr lang="en-GB" dirty="0"/>
-                <a:t>BOOKING SEKARANG</a:t>
+                <a:rPr lang="en-GB" dirty="0" err="1" smtClean="0"/>
+                <a:t>Pilih</a:t>
               </a:r>
+              <a:r>
+                <a:rPr lang="en-GB" dirty="0" smtClean="0"/>
+                <a:t> Jam</a:t>
+              </a:r>
+              <a:endParaRPr lang="en-GB" dirty="0"/>
             </a:p>
           </p:txBody>
         </p:sp>
       </p:grpSp>
       <p:sp>
         <p:nvSpPr>
-          <p:cNvPr id="11" name="TextBox 10">
+          <p:cNvPr id="13" name="TextBox 12">
             <a:extLst>
               <a:ext uri="{FF2B5EF4-FFF2-40B4-BE49-F238E27FC236}">
-                <a16:creationId xmlns:a16="http://schemas.microsoft.com/office/drawing/2014/main" id="{5034200D-D060-4C18-95E1-FA75245B9E6F}"/>
+                <a16:creationId xmlns:a16="http://schemas.microsoft.com/office/drawing/2014/main" xmlns="" id="{F222825D-6E03-46AD-AE6F-77D3EF3E8DC0}"/>
               </a:ext>
             </a:extLst>
           </p:cNvPr>
@@ -12824,8 +14762,8 @@
         </p:nvSpPr>
         <p:spPr>
           <a:xfrm>
-            <a:off x="1730326" y="2625301"/>
-            <a:ext cx="1489510" cy="369332"/>
+            <a:off x="5314298" y="3499366"/>
+            <a:ext cx="1620957" cy="1477328"/>
           </a:xfrm>
           <a:prstGeom prst="rect">
             <a:avLst/>
@@ -12839,50 +14777,496 @@
           <a:lstStyle/>
           <a:p>
             <a:r>
-              <a:rPr lang="en-GB" b="1" dirty="0">
+              <a:rPr lang="en-GB" dirty="0">
                 <a:solidFill>
                   <a:schemeClr val="bg1"/>
                 </a:solidFill>
               </a:rPr>
-              <a:t>MYBOOKING</a:t>
+              <a:t>Nama		:</a:t>
+            </a:r>
+          </a:p>
+          <a:p>
+            <a:r>
+              <a:rPr lang="en-GB" dirty="0">
+                <a:solidFill>
+                  <a:schemeClr val="bg1"/>
+                </a:solidFill>
+              </a:rPr>
+              <a:t>Pelajaran		:</a:t>
+            </a:r>
+          </a:p>
+          <a:p>
+            <a:r>
+              <a:rPr lang="en-GB" dirty="0" err="1">
+                <a:solidFill>
+                  <a:schemeClr val="bg1"/>
+                </a:solidFill>
+              </a:rPr>
+              <a:t>Tanggal</a:t>
+            </a:r>
+            <a:r>
+              <a:rPr lang="en-GB" dirty="0">
+                <a:solidFill>
+                  <a:schemeClr val="bg1"/>
+                </a:solidFill>
+              </a:rPr>
+              <a:t>		:</a:t>
+            </a:r>
+          </a:p>
+          <a:p>
+            <a:r>
+              <a:rPr lang="en-GB" dirty="0">
+                <a:solidFill>
+                  <a:schemeClr val="bg1"/>
+                </a:solidFill>
+              </a:rPr>
+              <a:t>Jam </a:t>
+            </a:r>
+            <a:r>
+              <a:rPr lang="en-GB" dirty="0" err="1">
+                <a:solidFill>
+                  <a:schemeClr val="bg1"/>
+                </a:solidFill>
+              </a:rPr>
+              <a:t>mulai</a:t>
+            </a:r>
+            <a:r>
+              <a:rPr lang="en-GB" dirty="0">
+                <a:solidFill>
+                  <a:schemeClr val="bg1"/>
+                </a:solidFill>
+              </a:rPr>
+              <a:t>		:</a:t>
+            </a:r>
+          </a:p>
+          <a:p>
+            <a:r>
+              <a:rPr lang="en-GB" dirty="0">
+                <a:solidFill>
+                  <a:schemeClr val="bg1"/>
+                </a:solidFill>
+              </a:rPr>
+              <a:t>Jam </a:t>
+            </a:r>
+            <a:r>
+              <a:rPr lang="en-GB" dirty="0" err="1">
+                <a:solidFill>
+                  <a:schemeClr val="bg1"/>
+                </a:solidFill>
+              </a:rPr>
+              <a:t>selesai</a:t>
+            </a:r>
+            <a:r>
+              <a:rPr lang="en-GB" dirty="0">
+                <a:solidFill>
+                  <a:schemeClr val="bg1"/>
+                </a:solidFill>
+              </a:rPr>
+              <a:t>	:</a:t>
             </a:r>
           </a:p>
         </p:txBody>
       </p:sp>
-      <p:pic>
-        <p:nvPicPr>
-          <p:cNvPr id="15" name="Picture 14">
-            <a:extLst>
-              <a:ext uri="{FF2B5EF4-FFF2-40B4-BE49-F238E27FC236}">
-                <a16:creationId xmlns:a16="http://schemas.microsoft.com/office/drawing/2014/main" id="{B776AC26-7752-4565-9E0E-6DFEE5D0F1B7}"/>
-              </a:ext>
-            </a:extLst>
-          </p:cNvPr>
-          <p:cNvPicPr>
-            <a:picLocks noChangeAspect="1"/>
-          </p:cNvPicPr>
+      <p:grpSp>
+        <p:nvGrpSpPr>
+          <p:cNvPr id="19" name="Group 18"/>
+          <p:cNvGrpSpPr/>
           <p:nvPr/>
-        </p:nvPicPr>
-        <p:blipFill>
-          <a:blip r:embed="rId2"/>
-          <a:stretch>
-            <a:fillRect/>
-          </a:stretch>
-        </p:blipFill>
-        <p:spPr>
+        </p:nvGrpSpPr>
+        <p:grpSpPr>
           <a:xfrm>
-            <a:off x="4570602" y="3196635"/>
+            <a:off x="6679162" y="3510027"/>
+            <a:ext cx="3795927" cy="1422722"/>
+            <a:chOff x="6783334" y="3359552"/>
+            <a:chExt cx="6292519" cy="1422722"/>
+          </a:xfrm>
+        </p:grpSpPr>
+        <p:sp>
+          <p:nvSpPr>
+            <p:cNvPr id="14" name="Rectangle 13">
+              <a:extLst>
+                <a:ext uri="{FF2B5EF4-FFF2-40B4-BE49-F238E27FC236}">
+                  <a16:creationId xmlns:a16="http://schemas.microsoft.com/office/drawing/2014/main" xmlns="" id="{6C96306D-F555-4922-AF14-5C4CBEBC7B26}"/>
+                </a:ext>
+              </a:extLst>
+            </p:cNvPr>
+            <p:cNvSpPr/>
+            <p:nvPr/>
+          </p:nvSpPr>
+          <p:spPr>
+            <a:xfrm>
+              <a:off x="6783334" y="3359552"/>
+              <a:ext cx="6292519" cy="298913"/>
+            </a:xfrm>
+            <a:prstGeom prst="rect">
+              <a:avLst/>
+            </a:prstGeom>
+          </p:spPr>
+          <p:style>
+            <a:lnRef idx="2">
+              <a:schemeClr val="dk1"/>
+            </a:lnRef>
+            <a:fillRef idx="1">
+              <a:schemeClr val="lt1"/>
+            </a:fillRef>
+            <a:effectRef idx="0">
+              <a:schemeClr val="dk1"/>
+            </a:effectRef>
+            <a:fontRef idx="minor">
+              <a:schemeClr val="dk1"/>
+            </a:fontRef>
+          </p:style>
+          <p:txBody>
+            <a:bodyPr rtlCol="0" anchor="ctr"/>
+            <a:lstStyle/>
+            <a:p>
+              <a:pPr algn="ctr"/>
+              <a:endParaRPr lang="en-GB"/>
+            </a:p>
+          </p:txBody>
+        </p:sp>
+        <p:sp>
+          <p:nvSpPr>
+            <p:cNvPr id="16" name="Rectangle 15">
+              <a:extLst>
+                <a:ext uri="{FF2B5EF4-FFF2-40B4-BE49-F238E27FC236}">
+                  <a16:creationId xmlns:a16="http://schemas.microsoft.com/office/drawing/2014/main" xmlns="" id="{139F3711-8F3C-4899-A3C0-F107FBF68A2A}"/>
+                </a:ext>
+              </a:extLst>
+            </p:cNvPr>
+            <p:cNvSpPr/>
+            <p:nvPr/>
+          </p:nvSpPr>
+          <p:spPr>
+            <a:xfrm>
+              <a:off x="6783334" y="3734155"/>
+              <a:ext cx="6292519" cy="298913"/>
+            </a:xfrm>
+            <a:prstGeom prst="rect">
+              <a:avLst/>
+            </a:prstGeom>
+          </p:spPr>
+          <p:style>
+            <a:lnRef idx="2">
+              <a:schemeClr val="dk1"/>
+            </a:lnRef>
+            <a:fillRef idx="1">
+              <a:schemeClr val="lt1"/>
+            </a:fillRef>
+            <a:effectRef idx="0">
+              <a:schemeClr val="dk1"/>
+            </a:effectRef>
+            <a:fontRef idx="minor">
+              <a:schemeClr val="dk1"/>
+            </a:fontRef>
+          </p:style>
+          <p:txBody>
+            <a:bodyPr rtlCol="0" anchor="ctr"/>
+            <a:lstStyle/>
+            <a:p>
+              <a:pPr algn="ctr"/>
+              <a:endParaRPr lang="en-GB"/>
+            </a:p>
+          </p:txBody>
+        </p:sp>
+        <p:sp>
+          <p:nvSpPr>
+            <p:cNvPr id="17" name="Rectangle 16">
+              <a:extLst>
+                <a:ext uri="{FF2B5EF4-FFF2-40B4-BE49-F238E27FC236}">
+                  <a16:creationId xmlns:a16="http://schemas.microsoft.com/office/drawing/2014/main" xmlns="" id="{A327DAB9-62EA-47AA-97F6-BBF35E65B70D}"/>
+                </a:ext>
+              </a:extLst>
+            </p:cNvPr>
+            <p:cNvSpPr/>
+            <p:nvPr/>
+          </p:nvSpPr>
+          <p:spPr>
+            <a:xfrm>
+              <a:off x="6783334" y="4108758"/>
+              <a:ext cx="6292519" cy="298913"/>
+            </a:xfrm>
+            <a:prstGeom prst="rect">
+              <a:avLst/>
+            </a:prstGeom>
+          </p:spPr>
+          <p:style>
+            <a:lnRef idx="2">
+              <a:schemeClr val="dk1"/>
+            </a:lnRef>
+            <a:fillRef idx="1">
+              <a:schemeClr val="lt1"/>
+            </a:fillRef>
+            <a:effectRef idx="0">
+              <a:schemeClr val="dk1"/>
+            </a:effectRef>
+            <a:fontRef idx="minor">
+              <a:schemeClr val="dk1"/>
+            </a:fontRef>
+          </p:style>
+          <p:txBody>
+            <a:bodyPr rtlCol="0" anchor="ctr"/>
+            <a:lstStyle/>
+            <a:p>
+              <a:pPr algn="ctr"/>
+              <a:endParaRPr lang="en-GB"/>
+            </a:p>
+          </p:txBody>
+        </p:sp>
+        <p:sp>
+          <p:nvSpPr>
+            <p:cNvPr id="18" name="Rectangle 17">
+              <a:extLst>
+                <a:ext uri="{FF2B5EF4-FFF2-40B4-BE49-F238E27FC236}">
+                  <a16:creationId xmlns:a16="http://schemas.microsoft.com/office/drawing/2014/main" xmlns="" id="{2F21ED66-1150-469B-BE32-D5EFC690A599}"/>
+                </a:ext>
+              </a:extLst>
+            </p:cNvPr>
+            <p:cNvSpPr/>
+            <p:nvPr/>
+          </p:nvSpPr>
+          <p:spPr>
+            <a:xfrm>
+              <a:off x="6783334" y="4483361"/>
+              <a:ext cx="6292519" cy="298913"/>
+            </a:xfrm>
+            <a:prstGeom prst="rect">
+              <a:avLst/>
+            </a:prstGeom>
+          </p:spPr>
+          <p:style>
+            <a:lnRef idx="2">
+              <a:schemeClr val="dk1"/>
+            </a:lnRef>
+            <a:fillRef idx="1">
+              <a:schemeClr val="lt1"/>
+            </a:fillRef>
+            <a:effectRef idx="0">
+              <a:schemeClr val="dk1"/>
+            </a:effectRef>
+            <a:fontRef idx="minor">
+              <a:schemeClr val="dk1"/>
+            </a:fontRef>
+          </p:style>
+          <p:txBody>
+            <a:bodyPr rtlCol="0" anchor="ctr"/>
+            <a:lstStyle/>
+            <a:p>
+              <a:pPr algn="ctr"/>
+              <a:endParaRPr lang="en-GB"/>
+            </a:p>
+          </p:txBody>
+        </p:sp>
+      </p:grpSp>
+      <p:grpSp>
+        <p:nvGrpSpPr>
+          <p:cNvPr id="25" name="Group 24"/>
+          <p:cNvGrpSpPr/>
+          <p:nvPr/>
+        </p:nvGrpSpPr>
+        <p:grpSpPr>
+          <a:xfrm>
+            <a:off x="2093619" y="3347110"/>
             <a:ext cx="3050795" cy="2123353"/>
+            <a:chOff x="2093619" y="3347110"/>
+            <a:chExt cx="3050795" cy="2123353"/>
           </a:xfrm>
-          <a:prstGeom prst="rect">
-            <a:avLst/>
-          </a:prstGeom>
-        </p:spPr>
-      </p:pic>
+        </p:grpSpPr>
+        <p:pic>
+          <p:nvPicPr>
+            <p:cNvPr id="15" name="Picture 14">
+              <a:extLst>
+                <a:ext uri="{FF2B5EF4-FFF2-40B4-BE49-F238E27FC236}">
+                  <a16:creationId xmlns:a16="http://schemas.microsoft.com/office/drawing/2014/main" xmlns="" id="{B776AC26-7752-4565-9E0E-6DFEE5D0F1B7}"/>
+                </a:ext>
+              </a:extLst>
+            </p:cNvPr>
+            <p:cNvPicPr>
+              <a:picLocks noChangeAspect="1"/>
+            </p:cNvPicPr>
+            <p:nvPr/>
+          </p:nvPicPr>
+          <p:blipFill>
+            <a:blip r:embed="rId2" cstate="print"/>
+            <a:stretch>
+              <a:fillRect/>
+            </a:stretch>
+          </p:blipFill>
+          <p:spPr>
+            <a:xfrm>
+              <a:off x="2093619" y="3347110"/>
+              <a:ext cx="3050795" cy="2123353"/>
+            </a:xfrm>
+            <a:prstGeom prst="rect">
+              <a:avLst/>
+            </a:prstGeom>
+          </p:spPr>
+        </p:pic>
+        <p:sp>
+          <p:nvSpPr>
+            <p:cNvPr id="21" name="Rectangle 20"/>
+            <p:cNvSpPr/>
+            <p:nvPr/>
+          </p:nvSpPr>
+          <p:spPr>
+            <a:xfrm>
+              <a:off x="3044142" y="4606727"/>
+              <a:ext cx="1632030" cy="127321"/>
+            </a:xfrm>
+            <a:prstGeom prst="rect">
+              <a:avLst/>
+            </a:prstGeom>
+          </p:spPr>
+          <p:style>
+            <a:lnRef idx="2">
+              <a:schemeClr val="accent1">
+                <a:shade val="50000"/>
+              </a:schemeClr>
+            </a:lnRef>
+            <a:fillRef idx="1">
+              <a:schemeClr val="accent1"/>
+            </a:fillRef>
+            <a:effectRef idx="0">
+              <a:schemeClr val="accent1"/>
+            </a:effectRef>
+            <a:fontRef idx="minor">
+              <a:schemeClr val="lt1"/>
+            </a:fontRef>
+          </p:style>
+          <p:txBody>
+            <a:bodyPr rtlCol="0" anchor="ctr"/>
+            <a:lstStyle/>
+            <a:p>
+              <a:pPr algn="ctr"/>
+              <a:endParaRPr lang="en-US"/>
+            </a:p>
+          </p:txBody>
+        </p:sp>
+        <p:sp>
+          <p:nvSpPr>
+            <p:cNvPr id="22" name="Rectangle 21"/>
+            <p:cNvSpPr/>
+            <p:nvPr/>
+          </p:nvSpPr>
+          <p:spPr>
+            <a:xfrm>
+              <a:off x="2617792" y="4955896"/>
+              <a:ext cx="1632030" cy="127321"/>
+            </a:xfrm>
+            <a:prstGeom prst="rect">
+              <a:avLst/>
+            </a:prstGeom>
+          </p:spPr>
+          <p:style>
+            <a:lnRef idx="2">
+              <a:schemeClr val="accent1">
+                <a:shade val="50000"/>
+              </a:schemeClr>
+            </a:lnRef>
+            <a:fillRef idx="1">
+              <a:schemeClr val="accent1"/>
+            </a:fillRef>
+            <a:effectRef idx="0">
+              <a:schemeClr val="accent1"/>
+            </a:effectRef>
+            <a:fontRef idx="minor">
+              <a:schemeClr val="lt1"/>
+            </a:fontRef>
+          </p:style>
+          <p:txBody>
+            <a:bodyPr rtlCol="0" anchor="ctr"/>
+            <a:lstStyle/>
+            <a:p>
+              <a:pPr algn="ctr"/>
+              <a:endParaRPr lang="en-US"/>
+            </a:p>
+          </p:txBody>
+        </p:sp>
+        <p:sp>
+          <p:nvSpPr>
+            <p:cNvPr id="23" name="Rectangle 22"/>
+            <p:cNvSpPr/>
+            <p:nvPr/>
+          </p:nvSpPr>
+          <p:spPr>
+            <a:xfrm>
+              <a:off x="2548360" y="4312920"/>
+              <a:ext cx="2503700" cy="110541"/>
+            </a:xfrm>
+            <a:prstGeom prst="rect">
+              <a:avLst/>
+            </a:prstGeom>
+          </p:spPr>
+          <p:style>
+            <a:lnRef idx="2">
+              <a:schemeClr val="accent1">
+                <a:shade val="50000"/>
+              </a:schemeClr>
+            </a:lnRef>
+            <a:fillRef idx="1">
+              <a:schemeClr val="accent1"/>
+            </a:fillRef>
+            <a:effectRef idx="0">
+              <a:schemeClr val="accent1"/>
+            </a:effectRef>
+            <a:fontRef idx="minor">
+              <a:schemeClr val="lt1"/>
+            </a:fontRef>
+          </p:style>
+          <p:txBody>
+            <a:bodyPr rtlCol="0" anchor="ctr"/>
+            <a:lstStyle/>
+            <a:p>
+              <a:pPr algn="ctr"/>
+              <a:endParaRPr lang="en-US"/>
+            </a:p>
+          </p:txBody>
+        </p:sp>
+        <p:sp>
+          <p:nvSpPr>
+            <p:cNvPr id="24" name="Rectangle 23"/>
+            <p:cNvSpPr/>
+            <p:nvPr/>
+          </p:nvSpPr>
+          <p:spPr>
+            <a:xfrm>
+              <a:off x="3021652" y="5283556"/>
+              <a:ext cx="1632030" cy="127321"/>
+            </a:xfrm>
+            <a:prstGeom prst="rect">
+              <a:avLst/>
+            </a:prstGeom>
+          </p:spPr>
+          <p:style>
+            <a:lnRef idx="2">
+              <a:schemeClr val="accent1">
+                <a:shade val="50000"/>
+              </a:schemeClr>
+            </a:lnRef>
+            <a:fillRef idx="1">
+              <a:schemeClr val="accent1"/>
+            </a:fillRef>
+            <a:effectRef idx="0">
+              <a:schemeClr val="accent1"/>
+            </a:effectRef>
+            <a:fontRef idx="minor">
+              <a:schemeClr val="lt1"/>
+            </a:fontRef>
+          </p:style>
+          <p:txBody>
+            <a:bodyPr rtlCol="0" anchor="ctr"/>
+            <a:lstStyle/>
+            <a:p>
+              <a:pPr algn="ctr"/>
+              <a:endParaRPr lang="en-US"/>
+            </a:p>
+          </p:txBody>
+        </p:sp>
+      </p:grpSp>
     </p:spTree>
     <p:extLst>
       <p:ext uri="{BB962C8B-B14F-4D97-AF65-F5344CB8AC3E}">
-        <p14:creationId xmlns:p14="http://schemas.microsoft.com/office/powerpoint/2010/main" val="3804495290"/>
+        <p14:creationId xmlns:p14="http://schemas.microsoft.com/office/powerpoint/2010/main" xmlns="" val="3804495290"/>
       </p:ext>
     </p:extLst>
   </p:cSld>
@@ -12892,7 +15276,7 @@
 </p:sld>
 </file>
 
-<file path=ppt/slides/slide3.xml><?xml version="1.0" encoding="utf-8"?>
+<file path=ppt/slides/slide5.xml><?xml version="1.0" encoding="utf-8"?>
 <p:sld xmlns:a="http://schemas.openxmlformats.org/drawingml/2006/main" xmlns:r="http://schemas.openxmlformats.org/officeDocument/2006/relationships" xmlns:p="http://schemas.openxmlformats.org/presentationml/2006/main">
   <p:cSld>
     <p:spTree>
@@ -12914,7 +15298,7 @@
           <p:cNvPr id="2" name="Title 1">
             <a:extLst>
               <a:ext uri="{FF2B5EF4-FFF2-40B4-BE49-F238E27FC236}">
-                <a16:creationId xmlns:a16="http://schemas.microsoft.com/office/drawing/2014/main" id="{7E431CF9-F1C7-41CD-8C8A-66AD9279BD88}"/>
+                <a16:creationId xmlns:a16="http://schemas.microsoft.com/office/drawing/2014/main" xmlns="" id="{7E431CF9-F1C7-41CD-8C8A-66AD9279BD88}"/>
               </a:ext>
             </a:extLst>
           </p:cNvPr>
@@ -12932,24 +15316,25 @@
           <a:p>
             <a:r>
               <a:rPr lang="en-GB" dirty="0"/>
-              <a:t>2. </a:t>
-            </a:r>
-            <a:r>
-              <a:rPr lang="en-GB" dirty="0" err="1"/>
-              <a:t>Tampilan</a:t>
-            </a:r>
-            <a:r>
-              <a:rPr lang="en-GB" dirty="0"/>
+              <a:t>c</a:t>
+            </a:r>
+            <a:r>
+              <a:rPr lang="en-GB" dirty="0" smtClean="0"/>
+              <a:t>. </a:t>
+            </a:r>
+            <a:r>
+              <a:rPr lang="en-GB" dirty="0" err="1" smtClean="0"/>
+              <a:t>halaman</a:t>
+            </a:r>
+            <a:r>
+              <a:rPr lang="en-GB" dirty="0" smtClean="0"/>
               <a:t> </a:t>
             </a:r>
             <a:r>
-              <a:rPr lang="en-GB" dirty="0" err="1"/>
-              <a:t>halaman</a:t>
-            </a:r>
-            <a:r>
-              <a:rPr lang="en-GB" dirty="0"/>
-              <a:t> BOOKING</a:t>
-            </a:r>
+              <a:rPr lang="en-GB" dirty="0" err="1" smtClean="0"/>
+              <a:t>Konfirmasi</a:t>
+            </a:r>
+            <a:endParaRPr lang="en-GB" dirty="0"/>
           </a:p>
         </p:txBody>
       </p:sp>
@@ -12958,7 +15343,7 @@
           <p:cNvPr id="4" name="Rectangle 3">
             <a:extLst>
               <a:ext uri="{FF2B5EF4-FFF2-40B4-BE49-F238E27FC236}">
-                <a16:creationId xmlns:a16="http://schemas.microsoft.com/office/drawing/2014/main" id="{1071252C-EDC3-46FF-9742-9622EDD0FD79}"/>
+                <a16:creationId xmlns:a16="http://schemas.microsoft.com/office/drawing/2014/main" xmlns="" id="{1071252C-EDC3-46FF-9742-9622EDD0FD79}"/>
               </a:ext>
             </a:extLst>
           </p:cNvPr>
@@ -13002,7 +15387,7 @@
           <p:cNvPr id="5" name="Rectangle 4">
             <a:extLst>
               <a:ext uri="{FF2B5EF4-FFF2-40B4-BE49-F238E27FC236}">
-                <a16:creationId xmlns:a16="http://schemas.microsoft.com/office/drawing/2014/main" id="{1D88BB67-A8B7-481B-B472-86A3D0711D35}"/>
+                <a16:creationId xmlns:a16="http://schemas.microsoft.com/office/drawing/2014/main" xmlns="" id="{1D88BB67-A8B7-481B-B472-86A3D0711D35}"/>
               </a:ext>
             </a:extLst>
           </p:cNvPr>
@@ -13041,48 +15426,517 @@
           </a:p>
         </p:txBody>
       </p:sp>
-      <p:cxnSp>
-        <p:nvCxnSpPr>
-          <p:cNvPr id="7" name="Straight Connector 6">
+      <p:sp>
+        <p:nvSpPr>
+          <p:cNvPr id="11" name="TextBox 10">
             <a:extLst>
               <a:ext uri="{FF2B5EF4-FFF2-40B4-BE49-F238E27FC236}">
-                <a16:creationId xmlns:a16="http://schemas.microsoft.com/office/drawing/2014/main" id="{57BB3909-AE9E-479D-852C-89EEBFE07107}"/>
+                <a16:creationId xmlns:a16="http://schemas.microsoft.com/office/drawing/2014/main" xmlns="" id="{5034200D-D060-4C18-95E1-FA75245B9E6F}"/>
               </a:ext>
             </a:extLst>
           </p:cNvPr>
-          <p:cNvCxnSpPr/>
+          <p:cNvSpPr txBox="1"/>
           <p:nvPr/>
-        </p:nvCxnSpPr>
+        </p:nvSpPr>
         <p:spPr>
           <a:xfrm>
-            <a:off x="1322363" y="3094892"/>
-            <a:ext cx="9725048" cy="0"/>
+            <a:off x="1730326" y="2625301"/>
+            <a:ext cx="1789272" cy="369332"/>
           </a:xfrm>
-          <a:prstGeom prst="line">
+          <a:prstGeom prst="rect">
+            <a:avLst/>
+          </a:prstGeom>
+          <a:noFill/>
+        </p:spPr>
+        <p:txBody>
+          <a:bodyPr wrap="none" rtlCol="0">
+            <a:spAutoFit/>
+          </a:bodyPr>
+          <a:lstStyle/>
+          <a:p>
+            <a:r>
+              <a:rPr lang="en-GB" b="1" dirty="0" smtClean="0">
+                <a:solidFill>
+                  <a:schemeClr val="bg1"/>
+                </a:solidFill>
+              </a:rPr>
+              <a:t>Booking </a:t>
+            </a:r>
+            <a:r>
+              <a:rPr lang="en-GB" b="1" dirty="0" err="1" smtClean="0">
+                <a:solidFill>
+                  <a:schemeClr val="bg1"/>
+                </a:solidFill>
+              </a:rPr>
+              <a:t>Berhasil</a:t>
+            </a:r>
+            <a:endParaRPr lang="en-GB" b="1" dirty="0">
+              <a:solidFill>
+                <a:schemeClr val="bg1"/>
+              </a:solidFill>
+            </a:endParaRPr>
+          </a:p>
+        </p:txBody>
+      </p:sp>
+      <p:sp>
+        <p:nvSpPr>
+          <p:cNvPr id="3" name="TextBox 2">
+            <a:extLst>
+              <a:ext uri="{FF2B5EF4-FFF2-40B4-BE49-F238E27FC236}">
+                <a16:creationId xmlns:a16="http://schemas.microsoft.com/office/drawing/2014/main" xmlns="" id="{F222825D-6E03-46AD-AE6F-77D3EF3E8DC0}"/>
+              </a:ext>
+            </a:extLst>
+          </p:cNvPr>
+          <p:cNvSpPr txBox="1"/>
+          <p:nvPr/>
+        </p:nvSpPr>
+        <p:spPr>
+          <a:xfrm>
+            <a:off x="5907262" y="3648881"/>
+            <a:ext cx="3575018" cy="1477328"/>
+          </a:xfrm>
+          <a:prstGeom prst="rect">
+            <a:avLst/>
+          </a:prstGeom>
+          <a:noFill/>
+        </p:spPr>
+        <p:txBody>
+          <a:bodyPr wrap="none" rtlCol="0">
+            <a:spAutoFit/>
+          </a:bodyPr>
+          <a:lstStyle/>
+          <a:p>
+            <a:r>
+              <a:rPr lang="en-GB" dirty="0">
+                <a:solidFill>
+                  <a:schemeClr val="bg1"/>
+                </a:solidFill>
+              </a:rPr>
+              <a:t>Nama		</a:t>
+            </a:r>
+            <a:r>
+              <a:rPr lang="en-GB" dirty="0" smtClean="0">
+                <a:solidFill>
+                  <a:schemeClr val="bg1"/>
+                </a:solidFill>
+              </a:rPr>
+              <a:t>: Tuan A</a:t>
+            </a:r>
+            <a:endParaRPr lang="en-GB" dirty="0">
+              <a:solidFill>
+                <a:schemeClr val="bg1"/>
+              </a:solidFill>
+            </a:endParaRPr>
+          </a:p>
+          <a:p>
+            <a:r>
+              <a:rPr lang="en-GB" dirty="0" err="1" smtClean="0">
+                <a:solidFill>
+                  <a:schemeClr val="bg1"/>
+                </a:solidFill>
+              </a:rPr>
+              <a:t>Kelas</a:t>
+            </a:r>
+            <a:r>
+              <a:rPr lang="en-GB" dirty="0">
+                <a:solidFill>
+                  <a:schemeClr val="bg1"/>
+                </a:solidFill>
+              </a:rPr>
+              <a:t>		</a:t>
+            </a:r>
+            <a:r>
+              <a:rPr lang="en-GB" dirty="0" smtClean="0">
+                <a:solidFill>
+                  <a:schemeClr val="bg1"/>
+                </a:solidFill>
+              </a:rPr>
+              <a:t>: </a:t>
+            </a:r>
+            <a:r>
+              <a:rPr lang="en-GB" dirty="0" err="1" smtClean="0">
+                <a:solidFill>
+                  <a:schemeClr val="bg1"/>
+                </a:solidFill>
+              </a:rPr>
+              <a:t>Kelas</a:t>
+            </a:r>
+            <a:r>
+              <a:rPr lang="en-GB" dirty="0" smtClean="0">
+                <a:solidFill>
+                  <a:schemeClr val="bg1"/>
+                </a:solidFill>
+              </a:rPr>
+              <a:t> A</a:t>
+            </a:r>
+            <a:endParaRPr lang="en-GB" dirty="0">
+              <a:solidFill>
+                <a:schemeClr val="bg1"/>
+              </a:solidFill>
+            </a:endParaRPr>
+          </a:p>
+          <a:p>
+            <a:r>
+              <a:rPr lang="en-GB" dirty="0" err="1">
+                <a:solidFill>
+                  <a:schemeClr val="bg1"/>
+                </a:solidFill>
+              </a:rPr>
+              <a:t>Tanggal</a:t>
+            </a:r>
+            <a:r>
+              <a:rPr lang="en-GB" dirty="0">
+                <a:solidFill>
+                  <a:schemeClr val="bg1"/>
+                </a:solidFill>
+              </a:rPr>
+              <a:t>		</a:t>
+            </a:r>
+            <a:r>
+              <a:rPr lang="en-GB" dirty="0" smtClean="0">
+                <a:solidFill>
+                  <a:schemeClr val="bg1"/>
+                </a:solidFill>
+              </a:rPr>
+              <a:t>: XXX, 00 XXXX 2023</a:t>
+            </a:r>
+            <a:endParaRPr lang="en-GB" dirty="0">
+              <a:solidFill>
+                <a:schemeClr val="bg1"/>
+              </a:solidFill>
+            </a:endParaRPr>
+          </a:p>
+          <a:p>
+            <a:r>
+              <a:rPr lang="en-GB" dirty="0">
+                <a:solidFill>
+                  <a:schemeClr val="bg1"/>
+                </a:solidFill>
+              </a:rPr>
+              <a:t>Jam </a:t>
+            </a:r>
+            <a:r>
+              <a:rPr lang="en-GB" dirty="0" err="1">
+                <a:solidFill>
+                  <a:schemeClr val="bg1"/>
+                </a:solidFill>
+              </a:rPr>
+              <a:t>mulai</a:t>
+            </a:r>
+            <a:r>
+              <a:rPr lang="en-GB" dirty="0">
+                <a:solidFill>
+                  <a:schemeClr val="bg1"/>
+                </a:solidFill>
+              </a:rPr>
+              <a:t>		</a:t>
+            </a:r>
+            <a:r>
+              <a:rPr lang="en-GB" dirty="0" smtClean="0">
+                <a:solidFill>
+                  <a:schemeClr val="bg1"/>
+                </a:solidFill>
+              </a:rPr>
+              <a:t>: 00:00</a:t>
+            </a:r>
+            <a:endParaRPr lang="en-GB" dirty="0">
+              <a:solidFill>
+                <a:schemeClr val="bg1"/>
+              </a:solidFill>
+            </a:endParaRPr>
+          </a:p>
+          <a:p>
+            <a:r>
+              <a:rPr lang="en-GB" dirty="0">
+                <a:solidFill>
+                  <a:schemeClr val="bg1"/>
+                </a:solidFill>
+              </a:rPr>
+              <a:t>Jam </a:t>
+            </a:r>
+            <a:r>
+              <a:rPr lang="en-GB" dirty="0" err="1">
+                <a:solidFill>
+                  <a:schemeClr val="bg1"/>
+                </a:solidFill>
+              </a:rPr>
+              <a:t>selesai</a:t>
+            </a:r>
+            <a:r>
+              <a:rPr lang="en-GB" dirty="0">
+                <a:solidFill>
+                  <a:schemeClr val="bg1"/>
+                </a:solidFill>
+              </a:rPr>
+              <a:t>	</a:t>
+            </a:r>
+            <a:r>
+              <a:rPr lang="en-GB" dirty="0" smtClean="0">
+                <a:solidFill>
+                  <a:schemeClr val="bg1"/>
+                </a:solidFill>
+              </a:rPr>
+              <a:t>: 24:00</a:t>
+            </a:r>
+            <a:endParaRPr lang="en-GB" dirty="0">
+              <a:solidFill>
+                <a:schemeClr val="bg1"/>
+              </a:solidFill>
+            </a:endParaRPr>
+          </a:p>
+        </p:txBody>
+      </p:sp>
+      <p:pic>
+        <p:nvPicPr>
+          <p:cNvPr id="2050" name="Picture 2" descr="Check icons for free download | Freepik"/>
+          <p:cNvPicPr>
+            <a:picLocks noChangeAspect="1" noChangeArrowheads="1"/>
+          </p:cNvPicPr>
+          <p:nvPr/>
+        </p:nvPicPr>
+        <p:blipFill>
+          <a:blip r:embed="rId2"/>
+          <a:srcRect/>
+          <a:stretch>
+            <a:fillRect/>
+          </a:stretch>
+        </p:blipFill>
+        <p:spPr bwMode="auto">
+          <a:xfrm>
+            <a:off x="3264535" y="3485638"/>
+            <a:ext cx="1803814" cy="1803814"/>
+          </a:xfrm>
+          <a:prstGeom prst="rect">
+            <a:avLst/>
+          </a:prstGeom>
+          <a:noFill/>
+        </p:spPr>
+      </p:pic>
+    </p:spTree>
+    <p:extLst>
+      <p:ext uri="{BB962C8B-B14F-4D97-AF65-F5344CB8AC3E}">
+        <p14:creationId xmlns:p14="http://schemas.microsoft.com/office/powerpoint/2010/main" xmlns="" val="4087535744"/>
+      </p:ext>
+    </p:extLst>
+  </p:cSld>
+  <p:clrMapOvr>
+    <a:masterClrMapping/>
+  </p:clrMapOvr>
+</p:sld>
+</file>
+
+<file path=ppt/slides/slide6.xml><?xml version="1.0" encoding="utf-8"?>
+<p:sld xmlns:a="http://schemas.openxmlformats.org/drawingml/2006/main" xmlns:r="http://schemas.openxmlformats.org/officeDocument/2006/relationships" xmlns:p="http://schemas.openxmlformats.org/presentationml/2006/main">
+  <p:cSld>
+    <p:spTree>
+      <p:nvGrpSpPr>
+        <p:cNvPr id="1" name=""/>
+        <p:cNvGrpSpPr/>
+        <p:nvPr/>
+      </p:nvGrpSpPr>
+      <p:grpSpPr>
+        <a:xfrm>
+          <a:off x="0" y="0"/>
+          <a:ext cx="0" cy="0"/>
+          <a:chOff x="0" y="0"/>
+          <a:chExt cx="0" cy="0"/>
+        </a:xfrm>
+      </p:grpSpPr>
+      <p:sp>
+        <p:nvSpPr>
+          <p:cNvPr id="4" name="Title 3"/>
+          <p:cNvSpPr>
+            <a:spLocks noGrp="1"/>
+          </p:cNvSpPr>
+          <p:nvPr>
+            <p:ph type="title"/>
+          </p:nvPr>
+        </p:nvSpPr>
+        <p:spPr>
+          <a:xfrm>
+            <a:off x="1141413" y="2689715"/>
+            <a:ext cx="9905998" cy="1478570"/>
+          </a:xfrm>
+        </p:spPr>
+        <p:txBody>
+          <a:bodyPr>
+            <a:normAutofit/>
+          </a:bodyPr>
+          <a:lstStyle/>
+          <a:p>
+            <a:pPr algn="ctr"/>
+            <a:r>
+              <a:rPr lang="en-ID" sz="7200" dirty="0" err="1" smtClean="0"/>
+              <a:t>Halaman</a:t>
+            </a:r>
+            <a:r>
+              <a:rPr lang="en-ID" sz="7200" dirty="0" smtClean="0"/>
+              <a:t> Admin</a:t>
+            </a:r>
+            <a:endParaRPr lang="en-US" sz="7200" dirty="0"/>
+          </a:p>
+        </p:txBody>
+      </p:sp>
+    </p:spTree>
+  </p:cSld>
+  <p:clrMapOvr>
+    <a:masterClrMapping/>
+  </p:clrMapOvr>
+</p:sld>
+</file>
+
+<file path=ppt/slides/slide7.xml><?xml version="1.0" encoding="utf-8"?>
+<p:sld xmlns:a="http://schemas.openxmlformats.org/drawingml/2006/main" xmlns:r="http://schemas.openxmlformats.org/officeDocument/2006/relationships" xmlns:p="http://schemas.openxmlformats.org/presentationml/2006/main">
+  <p:cSld>
+    <p:spTree>
+      <p:nvGrpSpPr>
+        <p:cNvPr id="1" name=""/>
+        <p:cNvGrpSpPr/>
+        <p:nvPr/>
+      </p:nvGrpSpPr>
+      <p:grpSpPr>
+        <a:xfrm>
+          <a:off x="0" y="0"/>
+          <a:ext cx="0" cy="0"/>
+          <a:chOff x="0" y="0"/>
+          <a:chExt cx="0" cy="0"/>
+        </a:xfrm>
+      </p:grpSpPr>
+      <p:sp>
+        <p:nvSpPr>
+          <p:cNvPr id="2" name="Title 1">
+            <a:extLst>
+              <a:ext uri="{FF2B5EF4-FFF2-40B4-BE49-F238E27FC236}">
+                <a16:creationId xmlns:a16="http://schemas.microsoft.com/office/drawing/2014/main" xmlns="" id="{7E431CF9-F1C7-41CD-8C8A-66AD9279BD88}"/>
+              </a:ext>
+            </a:extLst>
+          </p:cNvPr>
+          <p:cNvSpPr>
+            <a:spLocks noGrp="1"/>
+          </p:cNvSpPr>
+          <p:nvPr>
+            <p:ph type="title"/>
+          </p:nvPr>
+        </p:nvSpPr>
+        <p:spPr/>
+        <p:txBody>
+          <a:bodyPr/>
+          <a:lstStyle/>
+          <a:p>
+            <a:r>
+              <a:rPr lang="en-GB" dirty="0" smtClean="0"/>
+              <a:t>A</a:t>
+            </a:r>
+            <a:r>
+              <a:rPr lang="en-GB" dirty="0" smtClean="0"/>
+              <a:t>. </a:t>
+            </a:r>
+            <a:r>
+              <a:rPr lang="en-GB" dirty="0" err="1" smtClean="0"/>
+              <a:t>Halaman</a:t>
+            </a:r>
+            <a:r>
+              <a:rPr lang="en-GB" dirty="0" smtClean="0"/>
+              <a:t> Login</a:t>
+            </a:r>
+            <a:endParaRPr lang="en-GB" dirty="0"/>
+          </a:p>
+        </p:txBody>
+      </p:sp>
+      <p:sp>
+        <p:nvSpPr>
+          <p:cNvPr id="4" name="Rectangle 3">
+            <a:extLst>
+              <a:ext uri="{FF2B5EF4-FFF2-40B4-BE49-F238E27FC236}">
+                <a16:creationId xmlns:a16="http://schemas.microsoft.com/office/drawing/2014/main" xmlns="" id="{1071252C-EDC3-46FF-9742-9622EDD0FD79}"/>
+              </a:ext>
+            </a:extLst>
+          </p:cNvPr>
+          <p:cNvSpPr/>
+          <p:nvPr/>
+        </p:nvSpPr>
+        <p:spPr>
+          <a:xfrm>
+            <a:off x="762757" y="1885071"/>
+            <a:ext cx="10663310" cy="4543864"/>
+          </a:xfrm>
+          <a:prstGeom prst="rect">
             <a:avLst/>
           </a:prstGeom>
         </p:spPr>
         <p:style>
-          <a:lnRef idx="1">
+          <a:lnRef idx="2">
+            <a:schemeClr val="accent6"/>
+          </a:lnRef>
+          <a:fillRef idx="1">
+            <a:schemeClr val="lt1"/>
+          </a:fillRef>
+          <a:effectRef idx="0">
+            <a:schemeClr val="accent6"/>
+          </a:effectRef>
+          <a:fontRef idx="minor">
+            <a:schemeClr val="dk1"/>
+          </a:fontRef>
+        </p:style>
+        <p:txBody>
+          <a:bodyPr rtlCol="0" anchor="ctr"/>
+          <a:lstStyle/>
+          <a:p>
+            <a:pPr algn="ctr"/>
+            <a:endParaRPr lang="en-GB"/>
+          </a:p>
+        </p:txBody>
+      </p:sp>
+      <p:sp>
+        <p:nvSpPr>
+          <p:cNvPr id="5" name="Rectangle 4">
+            <a:extLst>
+              <a:ext uri="{FF2B5EF4-FFF2-40B4-BE49-F238E27FC236}">
+                <a16:creationId xmlns:a16="http://schemas.microsoft.com/office/drawing/2014/main" xmlns="" id="{1D88BB67-A8B7-481B-B472-86A3D0711D35}"/>
+              </a:ext>
+            </a:extLst>
+          </p:cNvPr>
+          <p:cNvSpPr/>
+          <p:nvPr/>
+        </p:nvSpPr>
+        <p:spPr>
+          <a:xfrm>
+            <a:off x="1547446" y="2461846"/>
+            <a:ext cx="9270609" cy="3615397"/>
+          </a:xfrm>
+          <a:prstGeom prst="rect">
+            <a:avLst/>
+          </a:prstGeom>
+        </p:spPr>
+        <p:style>
+          <a:lnRef idx="2">
             <a:schemeClr val="dk1"/>
           </a:lnRef>
-          <a:fillRef idx="0">
-            <a:schemeClr val="dk1"/>
+          <a:fillRef idx="1">
+            <a:schemeClr val="lt1"/>
           </a:fillRef>
           <a:effectRef idx="0">
             <a:schemeClr val="dk1"/>
           </a:effectRef>
           <a:fontRef idx="minor">
-            <a:schemeClr val="tx1"/>
+            <a:schemeClr val="dk1"/>
           </a:fontRef>
         </p:style>
-      </p:cxnSp>
+        <p:txBody>
+          <a:bodyPr rtlCol="0" anchor="ctr"/>
+          <a:lstStyle/>
+          <a:p>
+            <a:pPr algn="ctr"/>
+            <a:endParaRPr lang="en-GB" dirty="0"/>
+          </a:p>
+        </p:txBody>
+      </p:sp>
       <p:grpSp>
         <p:nvGrpSpPr>
-          <p:cNvPr id="10" name="Group 9">
+          <p:cNvPr id="3" name="Group 9">
             <a:extLst>
               <a:ext uri="{FF2B5EF4-FFF2-40B4-BE49-F238E27FC236}">
-                <a16:creationId xmlns:a16="http://schemas.microsoft.com/office/drawing/2014/main" id="{D648E696-95CD-4A5D-A69F-2A2ACFCB8A96}"/>
+                <a16:creationId xmlns:a16="http://schemas.microsoft.com/office/drawing/2014/main" xmlns="" id="{D648E696-95CD-4A5D-A69F-2A2ACFCB8A96}"/>
               </a:ext>
             </a:extLst>
           </p:cNvPr>
@@ -13091,10 +15945,10 @@
         </p:nvGrpSpPr>
         <p:grpSpPr>
           <a:xfrm>
-            <a:off x="7814088" y="5302278"/>
-            <a:ext cx="1986129" cy="369332"/>
-            <a:chOff x="7934178" y="618518"/>
-            <a:chExt cx="2481907" cy="369332"/>
+            <a:off x="5628998" y="5011219"/>
+            <a:ext cx="1107504" cy="369332"/>
+            <a:chOff x="7934182" y="618518"/>
+            <a:chExt cx="2481908" cy="369332"/>
           </a:xfrm>
         </p:grpSpPr>
         <p:sp>
@@ -13102,7 +15956,7 @@
             <p:cNvPr id="9" name="Rectangle: Rounded Corners 8">
               <a:extLst>
                 <a:ext uri="{FF2B5EF4-FFF2-40B4-BE49-F238E27FC236}">
-                  <a16:creationId xmlns:a16="http://schemas.microsoft.com/office/drawing/2014/main" id="{1D59563C-2E40-4708-9F54-DC30C2079569}"/>
+                  <a16:creationId xmlns:a16="http://schemas.microsoft.com/office/drawing/2014/main" xmlns="" id="{1D59563C-2E40-4708-9F54-DC30C2079569}"/>
                 </a:ext>
               </a:extLst>
             </p:cNvPr>
@@ -13111,8 +15965,8 @@
           </p:nvSpPr>
           <p:spPr>
             <a:xfrm>
-              <a:off x="7934178" y="618518"/>
-              <a:ext cx="2481907" cy="369332"/>
+              <a:off x="7934182" y="618518"/>
+              <a:ext cx="2481908" cy="369332"/>
             </a:xfrm>
             <a:prstGeom prst="roundRect">
               <a:avLst/>
@@ -13148,7 +16002,7 @@
             <p:cNvPr id="8" name="TextBox 7">
               <a:extLst>
                 <a:ext uri="{FF2B5EF4-FFF2-40B4-BE49-F238E27FC236}">
-                  <a16:creationId xmlns:a16="http://schemas.microsoft.com/office/drawing/2014/main" id="{A3733895-E1DB-4CC1-BE59-AC1E6A08A60C}"/>
+                  <a16:creationId xmlns:a16="http://schemas.microsoft.com/office/drawing/2014/main" xmlns="" id="{A3733895-E1DB-4CC1-BE59-AC1E6A08A60C}"/>
                 </a:ext>
               </a:extLst>
             </p:cNvPr>
@@ -13158,7 +16012,59 @@
           <p:spPr>
             <a:xfrm>
               <a:off x="8117058" y="618518"/>
-              <a:ext cx="1657762" cy="369332"/>
+              <a:ext cx="2145791" cy="369332"/>
+            </a:xfrm>
+            <a:prstGeom prst="rect">
+              <a:avLst/>
+            </a:prstGeom>
+            <a:noFill/>
+          </p:spPr>
+          <p:txBody>
+            <a:bodyPr wrap="square" rtlCol="0">
+              <a:spAutoFit/>
+            </a:bodyPr>
+            <a:lstStyle/>
+            <a:p>
+              <a:pPr algn="ctr"/>
+              <a:r>
+                <a:rPr lang="en-GB" dirty="0" smtClean="0"/>
+                <a:t>Login</a:t>
+              </a:r>
+              <a:endParaRPr lang="en-GB" dirty="0"/>
+            </a:p>
+          </p:txBody>
+        </p:sp>
+      </p:grpSp>
+      <p:grpSp>
+        <p:nvGrpSpPr>
+          <p:cNvPr id="20" name="Group 19"/>
+          <p:cNvGrpSpPr/>
+          <p:nvPr/>
+        </p:nvGrpSpPr>
+        <p:grpSpPr>
+          <a:xfrm>
+            <a:off x="3602355" y="3927456"/>
+            <a:ext cx="5160791" cy="684177"/>
+            <a:chOff x="5314298" y="3499366"/>
+            <a:chExt cx="5160791" cy="684177"/>
+          </a:xfrm>
+        </p:grpSpPr>
+        <p:sp>
+          <p:nvSpPr>
+            <p:cNvPr id="13" name="TextBox 12">
+              <a:extLst>
+                <a:ext uri="{FF2B5EF4-FFF2-40B4-BE49-F238E27FC236}">
+                  <a16:creationId xmlns:a16="http://schemas.microsoft.com/office/drawing/2014/main" xmlns="" id="{F222825D-6E03-46AD-AE6F-77D3EF3E8DC0}"/>
+                </a:ext>
+              </a:extLst>
+            </p:cNvPr>
+            <p:cNvSpPr txBox="1"/>
+            <p:nvPr/>
+          </p:nvSpPr>
+          <p:spPr>
+            <a:xfrm>
+              <a:off x="5314298" y="3499366"/>
+              <a:ext cx="1620957" cy="646331"/>
             </a:xfrm>
             <a:prstGeom prst="rect">
               <a:avLst/>
@@ -13172,28 +16078,165 @@
             <a:lstStyle/>
             <a:p>
               <a:r>
-                <a:rPr lang="en-GB" dirty="0" err="1"/>
-                <a:t>Pesan</a:t>
+                <a:rPr lang="en-GB" dirty="0" smtClean="0">
+                  <a:solidFill>
+                    <a:schemeClr val="bg1"/>
+                  </a:solidFill>
+                </a:rPr>
+                <a:t>Username</a:t>
               </a:r>
               <a:r>
-                <a:rPr lang="en-GB" dirty="0"/>
-                <a:t> </a:t>
+                <a:rPr lang="en-GB" dirty="0">
+                  <a:solidFill>
+                    <a:schemeClr val="bg1"/>
+                  </a:solidFill>
+                </a:rPr>
+                <a:t>		:</a:t>
+              </a:r>
+            </a:p>
+            <a:p>
+              <a:r>
+                <a:rPr lang="en-GB" dirty="0" smtClean="0">
+                  <a:solidFill>
+                    <a:schemeClr val="bg1"/>
+                  </a:solidFill>
+                </a:rPr>
+                <a:t>Password</a:t>
               </a:r>
               <a:r>
-                <a:rPr lang="en-GB" dirty="0" err="1"/>
-                <a:t>Sekarang</a:t>
+                <a:rPr lang="en-GB" dirty="0">
+                  <a:solidFill>
+                    <a:schemeClr val="bg1"/>
+                  </a:solidFill>
+                </a:rPr>
+                <a:t>		</a:t>
               </a:r>
-              <a:endParaRPr lang="en-GB" dirty="0"/>
+              <a:r>
+                <a:rPr lang="en-GB" dirty="0" smtClean="0">
+                  <a:solidFill>
+                    <a:schemeClr val="bg1"/>
+                  </a:solidFill>
+                </a:rPr>
+                <a:t>:</a:t>
+              </a:r>
+              <a:endParaRPr lang="en-GB" dirty="0">
+                <a:solidFill>
+                  <a:schemeClr val="bg1"/>
+                </a:solidFill>
+              </a:endParaRPr>
             </a:p>
           </p:txBody>
         </p:sp>
+        <p:grpSp>
+          <p:nvGrpSpPr>
+            <p:cNvPr id="6" name="Group 18"/>
+            <p:cNvGrpSpPr/>
+            <p:nvPr/>
+          </p:nvGrpSpPr>
+          <p:grpSpPr>
+            <a:xfrm>
+              <a:off x="6679162" y="3510027"/>
+              <a:ext cx="3795927" cy="673516"/>
+              <a:chOff x="6783334" y="3359552"/>
+              <a:chExt cx="6292519" cy="673516"/>
+            </a:xfrm>
+          </p:grpSpPr>
+          <p:sp>
+            <p:nvSpPr>
+              <p:cNvPr id="14" name="Rectangle 13">
+                <a:extLst>
+                  <a:ext uri="{FF2B5EF4-FFF2-40B4-BE49-F238E27FC236}">
+                    <a16:creationId xmlns:a16="http://schemas.microsoft.com/office/drawing/2014/main" xmlns="" id="{6C96306D-F555-4922-AF14-5C4CBEBC7B26}"/>
+                  </a:ext>
+                </a:extLst>
+              </p:cNvPr>
+              <p:cNvSpPr/>
+              <p:nvPr/>
+            </p:nvSpPr>
+            <p:spPr>
+              <a:xfrm>
+                <a:off x="6783334" y="3359552"/>
+                <a:ext cx="6292519" cy="298913"/>
+              </a:xfrm>
+              <a:prstGeom prst="rect">
+                <a:avLst/>
+              </a:prstGeom>
+            </p:spPr>
+            <p:style>
+              <a:lnRef idx="2">
+                <a:schemeClr val="dk1"/>
+              </a:lnRef>
+              <a:fillRef idx="1">
+                <a:schemeClr val="lt1"/>
+              </a:fillRef>
+              <a:effectRef idx="0">
+                <a:schemeClr val="dk1"/>
+              </a:effectRef>
+              <a:fontRef idx="minor">
+                <a:schemeClr val="dk1"/>
+              </a:fontRef>
+            </p:style>
+            <p:txBody>
+              <a:bodyPr rtlCol="0" anchor="ctr"/>
+              <a:lstStyle/>
+              <a:p>
+                <a:pPr algn="ctr"/>
+                <a:endParaRPr lang="en-GB"/>
+              </a:p>
+            </p:txBody>
+          </p:sp>
+          <p:sp>
+            <p:nvSpPr>
+              <p:cNvPr id="16" name="Rectangle 15">
+                <a:extLst>
+                  <a:ext uri="{FF2B5EF4-FFF2-40B4-BE49-F238E27FC236}">
+                    <a16:creationId xmlns:a16="http://schemas.microsoft.com/office/drawing/2014/main" xmlns="" id="{139F3711-8F3C-4899-A3C0-F107FBF68A2A}"/>
+                  </a:ext>
+                </a:extLst>
+              </p:cNvPr>
+              <p:cNvSpPr/>
+              <p:nvPr/>
+            </p:nvSpPr>
+            <p:spPr>
+              <a:xfrm>
+                <a:off x="6783334" y="3734155"/>
+                <a:ext cx="6292519" cy="298913"/>
+              </a:xfrm>
+              <a:prstGeom prst="rect">
+                <a:avLst/>
+              </a:prstGeom>
+            </p:spPr>
+            <p:style>
+              <a:lnRef idx="2">
+                <a:schemeClr val="dk1"/>
+              </a:lnRef>
+              <a:fillRef idx="1">
+                <a:schemeClr val="lt1"/>
+              </a:fillRef>
+              <a:effectRef idx="0">
+                <a:schemeClr val="dk1"/>
+              </a:effectRef>
+              <a:fontRef idx="minor">
+                <a:schemeClr val="dk1"/>
+              </a:fontRef>
+            </p:style>
+            <p:txBody>
+              <a:bodyPr rtlCol="0" anchor="ctr"/>
+              <a:lstStyle/>
+              <a:p>
+                <a:pPr algn="ctr"/>
+                <a:endParaRPr lang="en-GB"/>
+              </a:p>
+            </p:txBody>
+          </p:sp>
+        </p:grpSp>
       </p:grpSp>
       <p:sp>
         <p:nvSpPr>
-          <p:cNvPr id="11" name="TextBox 10">
+          <p:cNvPr id="25" name="TextBox 24">
             <a:extLst>
               <a:ext uri="{FF2B5EF4-FFF2-40B4-BE49-F238E27FC236}">
-                <a16:creationId xmlns:a16="http://schemas.microsoft.com/office/drawing/2014/main" id="{5034200D-D060-4C18-95E1-FA75245B9E6F}"/>
+                <a16:creationId xmlns:a16="http://schemas.microsoft.com/office/drawing/2014/main" xmlns="" id="{5034200D-D060-4C18-95E1-FA75245B9E6F}"/>
               </a:ext>
             </a:extLst>
           </p:cNvPr>
@@ -13203,7 +16246,7 @@
         <p:spPr>
           <a:xfrm>
             <a:off x="1730326" y="2625301"/>
-            <a:ext cx="1489510" cy="369332"/>
+            <a:ext cx="707245" cy="369332"/>
           </a:xfrm>
           <a:prstGeom prst="rect">
             <a:avLst/>
@@ -13217,141 +16260,98 @@
           <a:lstStyle/>
           <a:p>
             <a:r>
-              <a:rPr lang="en-GB" b="1" dirty="0">
+              <a:rPr lang="en-GB" b="1" dirty="0" smtClean="0">
                 <a:solidFill>
                   <a:schemeClr val="bg1"/>
                 </a:solidFill>
               </a:rPr>
-              <a:t>MYBOOKING</a:t>
-            </a:r>
+              <a:t>Login</a:t>
+            </a:r>
+            <a:endParaRPr lang="en-GB" b="1" dirty="0">
+              <a:solidFill>
+                <a:schemeClr val="bg1"/>
+              </a:solidFill>
+            </a:endParaRPr>
+          </a:p>
+        </p:txBody>
+      </p:sp>
+    </p:spTree>
+    <p:extLst>
+      <p:ext uri="{BB962C8B-B14F-4D97-AF65-F5344CB8AC3E}">
+        <p14:creationId xmlns:p14="http://schemas.microsoft.com/office/powerpoint/2010/main" xmlns="" val="3804495290"/>
+      </p:ext>
+    </p:extLst>
+  </p:cSld>
+  <p:clrMapOvr>
+    <a:masterClrMapping/>
+  </p:clrMapOvr>
+</p:sld>
+</file>
+
+<file path=ppt/slides/slide8.xml><?xml version="1.0" encoding="utf-8"?>
+<p:sld xmlns:a="http://schemas.openxmlformats.org/drawingml/2006/main" xmlns:r="http://schemas.openxmlformats.org/officeDocument/2006/relationships" xmlns:p="http://schemas.openxmlformats.org/presentationml/2006/main">
+  <p:cSld>
+    <p:spTree>
+      <p:nvGrpSpPr>
+        <p:cNvPr id="1" name=""/>
+        <p:cNvGrpSpPr/>
+        <p:nvPr/>
+      </p:nvGrpSpPr>
+      <p:grpSpPr>
+        <a:xfrm>
+          <a:off x="0" y="0"/>
+          <a:ext cx="0" cy="0"/>
+          <a:chOff x="0" y="0"/>
+          <a:chExt cx="0" cy="0"/>
+        </a:xfrm>
+      </p:grpSpPr>
+      <p:sp>
+        <p:nvSpPr>
+          <p:cNvPr id="2" name="Title 1">
+            <a:extLst>
+              <a:ext uri="{FF2B5EF4-FFF2-40B4-BE49-F238E27FC236}">
+                <a16:creationId xmlns:a16="http://schemas.microsoft.com/office/drawing/2014/main" xmlns="" id="{7E431CF9-F1C7-41CD-8C8A-66AD9279BD88}"/>
+              </a:ext>
+            </a:extLst>
+          </p:cNvPr>
+          <p:cNvSpPr>
+            <a:spLocks noGrp="1"/>
+          </p:cNvSpPr>
+          <p:nvPr>
+            <p:ph type="title"/>
+          </p:nvPr>
+        </p:nvSpPr>
+        <p:spPr/>
+        <p:txBody>
+          <a:bodyPr/>
+          <a:lstStyle/>
+          <a:p>
+            <a:r>
+              <a:rPr lang="en-GB" dirty="0" smtClean="0"/>
+              <a:t>B</a:t>
+            </a:r>
+            <a:r>
+              <a:rPr lang="en-GB" dirty="0" smtClean="0"/>
+              <a:t>. </a:t>
+            </a:r>
+            <a:r>
+              <a:rPr lang="en-GB" dirty="0" err="1" smtClean="0"/>
+              <a:t>Halaman</a:t>
+            </a:r>
+            <a:r>
+              <a:rPr lang="en-GB" dirty="0" smtClean="0"/>
+              <a:t> Dashboard</a:t>
+            </a:r>
+            <a:endParaRPr lang="en-GB" dirty="0"/>
           </a:p>
         </p:txBody>
       </p:sp>
       <p:sp>
         <p:nvSpPr>
-          <p:cNvPr id="3" name="TextBox 2">
+          <p:cNvPr id="4" name="Rectangle 3">
             <a:extLst>
               <a:ext uri="{FF2B5EF4-FFF2-40B4-BE49-F238E27FC236}">
-                <a16:creationId xmlns:a16="http://schemas.microsoft.com/office/drawing/2014/main" id="{F222825D-6E03-46AD-AE6F-77D3EF3E8DC0}"/>
-              </a:ext>
-            </a:extLst>
-          </p:cNvPr>
-          <p:cNvSpPr txBox="1"/>
-          <p:nvPr/>
-        </p:nvSpPr>
-        <p:spPr>
-          <a:xfrm>
-            <a:off x="2038662" y="3418339"/>
-            <a:ext cx="1620957" cy="1477328"/>
-          </a:xfrm>
-          <a:prstGeom prst="rect">
-            <a:avLst/>
-          </a:prstGeom>
-          <a:noFill/>
-        </p:spPr>
-        <p:txBody>
-          <a:bodyPr wrap="none" rtlCol="0">
-            <a:spAutoFit/>
-          </a:bodyPr>
-          <a:lstStyle/>
-          <a:p>
-            <a:r>
-              <a:rPr lang="en-GB" dirty="0">
-                <a:solidFill>
-                  <a:schemeClr val="bg1"/>
-                </a:solidFill>
-              </a:rPr>
-              <a:t>Nama		:</a:t>
-            </a:r>
-          </a:p>
-          <a:p>
-            <a:r>
-              <a:rPr lang="en-GB" dirty="0">
-                <a:solidFill>
-                  <a:schemeClr val="bg1"/>
-                </a:solidFill>
-              </a:rPr>
-              <a:t>Pelajaran		:</a:t>
-            </a:r>
-          </a:p>
-          <a:p>
-            <a:r>
-              <a:rPr lang="en-GB" dirty="0" err="1">
-                <a:solidFill>
-                  <a:schemeClr val="bg1"/>
-                </a:solidFill>
-              </a:rPr>
-              <a:t>Tanggal</a:t>
-            </a:r>
-            <a:r>
-              <a:rPr lang="en-GB" dirty="0">
-                <a:solidFill>
-                  <a:schemeClr val="bg1"/>
-                </a:solidFill>
-              </a:rPr>
-              <a:t>		:</a:t>
-            </a:r>
-          </a:p>
-          <a:p>
-            <a:r>
-              <a:rPr lang="en-GB" dirty="0">
-                <a:solidFill>
-                  <a:schemeClr val="bg1"/>
-                </a:solidFill>
-              </a:rPr>
-              <a:t>Jam </a:t>
-            </a:r>
-            <a:r>
-              <a:rPr lang="en-GB" dirty="0" err="1">
-                <a:solidFill>
-                  <a:schemeClr val="bg1"/>
-                </a:solidFill>
-              </a:rPr>
-              <a:t>mulai</a:t>
-            </a:r>
-            <a:r>
-              <a:rPr lang="en-GB" dirty="0">
-                <a:solidFill>
-                  <a:schemeClr val="bg1"/>
-                </a:solidFill>
-              </a:rPr>
-              <a:t>		:</a:t>
-            </a:r>
-          </a:p>
-          <a:p>
-            <a:r>
-              <a:rPr lang="en-GB" dirty="0">
-                <a:solidFill>
-                  <a:schemeClr val="bg1"/>
-                </a:solidFill>
-              </a:rPr>
-              <a:t>Jam </a:t>
-            </a:r>
-            <a:r>
-              <a:rPr lang="en-GB" dirty="0" err="1">
-                <a:solidFill>
-                  <a:schemeClr val="bg1"/>
-                </a:solidFill>
-              </a:rPr>
-              <a:t>selesai</a:t>
-            </a:r>
-            <a:r>
-              <a:rPr lang="en-GB" dirty="0">
-                <a:solidFill>
-                  <a:schemeClr val="bg1"/>
-                </a:solidFill>
-              </a:rPr>
-              <a:t>	:</a:t>
-            </a:r>
-          </a:p>
-        </p:txBody>
-      </p:sp>
-      <p:sp>
-        <p:nvSpPr>
-          <p:cNvPr id="6" name="Rectangle 5">
-            <a:extLst>
-              <a:ext uri="{FF2B5EF4-FFF2-40B4-BE49-F238E27FC236}">
-                <a16:creationId xmlns:a16="http://schemas.microsoft.com/office/drawing/2014/main" id="{6C96306D-F555-4922-AF14-5C4CBEBC7B26}"/>
+                <a16:creationId xmlns:a16="http://schemas.microsoft.com/office/drawing/2014/main" xmlns="" id="{1071252C-EDC3-46FF-9742-9622EDD0FD79}"/>
               </a:ext>
             </a:extLst>
           </p:cNvPr>
@@ -13360,8 +16360,52 @@
         </p:nvSpPr>
         <p:spPr>
           <a:xfrm>
-            <a:off x="3507698" y="3429000"/>
-            <a:ext cx="6292519" cy="298913"/>
+            <a:off x="762757" y="1885071"/>
+            <a:ext cx="10663310" cy="4543864"/>
+          </a:xfrm>
+          <a:prstGeom prst="rect">
+            <a:avLst/>
+          </a:prstGeom>
+        </p:spPr>
+        <p:style>
+          <a:lnRef idx="2">
+            <a:schemeClr val="accent6"/>
+          </a:lnRef>
+          <a:fillRef idx="1">
+            <a:schemeClr val="lt1"/>
+          </a:fillRef>
+          <a:effectRef idx="0">
+            <a:schemeClr val="accent6"/>
+          </a:effectRef>
+          <a:fontRef idx="minor">
+            <a:schemeClr val="dk1"/>
+          </a:fontRef>
+        </p:style>
+        <p:txBody>
+          <a:bodyPr rtlCol="0" anchor="ctr"/>
+          <a:lstStyle/>
+          <a:p>
+            <a:pPr algn="ctr"/>
+            <a:endParaRPr lang="en-GB"/>
+          </a:p>
+        </p:txBody>
+      </p:sp>
+      <p:sp>
+        <p:nvSpPr>
+          <p:cNvPr id="5" name="Rectangle 4">
+            <a:extLst>
+              <a:ext uri="{FF2B5EF4-FFF2-40B4-BE49-F238E27FC236}">
+                <a16:creationId xmlns:a16="http://schemas.microsoft.com/office/drawing/2014/main" xmlns="" id="{1D88BB67-A8B7-481B-B472-86A3D0711D35}"/>
+              </a:ext>
+            </a:extLst>
+          </p:cNvPr>
+          <p:cNvSpPr/>
+          <p:nvPr/>
+        </p:nvSpPr>
+        <p:spPr>
+          <a:xfrm>
+            <a:off x="1547446" y="2461846"/>
+            <a:ext cx="9270609" cy="3615397"/>
           </a:xfrm>
           <a:prstGeom prst="rect">
             <a:avLst/>
@@ -13386,16 +16430,538 @@
           <a:lstStyle/>
           <a:p>
             <a:pPr algn="ctr"/>
-            <a:endParaRPr lang="en-GB"/>
+            <a:endParaRPr lang="en-GB" dirty="0"/>
           </a:p>
         </p:txBody>
       </p:sp>
       <p:sp>
         <p:nvSpPr>
-          <p:cNvPr id="12" name="Rectangle 11">
+          <p:cNvPr id="8" name="TextBox 7">
             <a:extLst>
               <a:ext uri="{FF2B5EF4-FFF2-40B4-BE49-F238E27FC236}">
-                <a16:creationId xmlns:a16="http://schemas.microsoft.com/office/drawing/2014/main" id="{139F3711-8F3C-4899-A3C0-F107FBF68A2A}"/>
+                <a16:creationId xmlns:a16="http://schemas.microsoft.com/office/drawing/2014/main" xmlns="" id="{A3733895-E1DB-4CC1-BE59-AC1E6A08A60C}"/>
+              </a:ext>
+            </a:extLst>
+          </p:cNvPr>
+          <p:cNvSpPr txBox="1"/>
+          <p:nvPr/>
+        </p:nvSpPr>
+        <p:spPr>
+          <a:xfrm>
+            <a:off x="5710603" y="5011219"/>
+            <a:ext cx="957518" cy="369332"/>
+          </a:xfrm>
+          <a:prstGeom prst="rect">
+            <a:avLst/>
+          </a:prstGeom>
+          <a:noFill/>
+        </p:spPr>
+        <p:txBody>
+          <a:bodyPr wrap="square" rtlCol="0">
+            <a:spAutoFit/>
+          </a:bodyPr>
+          <a:lstStyle/>
+          <a:p>
+            <a:pPr algn="ctr"/>
+            <a:r>
+              <a:rPr lang="en-GB" dirty="0" smtClean="0"/>
+              <a:t>Login</a:t>
+            </a:r>
+            <a:endParaRPr lang="en-GB" dirty="0"/>
+          </a:p>
+        </p:txBody>
+      </p:sp>
+      <p:sp>
+        <p:nvSpPr>
+          <p:cNvPr id="25" name="TextBox 24">
+            <a:extLst>
+              <a:ext uri="{FF2B5EF4-FFF2-40B4-BE49-F238E27FC236}">
+                <a16:creationId xmlns:a16="http://schemas.microsoft.com/office/drawing/2014/main" xmlns="" id="{5034200D-D060-4C18-95E1-FA75245B9E6F}"/>
+              </a:ext>
+            </a:extLst>
+          </p:cNvPr>
+          <p:cNvSpPr txBox="1"/>
+          <p:nvPr/>
+        </p:nvSpPr>
+        <p:spPr>
+          <a:xfrm>
+            <a:off x="1730326" y="2625301"/>
+            <a:ext cx="1231427" cy="369332"/>
+          </a:xfrm>
+          <a:prstGeom prst="rect">
+            <a:avLst/>
+          </a:prstGeom>
+          <a:noFill/>
+        </p:spPr>
+        <p:txBody>
+          <a:bodyPr wrap="none" rtlCol="0">
+            <a:spAutoFit/>
+          </a:bodyPr>
+          <a:lstStyle/>
+          <a:p>
+            <a:r>
+              <a:rPr lang="en-GB" b="1" dirty="0" smtClean="0">
+                <a:solidFill>
+                  <a:schemeClr val="bg1"/>
+                </a:solidFill>
+              </a:rPr>
+              <a:t>Dashboard</a:t>
+            </a:r>
+            <a:endParaRPr lang="en-GB" b="1" dirty="0">
+              <a:solidFill>
+                <a:schemeClr val="bg1"/>
+              </a:solidFill>
+            </a:endParaRPr>
+          </a:p>
+        </p:txBody>
+      </p:sp>
+      <p:sp>
+        <p:nvSpPr>
+          <p:cNvPr id="15" name="TextBox 14"/>
+          <p:cNvSpPr txBox="1"/>
+          <p:nvPr/>
+        </p:nvSpPr>
+        <p:spPr>
+          <a:xfrm>
+            <a:off x="1744393" y="3249636"/>
+            <a:ext cx="1350499" cy="1754326"/>
+          </a:xfrm>
+          <a:prstGeom prst="rect">
+            <a:avLst/>
+          </a:prstGeom>
+          <a:noFill/>
+        </p:spPr>
+        <p:txBody>
+          <a:bodyPr wrap="square" rtlCol="0">
+            <a:spAutoFit/>
+          </a:bodyPr>
+          <a:lstStyle/>
+          <a:p>
+            <a:pPr>
+              <a:lnSpc>
+                <a:spcPct val="150000"/>
+              </a:lnSpc>
+            </a:pPr>
+            <a:r>
+              <a:rPr lang="en-ID" dirty="0" smtClean="0">
+                <a:solidFill>
+                  <a:schemeClr val="bg1"/>
+                </a:solidFill>
+              </a:rPr>
+              <a:t>Dashboard</a:t>
+            </a:r>
+          </a:p>
+          <a:p>
+            <a:pPr>
+              <a:lnSpc>
+                <a:spcPct val="150000"/>
+              </a:lnSpc>
+            </a:pPr>
+            <a:r>
+              <a:rPr lang="en-ID" dirty="0" err="1" smtClean="0">
+                <a:solidFill>
+                  <a:schemeClr val="bg1"/>
+                </a:solidFill>
+              </a:rPr>
+              <a:t>Kelas</a:t>
+            </a:r>
+            <a:endParaRPr lang="en-ID" dirty="0" smtClean="0">
+              <a:solidFill>
+                <a:schemeClr val="bg1"/>
+              </a:solidFill>
+            </a:endParaRPr>
+          </a:p>
+          <a:p>
+            <a:pPr>
+              <a:lnSpc>
+                <a:spcPct val="150000"/>
+              </a:lnSpc>
+            </a:pPr>
+            <a:r>
+              <a:rPr lang="en-ID" dirty="0" smtClean="0">
+                <a:solidFill>
+                  <a:schemeClr val="bg1"/>
+                </a:solidFill>
+              </a:rPr>
+              <a:t>Booking</a:t>
+            </a:r>
+          </a:p>
+          <a:p>
+            <a:pPr>
+              <a:lnSpc>
+                <a:spcPct val="150000"/>
+              </a:lnSpc>
+            </a:pPr>
+            <a:r>
+              <a:rPr lang="en-ID" dirty="0" err="1" smtClean="0">
+                <a:solidFill>
+                  <a:schemeClr val="bg1"/>
+                </a:solidFill>
+              </a:rPr>
+              <a:t>Jadwal</a:t>
+            </a:r>
+            <a:endParaRPr lang="en-US" dirty="0">
+              <a:solidFill>
+                <a:schemeClr val="bg1"/>
+              </a:solidFill>
+            </a:endParaRPr>
+          </a:p>
+        </p:txBody>
+      </p:sp>
+      <p:grpSp>
+        <p:nvGrpSpPr>
+          <p:cNvPr id="33" name="Group 32"/>
+          <p:cNvGrpSpPr/>
+          <p:nvPr/>
+        </p:nvGrpSpPr>
+        <p:grpSpPr>
+          <a:xfrm>
+            <a:off x="4500464" y="3419542"/>
+            <a:ext cx="3502174" cy="814827"/>
+            <a:chOff x="4500464" y="3236667"/>
+            <a:chExt cx="3502174" cy="814827"/>
+          </a:xfrm>
+        </p:grpSpPr>
+        <p:grpSp>
+          <p:nvGrpSpPr>
+            <p:cNvPr id="23" name="Group 22"/>
+            <p:cNvGrpSpPr/>
+            <p:nvPr/>
+          </p:nvGrpSpPr>
+          <p:grpSpPr>
+            <a:xfrm>
+              <a:off x="4500464" y="3249636"/>
+              <a:ext cx="1627975" cy="801858"/>
+              <a:chOff x="4500464" y="3249636"/>
+              <a:chExt cx="1627975" cy="801858"/>
+            </a:xfrm>
+          </p:grpSpPr>
+          <p:sp>
+            <p:nvSpPr>
+              <p:cNvPr id="17" name="Rectangle 16"/>
+              <p:cNvSpPr/>
+              <p:nvPr/>
+            </p:nvSpPr>
+            <p:spPr>
+              <a:xfrm>
+                <a:off x="4500464" y="3249636"/>
+                <a:ext cx="1561514" cy="801858"/>
+              </a:xfrm>
+              <a:prstGeom prst="rect">
+                <a:avLst/>
+              </a:prstGeom>
+            </p:spPr>
+            <p:style>
+              <a:lnRef idx="2">
+                <a:schemeClr val="accent6"/>
+              </a:lnRef>
+              <a:fillRef idx="1">
+                <a:schemeClr val="lt1"/>
+              </a:fillRef>
+              <a:effectRef idx="0">
+                <a:schemeClr val="accent6"/>
+              </a:effectRef>
+              <a:fontRef idx="minor">
+                <a:schemeClr val="dk1"/>
+              </a:fontRef>
+            </p:style>
+            <p:txBody>
+              <a:bodyPr rtlCol="0" anchor="ctr"/>
+              <a:lstStyle/>
+              <a:p>
+                <a:pPr algn="ctr"/>
+                <a:endParaRPr lang="en-US" dirty="0"/>
+              </a:p>
+            </p:txBody>
+          </p:sp>
+          <p:sp>
+            <p:nvSpPr>
+              <p:cNvPr id="20" name="TextBox 19"/>
+              <p:cNvSpPr txBox="1"/>
+              <p:nvPr/>
+            </p:nvSpPr>
+            <p:spPr>
+              <a:xfrm>
+                <a:off x="5000031" y="3287950"/>
+                <a:ext cx="1128408" cy="523220"/>
+              </a:xfrm>
+              <a:prstGeom prst="rect">
+                <a:avLst/>
+              </a:prstGeom>
+              <a:noFill/>
+            </p:spPr>
+            <p:txBody>
+              <a:bodyPr wrap="square" rtlCol="0">
+                <a:spAutoFit/>
+              </a:bodyPr>
+              <a:lstStyle/>
+              <a:p>
+                <a:r>
+                  <a:rPr lang="en-ID" sz="2800" dirty="0" smtClean="0">
+                    <a:solidFill>
+                      <a:schemeClr val="bg1"/>
+                    </a:solidFill>
+                  </a:rPr>
+                  <a:t>99</a:t>
+                </a:r>
+                <a:endParaRPr lang="en-US" sz="2800" dirty="0">
+                  <a:solidFill>
+                    <a:schemeClr val="bg1"/>
+                  </a:solidFill>
+                </a:endParaRPr>
+              </a:p>
+            </p:txBody>
+          </p:sp>
+          <p:sp>
+            <p:nvSpPr>
+              <p:cNvPr id="22" name="TextBox 21"/>
+              <p:cNvSpPr txBox="1"/>
+              <p:nvPr/>
+            </p:nvSpPr>
+            <p:spPr>
+              <a:xfrm>
+                <a:off x="5019473" y="3696511"/>
+                <a:ext cx="972766" cy="307777"/>
+              </a:xfrm>
+              <a:prstGeom prst="rect">
+                <a:avLst/>
+              </a:prstGeom>
+              <a:noFill/>
+            </p:spPr>
+            <p:txBody>
+              <a:bodyPr wrap="square" rtlCol="0">
+                <a:spAutoFit/>
+              </a:bodyPr>
+              <a:lstStyle/>
+              <a:p>
+                <a:r>
+                  <a:rPr lang="en-ID" sz="1400" dirty="0" err="1" smtClean="0">
+                    <a:solidFill>
+                      <a:schemeClr val="bg1"/>
+                    </a:solidFill>
+                  </a:rPr>
+                  <a:t>Kelas</a:t>
+                </a:r>
+                <a:endParaRPr lang="en-US" sz="1400" dirty="0">
+                  <a:solidFill>
+                    <a:schemeClr val="bg1"/>
+                  </a:solidFill>
+                </a:endParaRPr>
+              </a:p>
+            </p:txBody>
+          </p:sp>
+        </p:grpSp>
+        <p:grpSp>
+          <p:nvGrpSpPr>
+            <p:cNvPr id="24" name="Group 23"/>
+            <p:cNvGrpSpPr/>
+            <p:nvPr/>
+          </p:nvGrpSpPr>
+          <p:grpSpPr>
+            <a:xfrm>
+              <a:off x="6374663" y="3236667"/>
+              <a:ext cx="1627975" cy="801858"/>
+              <a:chOff x="4500464" y="3249636"/>
+              <a:chExt cx="1627975" cy="801858"/>
+            </a:xfrm>
+          </p:grpSpPr>
+          <p:sp>
+            <p:nvSpPr>
+              <p:cNvPr id="26" name="Rectangle 25"/>
+              <p:cNvSpPr/>
+              <p:nvPr/>
+            </p:nvSpPr>
+            <p:spPr>
+              <a:xfrm>
+                <a:off x="4500464" y="3249636"/>
+                <a:ext cx="1561514" cy="801858"/>
+              </a:xfrm>
+              <a:prstGeom prst="rect">
+                <a:avLst/>
+              </a:prstGeom>
+            </p:spPr>
+            <p:style>
+              <a:lnRef idx="2">
+                <a:schemeClr val="accent6"/>
+              </a:lnRef>
+              <a:fillRef idx="1">
+                <a:schemeClr val="lt1"/>
+              </a:fillRef>
+              <a:effectRef idx="0">
+                <a:schemeClr val="accent6"/>
+              </a:effectRef>
+              <a:fontRef idx="minor">
+                <a:schemeClr val="dk1"/>
+              </a:fontRef>
+            </p:style>
+            <p:txBody>
+              <a:bodyPr rtlCol="0" anchor="ctr"/>
+              <a:lstStyle/>
+              <a:p>
+                <a:pPr algn="ctr"/>
+                <a:endParaRPr lang="en-US" dirty="0"/>
+              </a:p>
+            </p:txBody>
+          </p:sp>
+          <p:sp>
+            <p:nvSpPr>
+              <p:cNvPr id="27" name="TextBox 26"/>
+              <p:cNvSpPr txBox="1"/>
+              <p:nvPr/>
+            </p:nvSpPr>
+            <p:spPr>
+              <a:xfrm>
+                <a:off x="5000031" y="3287950"/>
+                <a:ext cx="1128408" cy="523220"/>
+              </a:xfrm>
+              <a:prstGeom prst="rect">
+                <a:avLst/>
+              </a:prstGeom>
+              <a:noFill/>
+            </p:spPr>
+            <p:txBody>
+              <a:bodyPr wrap="square" rtlCol="0">
+                <a:spAutoFit/>
+              </a:bodyPr>
+              <a:lstStyle/>
+              <a:p>
+                <a:r>
+                  <a:rPr lang="en-ID" sz="2800" dirty="0" smtClean="0">
+                    <a:solidFill>
+                      <a:schemeClr val="bg1"/>
+                    </a:solidFill>
+                  </a:rPr>
+                  <a:t>88</a:t>
+                </a:r>
+                <a:endParaRPr lang="en-US" sz="2800" dirty="0">
+                  <a:solidFill>
+                    <a:schemeClr val="bg1"/>
+                  </a:solidFill>
+                </a:endParaRPr>
+              </a:p>
+            </p:txBody>
+          </p:sp>
+          <p:sp>
+            <p:nvSpPr>
+              <p:cNvPr id="28" name="TextBox 27"/>
+              <p:cNvSpPr txBox="1"/>
+              <p:nvPr/>
+            </p:nvSpPr>
+            <p:spPr>
+              <a:xfrm>
+                <a:off x="4961105" y="3696511"/>
+                <a:ext cx="972766" cy="307777"/>
+              </a:xfrm>
+              <a:prstGeom prst="rect">
+                <a:avLst/>
+              </a:prstGeom>
+              <a:noFill/>
+            </p:spPr>
+            <p:txBody>
+              <a:bodyPr wrap="square" rtlCol="0">
+                <a:spAutoFit/>
+              </a:bodyPr>
+              <a:lstStyle/>
+              <a:p>
+                <a:r>
+                  <a:rPr lang="en-ID" sz="1400" dirty="0" smtClean="0">
+                    <a:solidFill>
+                      <a:schemeClr val="bg1"/>
+                    </a:solidFill>
+                  </a:rPr>
+                  <a:t>Booking</a:t>
+                </a:r>
+                <a:endParaRPr lang="en-US" sz="1400" dirty="0">
+                  <a:solidFill>
+                    <a:schemeClr val="bg1"/>
+                  </a:solidFill>
+                </a:endParaRPr>
+              </a:p>
+            </p:txBody>
+          </p:sp>
+        </p:grpSp>
+      </p:grpSp>
+    </p:spTree>
+    <p:extLst>
+      <p:ext uri="{BB962C8B-B14F-4D97-AF65-F5344CB8AC3E}">
+        <p14:creationId xmlns:p14="http://schemas.microsoft.com/office/powerpoint/2010/main" xmlns="" val="3804495290"/>
+      </p:ext>
+    </p:extLst>
+  </p:cSld>
+  <p:clrMapOvr>
+    <a:masterClrMapping/>
+  </p:clrMapOvr>
+</p:sld>
+</file>
+
+<file path=ppt/slides/slide9.xml><?xml version="1.0" encoding="utf-8"?>
+<p:sld xmlns:a="http://schemas.openxmlformats.org/drawingml/2006/main" xmlns:r="http://schemas.openxmlformats.org/officeDocument/2006/relationships" xmlns:p="http://schemas.openxmlformats.org/presentationml/2006/main">
+  <p:cSld>
+    <p:spTree>
+      <p:nvGrpSpPr>
+        <p:cNvPr id="1" name=""/>
+        <p:cNvGrpSpPr/>
+        <p:nvPr/>
+      </p:nvGrpSpPr>
+      <p:grpSpPr>
+        <a:xfrm>
+          <a:off x="0" y="0"/>
+          <a:ext cx="0" cy="0"/>
+          <a:chOff x="0" y="0"/>
+          <a:chExt cx="0" cy="0"/>
+        </a:xfrm>
+      </p:grpSpPr>
+      <p:sp>
+        <p:nvSpPr>
+          <p:cNvPr id="2" name="Title 1">
+            <a:extLst>
+              <a:ext uri="{FF2B5EF4-FFF2-40B4-BE49-F238E27FC236}">
+                <a16:creationId xmlns:a16="http://schemas.microsoft.com/office/drawing/2014/main" xmlns="" id="{7E431CF9-F1C7-41CD-8C8A-66AD9279BD88}"/>
+              </a:ext>
+            </a:extLst>
+          </p:cNvPr>
+          <p:cNvSpPr>
+            <a:spLocks noGrp="1"/>
+          </p:cNvSpPr>
+          <p:nvPr>
+            <p:ph type="title"/>
+          </p:nvPr>
+        </p:nvSpPr>
+        <p:spPr/>
+        <p:txBody>
+          <a:bodyPr/>
+          <a:lstStyle/>
+          <a:p>
+            <a:r>
+              <a:rPr lang="en-GB" dirty="0" smtClean="0"/>
+              <a:t>C</a:t>
+            </a:r>
+            <a:r>
+              <a:rPr lang="en-GB" dirty="0" smtClean="0"/>
+              <a:t>. </a:t>
+            </a:r>
+            <a:r>
+              <a:rPr lang="en-GB" dirty="0" err="1" smtClean="0"/>
+              <a:t>Halaman</a:t>
+            </a:r>
+            <a:r>
+              <a:rPr lang="en-GB" dirty="0" smtClean="0"/>
+              <a:t> </a:t>
+            </a:r>
+            <a:r>
+              <a:rPr lang="en-GB" dirty="0" err="1" smtClean="0"/>
+              <a:t>Kelas</a:t>
+            </a:r>
+            <a:endParaRPr lang="en-GB" dirty="0"/>
+          </a:p>
+        </p:txBody>
+      </p:sp>
+      <p:sp>
+        <p:nvSpPr>
+          <p:cNvPr id="4" name="Rectangle 3">
+            <a:extLst>
+              <a:ext uri="{FF2B5EF4-FFF2-40B4-BE49-F238E27FC236}">
+                <a16:creationId xmlns:a16="http://schemas.microsoft.com/office/drawing/2014/main" xmlns="" id="{1071252C-EDC3-46FF-9742-9622EDD0FD79}"/>
               </a:ext>
             </a:extLst>
           </p:cNvPr>
@@ -13404,12 +16970,399 @@
         </p:nvSpPr>
         <p:spPr>
           <a:xfrm>
-            <a:off x="3507698" y="3803603"/>
-            <a:ext cx="6292519" cy="298913"/>
+            <a:off x="762757" y="1885071"/>
+            <a:ext cx="10663310" cy="4543864"/>
           </a:xfrm>
           <a:prstGeom prst="rect">
             <a:avLst/>
           </a:prstGeom>
+        </p:spPr>
+        <p:style>
+          <a:lnRef idx="2">
+            <a:schemeClr val="accent6"/>
+          </a:lnRef>
+          <a:fillRef idx="1">
+            <a:schemeClr val="lt1"/>
+          </a:fillRef>
+          <a:effectRef idx="0">
+            <a:schemeClr val="accent6"/>
+          </a:effectRef>
+          <a:fontRef idx="minor">
+            <a:schemeClr val="dk1"/>
+          </a:fontRef>
+        </p:style>
+        <p:txBody>
+          <a:bodyPr rtlCol="0" anchor="ctr"/>
+          <a:lstStyle/>
+          <a:p>
+            <a:pPr algn="ctr"/>
+            <a:endParaRPr lang="en-GB"/>
+          </a:p>
+        </p:txBody>
+      </p:sp>
+      <p:sp>
+        <p:nvSpPr>
+          <p:cNvPr id="25" name="TextBox 24">
+            <a:extLst>
+              <a:ext uri="{FF2B5EF4-FFF2-40B4-BE49-F238E27FC236}">
+                <a16:creationId xmlns:a16="http://schemas.microsoft.com/office/drawing/2014/main" xmlns="" id="{5034200D-D060-4C18-95E1-FA75245B9E6F}"/>
+              </a:ext>
+            </a:extLst>
+          </p:cNvPr>
+          <p:cNvSpPr txBox="1"/>
+          <p:nvPr/>
+        </p:nvSpPr>
+        <p:spPr>
+          <a:xfrm>
+            <a:off x="1730326" y="2625301"/>
+            <a:ext cx="715452" cy="369332"/>
+          </a:xfrm>
+          <a:prstGeom prst="rect">
+            <a:avLst/>
+          </a:prstGeom>
+          <a:noFill/>
+        </p:spPr>
+        <p:txBody>
+          <a:bodyPr wrap="none" rtlCol="0">
+            <a:spAutoFit/>
+          </a:bodyPr>
+          <a:lstStyle/>
+          <a:p>
+            <a:r>
+              <a:rPr lang="en-GB" b="1" dirty="0" err="1" smtClean="0">
+                <a:solidFill>
+                  <a:schemeClr val="bg1"/>
+                </a:solidFill>
+              </a:rPr>
+              <a:t>Kelas</a:t>
+            </a:r>
+            <a:endParaRPr lang="en-GB" b="1" dirty="0">
+              <a:solidFill>
+                <a:schemeClr val="bg1"/>
+              </a:solidFill>
+            </a:endParaRPr>
+          </a:p>
+        </p:txBody>
+      </p:sp>
+      <p:graphicFrame>
+        <p:nvGraphicFramePr>
+          <p:cNvPr id="19" name="Table 18"/>
+          <p:cNvGraphicFramePr>
+            <a:graphicFrameLocks noGrp="1"/>
+          </p:cNvGraphicFramePr>
+          <p:nvPr/>
+        </p:nvGraphicFramePr>
+        <p:xfrm>
+          <a:off x="1898997" y="3296629"/>
+          <a:ext cx="8128000" cy="1112520"/>
+        </p:xfrm>
+        <a:graphic>
+          <a:graphicData uri="http://schemas.openxmlformats.org/drawingml/2006/table">
+            <a:tbl>
+              <a:tblPr firstRow="1" bandRow="1">
+                <a:tableStyleId>{073A0DAA-6AF3-43AB-8588-CEC1D06C72B9}</a:tableStyleId>
+              </a:tblPr>
+              <a:tblGrid>
+                <a:gridCol w="1625600"/>
+                <a:gridCol w="1625600"/>
+                <a:gridCol w="1625600"/>
+                <a:gridCol w="1625600"/>
+                <a:gridCol w="1625600"/>
+              </a:tblGrid>
+              <a:tr h="370840">
+                <a:tc>
+                  <a:txBody>
+                    <a:bodyPr/>
+                    <a:lstStyle/>
+                    <a:p>
+                      <a:r>
+                        <a:rPr lang="en-ID" dirty="0" smtClean="0"/>
+                        <a:t>Id </a:t>
+                      </a:r>
+                      <a:r>
+                        <a:rPr lang="en-ID" dirty="0" err="1" smtClean="0"/>
+                        <a:t>kelas</a:t>
+                      </a:r>
+                      <a:endParaRPr lang="en-US" dirty="0"/>
+                    </a:p>
+                  </a:txBody>
+                  <a:tcPr/>
+                </a:tc>
+                <a:tc>
+                  <a:txBody>
+                    <a:bodyPr/>
+                    <a:lstStyle/>
+                    <a:p>
+                      <a:r>
+                        <a:rPr lang="en-ID" dirty="0" err="1" smtClean="0"/>
+                        <a:t>Nama</a:t>
+                      </a:r>
+                      <a:r>
+                        <a:rPr lang="en-ID" dirty="0" smtClean="0"/>
+                        <a:t> </a:t>
+                      </a:r>
+                      <a:r>
+                        <a:rPr lang="en-ID" dirty="0" err="1" smtClean="0"/>
+                        <a:t>Kelas</a:t>
+                      </a:r>
+                      <a:endParaRPr lang="en-US" dirty="0"/>
+                    </a:p>
+                  </a:txBody>
+                  <a:tcPr/>
+                </a:tc>
+                <a:tc>
+                  <a:txBody>
+                    <a:bodyPr/>
+                    <a:lstStyle/>
+                    <a:p>
+                      <a:r>
+                        <a:rPr lang="en-ID" dirty="0" err="1" smtClean="0"/>
+                        <a:t>Pengajar</a:t>
+                      </a:r>
+                      <a:endParaRPr lang="en-US" dirty="0"/>
+                    </a:p>
+                  </a:txBody>
+                  <a:tcPr/>
+                </a:tc>
+                <a:tc>
+                  <a:txBody>
+                    <a:bodyPr/>
+                    <a:lstStyle/>
+                    <a:p>
+                      <a:r>
+                        <a:rPr lang="en-ID" dirty="0" smtClean="0"/>
+                        <a:t>Jam </a:t>
+                      </a:r>
+                      <a:r>
+                        <a:rPr lang="en-ID" dirty="0" err="1" smtClean="0"/>
+                        <a:t>Mengajar</a:t>
+                      </a:r>
+                      <a:endParaRPr lang="en-US" dirty="0"/>
+                    </a:p>
+                  </a:txBody>
+                  <a:tcPr/>
+                </a:tc>
+                <a:tc>
+                  <a:txBody>
+                    <a:bodyPr/>
+                    <a:lstStyle/>
+                    <a:p>
+                      <a:r>
+                        <a:rPr lang="en-ID" dirty="0" err="1" smtClean="0"/>
+                        <a:t>Aksi</a:t>
+                      </a:r>
+                      <a:endParaRPr lang="en-ID" dirty="0" smtClean="0"/>
+                    </a:p>
+                  </a:txBody>
+                  <a:tcPr/>
+                </a:tc>
+              </a:tr>
+              <a:tr h="370840">
+                <a:tc>
+                  <a:txBody>
+                    <a:bodyPr/>
+                    <a:lstStyle/>
+                    <a:p>
+                      <a:r>
+                        <a:rPr lang="en-ID" dirty="0" smtClean="0"/>
+                        <a:t>1</a:t>
+                      </a:r>
+                      <a:endParaRPr lang="en-US" dirty="0"/>
+                    </a:p>
+                  </a:txBody>
+                  <a:tcPr/>
+                </a:tc>
+                <a:tc>
+                  <a:txBody>
+                    <a:bodyPr/>
+                    <a:lstStyle/>
+                    <a:p>
+                      <a:r>
+                        <a:rPr lang="en-ID" dirty="0" err="1" smtClean="0"/>
+                        <a:t>Kelas</a:t>
+                      </a:r>
+                      <a:r>
+                        <a:rPr lang="en-ID" dirty="0" smtClean="0"/>
+                        <a:t> A</a:t>
+                      </a:r>
+                      <a:endParaRPr lang="en-US" dirty="0"/>
+                    </a:p>
+                  </a:txBody>
+                  <a:tcPr/>
+                </a:tc>
+                <a:tc>
+                  <a:txBody>
+                    <a:bodyPr/>
+                    <a:lstStyle/>
+                    <a:p>
+                      <a:r>
+                        <a:rPr lang="en-ID" dirty="0" err="1" smtClean="0"/>
+                        <a:t>Pengajar</a:t>
+                      </a:r>
+                      <a:r>
+                        <a:rPr lang="en-ID" dirty="0" smtClean="0"/>
+                        <a:t> A</a:t>
+                      </a:r>
+                      <a:endParaRPr lang="en-US" dirty="0"/>
+                    </a:p>
+                  </a:txBody>
+                  <a:tcPr/>
+                </a:tc>
+                <a:tc>
+                  <a:txBody>
+                    <a:bodyPr/>
+                    <a:lstStyle/>
+                    <a:p>
+                      <a:r>
+                        <a:rPr lang="en-ID" dirty="0" smtClean="0"/>
+                        <a:t>00:00</a:t>
+                      </a:r>
+                      <a:endParaRPr lang="en-US" dirty="0"/>
+                    </a:p>
+                  </a:txBody>
+                  <a:tcPr/>
+                </a:tc>
+                <a:tc>
+                  <a:txBody>
+                    <a:bodyPr/>
+                    <a:lstStyle/>
+                    <a:p>
+                      <a:r>
+                        <a:rPr lang="en-ID" dirty="0" smtClean="0"/>
+                        <a:t>Edit |</a:t>
+                      </a:r>
+                      <a:r>
+                        <a:rPr lang="en-ID" baseline="0" dirty="0" smtClean="0"/>
+                        <a:t> </a:t>
+                      </a:r>
+                      <a:r>
+                        <a:rPr lang="en-ID" baseline="0" dirty="0" err="1" smtClean="0"/>
+                        <a:t>Hapus</a:t>
+                      </a:r>
+                      <a:endParaRPr lang="en-ID" baseline="0" dirty="0" smtClean="0"/>
+                    </a:p>
+                  </a:txBody>
+                  <a:tcPr/>
+                </a:tc>
+              </a:tr>
+              <a:tr h="370840">
+                <a:tc>
+                  <a:txBody>
+                    <a:bodyPr/>
+                    <a:lstStyle/>
+                    <a:p>
+                      <a:r>
+                        <a:rPr lang="en-ID" dirty="0" smtClean="0"/>
+                        <a:t>2</a:t>
+                      </a:r>
+                      <a:endParaRPr lang="en-US" dirty="0"/>
+                    </a:p>
+                  </a:txBody>
+                  <a:tcPr/>
+                </a:tc>
+                <a:tc>
+                  <a:txBody>
+                    <a:bodyPr/>
+                    <a:lstStyle/>
+                    <a:p>
+                      <a:r>
+                        <a:rPr lang="en-ID" dirty="0" err="1" smtClean="0"/>
+                        <a:t>Kelas</a:t>
+                      </a:r>
+                      <a:r>
+                        <a:rPr lang="en-ID" dirty="0" smtClean="0"/>
+                        <a:t> B</a:t>
+                      </a:r>
+                      <a:endParaRPr lang="en-US" dirty="0"/>
+                    </a:p>
+                  </a:txBody>
+                  <a:tcPr/>
+                </a:tc>
+                <a:tc>
+                  <a:txBody>
+                    <a:bodyPr/>
+                    <a:lstStyle/>
+                    <a:p>
+                      <a:r>
+                        <a:rPr lang="en-ID" dirty="0" err="1" smtClean="0"/>
+                        <a:t>Pengajar</a:t>
+                      </a:r>
+                      <a:r>
+                        <a:rPr lang="en-ID" dirty="0" smtClean="0"/>
+                        <a:t> B</a:t>
+                      </a:r>
+                      <a:endParaRPr lang="en-US" dirty="0"/>
+                    </a:p>
+                  </a:txBody>
+                  <a:tcPr/>
+                </a:tc>
+                <a:tc>
+                  <a:txBody>
+                    <a:bodyPr/>
+                    <a:lstStyle/>
+                    <a:p>
+                      <a:r>
+                        <a:rPr lang="en-ID" dirty="0" smtClean="0"/>
+                        <a:t>00:00</a:t>
+                      </a:r>
+                      <a:endParaRPr lang="en-US" dirty="0"/>
+                    </a:p>
+                  </a:txBody>
+                  <a:tcPr/>
+                </a:tc>
+                <a:tc>
+                  <a:txBody>
+                    <a:bodyPr/>
+                    <a:lstStyle/>
+                    <a:p>
+                      <a:r>
+                        <a:rPr lang="en-ID" dirty="0" smtClean="0"/>
+                        <a:t>Edit |</a:t>
+                      </a:r>
+                      <a:r>
+                        <a:rPr lang="en-ID" baseline="0" dirty="0" smtClean="0"/>
+                        <a:t> </a:t>
+                      </a:r>
+                      <a:r>
+                        <a:rPr lang="en-ID" baseline="0" dirty="0" err="1" smtClean="0"/>
+                        <a:t>Hapus</a:t>
+                      </a:r>
+                      <a:endParaRPr lang="en-ID" dirty="0" smtClean="0"/>
+                    </a:p>
+                  </a:txBody>
+                  <a:tcPr/>
+                </a:tc>
+              </a:tr>
+            </a:tbl>
+          </a:graphicData>
+        </a:graphic>
+      </p:graphicFrame>
+      <p:sp>
+        <p:nvSpPr>
+          <p:cNvPr id="21" name="Rectangle 20">
+            <a:extLst>
+              <a:ext uri="{FF2B5EF4-FFF2-40B4-BE49-F238E27FC236}">
+                <a16:creationId xmlns:a16="http://schemas.microsoft.com/office/drawing/2014/main" xmlns="" id="{1D88BB67-A8B7-481B-B472-86A3D0711D35}"/>
+              </a:ext>
+            </a:extLst>
+          </p:cNvPr>
+          <p:cNvSpPr/>
+          <p:nvPr/>
+        </p:nvSpPr>
+        <p:spPr>
+          <a:xfrm>
+            <a:off x="1547446" y="2461846"/>
+            <a:ext cx="9270609" cy="3615397"/>
+          </a:xfrm>
+          <a:prstGeom prst="rect">
+            <a:avLst/>
+          </a:prstGeom>
+          <a:noFill/>
+          <a:ln>
+            <a:solidFill>
+              <a:schemeClr val="bg1"/>
+            </a:solidFill>
+          </a:ln>
         </p:spPr>
         <p:style>
           <a:lnRef idx="2">
@@ -13430,102 +17383,14 @@
           <a:lstStyle/>
           <a:p>
             <a:pPr algn="ctr"/>
-            <a:endParaRPr lang="en-GB"/>
-          </a:p>
-        </p:txBody>
-      </p:sp>
-      <p:sp>
-        <p:nvSpPr>
-          <p:cNvPr id="13" name="Rectangle 12">
-            <a:extLst>
-              <a:ext uri="{FF2B5EF4-FFF2-40B4-BE49-F238E27FC236}">
-                <a16:creationId xmlns:a16="http://schemas.microsoft.com/office/drawing/2014/main" id="{A327DAB9-62EA-47AA-97F6-BBF35E65B70D}"/>
-              </a:ext>
-            </a:extLst>
-          </p:cNvPr>
-          <p:cNvSpPr/>
-          <p:nvPr/>
-        </p:nvSpPr>
-        <p:spPr>
-          <a:xfrm>
-            <a:off x="3507698" y="4178206"/>
-            <a:ext cx="6292519" cy="298913"/>
-          </a:xfrm>
-          <a:prstGeom prst="rect">
-            <a:avLst/>
-          </a:prstGeom>
-        </p:spPr>
-        <p:style>
-          <a:lnRef idx="2">
-            <a:schemeClr val="dk1"/>
-          </a:lnRef>
-          <a:fillRef idx="1">
-            <a:schemeClr val="lt1"/>
-          </a:fillRef>
-          <a:effectRef idx="0">
-            <a:schemeClr val="dk1"/>
-          </a:effectRef>
-          <a:fontRef idx="minor">
-            <a:schemeClr val="dk1"/>
-          </a:fontRef>
-        </p:style>
-        <p:txBody>
-          <a:bodyPr rtlCol="0" anchor="ctr"/>
-          <a:lstStyle/>
-          <a:p>
-            <a:pPr algn="ctr"/>
-            <a:endParaRPr lang="en-GB"/>
-          </a:p>
-        </p:txBody>
-      </p:sp>
-      <p:sp>
-        <p:nvSpPr>
-          <p:cNvPr id="14" name="Rectangle 13">
-            <a:extLst>
-              <a:ext uri="{FF2B5EF4-FFF2-40B4-BE49-F238E27FC236}">
-                <a16:creationId xmlns:a16="http://schemas.microsoft.com/office/drawing/2014/main" id="{2F21ED66-1150-469B-BE32-D5EFC690A599}"/>
-              </a:ext>
-            </a:extLst>
-          </p:cNvPr>
-          <p:cNvSpPr/>
-          <p:nvPr/>
-        </p:nvSpPr>
-        <p:spPr>
-          <a:xfrm>
-            <a:off x="3507698" y="4552809"/>
-            <a:ext cx="6292519" cy="298913"/>
-          </a:xfrm>
-          <a:prstGeom prst="rect">
-            <a:avLst/>
-          </a:prstGeom>
-        </p:spPr>
-        <p:style>
-          <a:lnRef idx="2">
-            <a:schemeClr val="dk1"/>
-          </a:lnRef>
-          <a:fillRef idx="1">
-            <a:schemeClr val="lt1"/>
-          </a:fillRef>
-          <a:effectRef idx="0">
-            <a:schemeClr val="dk1"/>
-          </a:effectRef>
-          <a:fontRef idx="minor">
-            <a:schemeClr val="dk1"/>
-          </a:fontRef>
-        </p:style>
-        <p:txBody>
-          <a:bodyPr rtlCol="0" anchor="ctr"/>
-          <a:lstStyle/>
-          <a:p>
-            <a:pPr algn="ctr"/>
-            <a:endParaRPr lang="en-GB"/>
+            <a:endParaRPr lang="en-GB" dirty="0"/>
           </a:p>
         </p:txBody>
       </p:sp>
     </p:spTree>
     <p:extLst>
       <p:ext uri="{BB962C8B-B14F-4D97-AF65-F5344CB8AC3E}">
-        <p14:creationId xmlns:p14="http://schemas.microsoft.com/office/powerpoint/2010/main" val="4087535744"/>
+        <p14:creationId xmlns:p14="http://schemas.microsoft.com/office/powerpoint/2010/main" xmlns="" val="3804495290"/>
       </p:ext>
     </p:extLst>
   </p:cSld>
@@ -13578,7 +17443,7 @@
     </a:clrScheme>
     <a:fontScheme name="Circuit">
       <a:majorFont>
-        <a:latin typeface="Tw Cen MT" panose="020B0602020104020603"/>
+        <a:latin typeface="Tw Cen MT"/>
         <a:ea typeface=""/>
         <a:cs typeface=""/>
         <a:font script="Jpan" typeface="ＭＳ Ｐゴシック"/>
@@ -13613,7 +17478,7 @@
         <a:font script="Geor" typeface="Sylfaen"/>
       </a:majorFont>
       <a:minorFont>
-        <a:latin typeface="Tw Cen MT" panose="020B0602020104020603"/>
+        <a:latin typeface="Tw Cen MT"/>
         <a:ea typeface=""/>
         <a:cs typeface=""/>
         <a:font script="Jpan" typeface="ＭＳ Ｐゴシック"/>
@@ -13780,7 +17645,7 @@
   <a:extraClrSchemeLst/>
   <a:extLst>
     <a:ext uri="{05A4C25C-085E-4340-85A3-A5531E510DB2}">
-      <thm15:themeFamily xmlns:thm15="http://schemas.microsoft.com/office/thememl/2012/main" name="Circuit" id="{0AC2F7E7-15F5-431C-B2A2-456FE929F56C}" vid="{0911B802-464C-4241-8DD9-B60FF88E379F}"/>
+      <thm15:themeFamily xmlns:thm15="http://schemas.microsoft.com/office/thememl/2012/main" xmlns="" name="Circuit" id="{0AC2F7E7-15F5-431C-B2A2-456FE929F56C}" vid="{0911B802-464C-4241-8DD9-B60FF88E379F}"/>
     </a:ext>
   </a:extLst>
 </a:theme>
